--- a/Presentation1.pptx
+++ b/Presentation1.pptx
@@ -5,13 +5,16 @@
     <p:sldMasterId id="2147483648" r:id="rId1"/>
   </p:sldMasterIdLst>
   <p:notesMasterIdLst>
-    <p:notesMasterId r:id="rId3"/>
+    <p:notesMasterId r:id="rId6"/>
   </p:notesMasterIdLst>
   <p:handoutMasterIdLst>
-    <p:handoutMasterId r:id="rId4"/>
+    <p:handoutMasterId r:id="rId7"/>
   </p:handoutMasterIdLst>
   <p:sldIdLst>
-    <p:sldId id="257" r:id="rId2"/>
+    <p:sldId id="260" r:id="rId2"/>
+    <p:sldId id="257" r:id="rId3"/>
+    <p:sldId id="258" r:id="rId4"/>
+    <p:sldId id="259" r:id="rId5"/>
   </p:sldIdLst>
   <p:sldSz cx="9144000" cy="6858000" type="screen4x3"/>
   <p:notesSz cx="6858000" cy="9144000"/>
@@ -195,7 +198,8 @@
           <a:p>
             <a:fld id="{E42869DD-3691-A349-9639-EA0E34AA7BC5}" type="datetimeFigureOut">
               <a:rPr lang="en-US" smtClean="0"/>
-              <a:t>10/21/13</a:t>
+              <a:pPr/>
+              <a:t>11/20/13</a:t>
             </a:fld>
             <a:endParaRPr lang="en-US"/>
           </a:p>
@@ -261,6 +265,7 @@
           <a:p>
             <a:fld id="{46860CC8-AC4F-AB4A-82D2-4F22D0268F35}" type="slidenum">
               <a:rPr lang="en-US" smtClean="0"/>
+              <a:pPr/>
               <a:t>‹#›</a:t>
             </a:fld>
             <a:endParaRPr lang="en-US"/>
@@ -356,7 +361,8 @@
           <a:p>
             <a:fld id="{4D86E11E-8E7E-024D-B15E-6F1F43018678}" type="datetimeFigureOut">
               <a:rPr lang="en-US" smtClean="0"/>
-              <a:t>10/21/13</a:t>
+              <a:pPr/>
+              <a:t>11/20/13</a:t>
             </a:fld>
             <a:endParaRPr lang="en-US"/>
           </a:p>
@@ -517,6 +523,7 @@
           <a:p>
             <a:fld id="{3B6D8B4D-4D33-8B4F-8E22-575266B49E90}" type="slidenum">
               <a:rPr lang="en-US" smtClean="0"/>
+              <a:pPr/>
               <a:t>‹#›</a:t>
             </a:fld>
             <a:endParaRPr lang="en-US"/>
@@ -704,6 +711,252 @@
 </p:notes>
 </file>
 
+<file path=ppt/notesSlides/notesSlide2.xml><?xml version="1.0" encoding="utf-8"?>
+<p:notes xmlns:a="http://schemas.openxmlformats.org/drawingml/2006/main" xmlns:r="http://schemas.openxmlformats.org/officeDocument/2006/relationships" xmlns:mc="http://schemas.openxmlformats.org/markup-compatibility/2006" xmlns:mv="urn:schemas-microsoft-com:mac:vml" xmlns:p="http://schemas.openxmlformats.org/presentationml/2006/main" mc:Ignorable="mv" mc:PreserveAttributes="mv:*">
+  <p:cSld>
+    <p:spTree>
+      <p:nvGrpSpPr>
+        <p:cNvPr id="1" name=""/>
+        <p:cNvGrpSpPr/>
+        <p:nvPr/>
+      </p:nvGrpSpPr>
+      <p:grpSpPr>
+        <a:xfrm>
+          <a:off x="0" y="0"/>
+          <a:ext cx="0" cy="0"/>
+          <a:chOff x="0" y="0"/>
+          <a:chExt cx="0" cy="0"/>
+        </a:xfrm>
+      </p:grpSpPr>
+      <p:sp>
+        <p:nvSpPr>
+          <p:cNvPr id="2" name="Slide Image Placeholder 1"/>
+          <p:cNvSpPr>
+            <a:spLocks noGrp="1" noRot="1" noChangeAspect="1"/>
+          </p:cNvSpPr>
+          <p:nvPr>
+            <p:ph type="sldImg"/>
+          </p:nvPr>
+        </p:nvSpPr>
+        <p:spPr/>
+      </p:sp>
+      <p:sp>
+        <p:nvSpPr>
+          <p:cNvPr id="3" name="Notes Placeholder 2"/>
+          <p:cNvSpPr>
+            <a:spLocks noGrp="1"/>
+          </p:cNvSpPr>
+          <p:nvPr>
+            <p:ph type="body" idx="1"/>
+          </p:nvPr>
+        </p:nvSpPr>
+        <p:spPr/>
+        <p:txBody>
+          <a:bodyPr>
+            <a:normAutofit/>
+          </a:bodyPr>
+          <a:lstStyle/>
+          <a:p>
+            <a:endParaRPr lang="en-US" baseline="0" dirty="0" smtClean="0"/>
+          </a:p>
+        </p:txBody>
+      </p:sp>
+      <p:sp>
+        <p:nvSpPr>
+          <p:cNvPr id="4" name="Slide Number Placeholder 3"/>
+          <p:cNvSpPr>
+            <a:spLocks noGrp="1"/>
+          </p:cNvSpPr>
+          <p:nvPr>
+            <p:ph type="sldNum" sz="quarter" idx="10"/>
+          </p:nvPr>
+        </p:nvSpPr>
+        <p:spPr/>
+        <p:txBody>
+          <a:bodyPr/>
+          <a:lstStyle/>
+          <a:p>
+            <a:fld id="{3907C216-10E7-034E-B46C-6E79DD80D1EF}" type="slidenum">
+              <a:rPr lang="en-US" smtClean="0"/>
+              <a:pPr/>
+              <a:t>2</a:t>
+            </a:fld>
+            <a:endParaRPr lang="en-US"/>
+          </a:p>
+        </p:txBody>
+      </p:sp>
+    </p:spTree>
+  </p:cSld>
+  <p:clrMapOvr>
+    <a:masterClrMapping/>
+  </p:clrMapOvr>
+</p:notes>
+</file>
+
+<file path=ppt/notesSlides/notesSlide3.xml><?xml version="1.0" encoding="utf-8"?>
+<p:notes xmlns:a="http://schemas.openxmlformats.org/drawingml/2006/main" xmlns:r="http://schemas.openxmlformats.org/officeDocument/2006/relationships" xmlns:mc="http://schemas.openxmlformats.org/markup-compatibility/2006" xmlns:mv="urn:schemas-microsoft-com:mac:vml" xmlns:p="http://schemas.openxmlformats.org/presentationml/2006/main" mc:Ignorable="mv" mc:PreserveAttributes="mv:*">
+  <p:cSld>
+    <p:spTree>
+      <p:nvGrpSpPr>
+        <p:cNvPr id="1" name=""/>
+        <p:cNvGrpSpPr/>
+        <p:nvPr/>
+      </p:nvGrpSpPr>
+      <p:grpSpPr>
+        <a:xfrm>
+          <a:off x="0" y="0"/>
+          <a:ext cx="0" cy="0"/>
+          <a:chOff x="0" y="0"/>
+          <a:chExt cx="0" cy="0"/>
+        </a:xfrm>
+      </p:grpSpPr>
+      <p:sp>
+        <p:nvSpPr>
+          <p:cNvPr id="2" name="Slide Image Placeholder 1"/>
+          <p:cNvSpPr>
+            <a:spLocks noGrp="1" noRot="1" noChangeAspect="1"/>
+          </p:cNvSpPr>
+          <p:nvPr>
+            <p:ph type="sldImg"/>
+          </p:nvPr>
+        </p:nvSpPr>
+        <p:spPr/>
+      </p:sp>
+      <p:sp>
+        <p:nvSpPr>
+          <p:cNvPr id="3" name="Notes Placeholder 2"/>
+          <p:cNvSpPr>
+            <a:spLocks noGrp="1"/>
+          </p:cNvSpPr>
+          <p:nvPr>
+            <p:ph type="body" idx="1"/>
+          </p:nvPr>
+        </p:nvSpPr>
+        <p:spPr/>
+        <p:txBody>
+          <a:bodyPr>
+            <a:normAutofit/>
+          </a:bodyPr>
+          <a:lstStyle/>
+          <a:p>
+            <a:endParaRPr lang="en-US" baseline="0" dirty="0" smtClean="0"/>
+          </a:p>
+        </p:txBody>
+      </p:sp>
+      <p:sp>
+        <p:nvSpPr>
+          <p:cNvPr id="4" name="Slide Number Placeholder 3"/>
+          <p:cNvSpPr>
+            <a:spLocks noGrp="1"/>
+          </p:cNvSpPr>
+          <p:nvPr>
+            <p:ph type="sldNum" sz="quarter" idx="10"/>
+          </p:nvPr>
+        </p:nvSpPr>
+        <p:spPr/>
+        <p:txBody>
+          <a:bodyPr/>
+          <a:lstStyle/>
+          <a:p>
+            <a:fld id="{3907C216-10E7-034E-B46C-6E79DD80D1EF}" type="slidenum">
+              <a:rPr lang="en-US" smtClean="0"/>
+              <a:pPr/>
+              <a:t>3</a:t>
+            </a:fld>
+            <a:endParaRPr lang="en-US"/>
+          </a:p>
+        </p:txBody>
+      </p:sp>
+    </p:spTree>
+  </p:cSld>
+  <p:clrMapOvr>
+    <a:masterClrMapping/>
+  </p:clrMapOvr>
+</p:notes>
+</file>
+
+<file path=ppt/notesSlides/notesSlide4.xml><?xml version="1.0" encoding="utf-8"?>
+<p:notes xmlns:a="http://schemas.openxmlformats.org/drawingml/2006/main" xmlns:r="http://schemas.openxmlformats.org/officeDocument/2006/relationships" xmlns:mc="http://schemas.openxmlformats.org/markup-compatibility/2006" xmlns:mv="urn:schemas-microsoft-com:mac:vml" xmlns:p="http://schemas.openxmlformats.org/presentationml/2006/main" mc:Ignorable="mv" mc:PreserveAttributes="mv:*">
+  <p:cSld>
+    <p:spTree>
+      <p:nvGrpSpPr>
+        <p:cNvPr id="1" name=""/>
+        <p:cNvGrpSpPr/>
+        <p:nvPr/>
+      </p:nvGrpSpPr>
+      <p:grpSpPr>
+        <a:xfrm>
+          <a:off x="0" y="0"/>
+          <a:ext cx="0" cy="0"/>
+          <a:chOff x="0" y="0"/>
+          <a:chExt cx="0" cy="0"/>
+        </a:xfrm>
+      </p:grpSpPr>
+      <p:sp>
+        <p:nvSpPr>
+          <p:cNvPr id="2" name="Slide Image Placeholder 1"/>
+          <p:cNvSpPr>
+            <a:spLocks noGrp="1" noRot="1" noChangeAspect="1"/>
+          </p:cNvSpPr>
+          <p:nvPr>
+            <p:ph type="sldImg"/>
+          </p:nvPr>
+        </p:nvSpPr>
+        <p:spPr/>
+      </p:sp>
+      <p:sp>
+        <p:nvSpPr>
+          <p:cNvPr id="3" name="Notes Placeholder 2"/>
+          <p:cNvSpPr>
+            <a:spLocks noGrp="1"/>
+          </p:cNvSpPr>
+          <p:nvPr>
+            <p:ph type="body" idx="1"/>
+          </p:nvPr>
+        </p:nvSpPr>
+        <p:spPr/>
+        <p:txBody>
+          <a:bodyPr>
+            <a:normAutofit/>
+          </a:bodyPr>
+          <a:lstStyle/>
+          <a:p>
+            <a:endParaRPr lang="en-US" baseline="0" dirty="0" smtClean="0"/>
+          </a:p>
+        </p:txBody>
+      </p:sp>
+      <p:sp>
+        <p:nvSpPr>
+          <p:cNvPr id="4" name="Slide Number Placeholder 3"/>
+          <p:cNvSpPr>
+            <a:spLocks noGrp="1"/>
+          </p:cNvSpPr>
+          <p:nvPr>
+            <p:ph type="sldNum" sz="quarter" idx="10"/>
+          </p:nvPr>
+        </p:nvSpPr>
+        <p:spPr/>
+        <p:txBody>
+          <a:bodyPr/>
+          <a:lstStyle/>
+          <a:p>
+            <a:fld id="{3907C216-10E7-034E-B46C-6E79DD80D1EF}" type="slidenum">
+              <a:rPr lang="en-US" smtClean="0"/>
+              <a:pPr/>
+              <a:t>4</a:t>
+            </a:fld>
+            <a:endParaRPr lang="en-US"/>
+          </a:p>
+        </p:txBody>
+      </p:sp>
+    </p:spTree>
+  </p:cSld>
+  <p:clrMapOvr>
+    <a:masterClrMapping/>
+  </p:clrMapOvr>
+</p:notes>
+</file>
+
 <file path=ppt/slideLayouts/slideLayout1.xml><?xml version="1.0" encoding="utf-8"?>
 <p:sldLayout xmlns:a="http://schemas.openxmlformats.org/drawingml/2006/main" xmlns:r="http://schemas.openxmlformats.org/officeDocument/2006/relationships" xmlns:mc="http://schemas.openxmlformats.org/markup-compatibility/2006" xmlns:mv="urn:schemas-microsoft-com:mac:vml" xmlns:p="http://schemas.openxmlformats.org/presentationml/2006/main" mc:Ignorable="mv" mc:PreserveAttributes="mv:*" type="title" preserve="1">
   <p:cSld name="Title Slide">
@@ -885,7 +1138,8 @@
           <a:p>
             <a:fld id="{A3505573-B687-064B-B81E-156654E0735F}" type="datetime1">
               <a:rPr lang="en-US" smtClean="0"/>
-              <a:t>10/21/13</a:t>
+              <a:pPr/>
+              <a:t>11/20/13</a:t>
             </a:fld>
             <a:endParaRPr lang="en-US"/>
           </a:p>
@@ -927,6 +1181,7 @@
           <a:p>
             <a:fld id="{4992C81C-CE87-B649-ABCA-C5E294942774}" type="slidenum">
               <a:rPr lang="en-US" smtClean="0"/>
+              <a:pPr/>
               <a:t>‹#›</a:t>
             </a:fld>
             <a:endParaRPr lang="en-US"/>
@@ -1050,7 +1305,8 @@
           <a:p>
             <a:fld id="{4AAD0FBF-F8C1-C041-A986-578974BE65E3}" type="datetime1">
               <a:rPr lang="en-US" smtClean="0"/>
-              <a:t>10/21/13</a:t>
+              <a:pPr/>
+              <a:t>11/20/13</a:t>
             </a:fld>
             <a:endParaRPr lang="en-US"/>
           </a:p>
@@ -1092,6 +1348,7 @@
           <a:p>
             <a:fld id="{4992C81C-CE87-B649-ABCA-C5E294942774}" type="slidenum">
               <a:rPr lang="en-US" smtClean="0"/>
+              <a:pPr/>
               <a:t>‹#›</a:t>
             </a:fld>
             <a:endParaRPr lang="en-US"/>
@@ -1225,7 +1482,8 @@
           <a:p>
             <a:fld id="{C62E8A56-5EBD-D945-BD05-6759C35F6888}" type="datetime1">
               <a:rPr lang="en-US" smtClean="0"/>
-              <a:t>10/21/13</a:t>
+              <a:pPr/>
+              <a:t>11/20/13</a:t>
             </a:fld>
             <a:endParaRPr lang="en-US"/>
           </a:p>
@@ -1267,6 +1525,7 @@
           <a:p>
             <a:fld id="{4992C81C-CE87-B649-ABCA-C5E294942774}" type="slidenum">
               <a:rPr lang="en-US" smtClean="0"/>
+              <a:pPr/>
               <a:t>‹#›</a:t>
             </a:fld>
             <a:endParaRPr lang="en-US"/>
@@ -1390,7 +1649,8 @@
           <a:p>
             <a:fld id="{94589142-3CD5-094D-960A-FB15E9FE644D}" type="datetime1">
               <a:rPr lang="en-US" smtClean="0"/>
-              <a:t>10/21/13</a:t>
+              <a:pPr/>
+              <a:t>11/20/13</a:t>
             </a:fld>
             <a:endParaRPr lang="en-US"/>
           </a:p>
@@ -1432,6 +1692,7 @@
           <a:p>
             <a:fld id="{4992C81C-CE87-B649-ABCA-C5E294942774}" type="slidenum">
               <a:rPr lang="en-US" smtClean="0"/>
+              <a:pPr/>
               <a:t>‹#›</a:t>
             </a:fld>
             <a:endParaRPr lang="en-US"/>
@@ -1631,7 +1892,8 @@
           <a:p>
             <a:fld id="{74792D09-D677-2C40-8379-852CCE21DE4E}" type="datetime1">
               <a:rPr lang="en-US" smtClean="0"/>
-              <a:t>10/21/13</a:t>
+              <a:pPr/>
+              <a:t>11/20/13</a:t>
             </a:fld>
             <a:endParaRPr lang="en-US"/>
           </a:p>
@@ -1673,6 +1935,7 @@
           <a:p>
             <a:fld id="{4992C81C-CE87-B649-ABCA-C5E294942774}" type="slidenum">
               <a:rPr lang="en-US" smtClean="0"/>
+              <a:pPr/>
               <a:t>‹#›</a:t>
             </a:fld>
             <a:endParaRPr lang="en-US"/>
@@ -1914,7 +2177,8 @@
           <a:p>
             <a:fld id="{AD2C00D1-29B5-D547-8284-0CE9A54869F3}" type="datetime1">
               <a:rPr lang="en-US" smtClean="0"/>
-              <a:t>10/21/13</a:t>
+              <a:pPr/>
+              <a:t>11/20/13</a:t>
             </a:fld>
             <a:endParaRPr lang="en-US"/>
           </a:p>
@@ -1956,6 +2220,7 @@
           <a:p>
             <a:fld id="{4992C81C-CE87-B649-ABCA-C5E294942774}" type="slidenum">
               <a:rPr lang="en-US" smtClean="0"/>
+              <a:pPr/>
               <a:t>‹#›</a:t>
             </a:fld>
             <a:endParaRPr lang="en-US"/>
@@ -2331,7 +2596,8 @@
           <a:p>
             <a:fld id="{3ADA3229-973B-DD49-AF28-18C440CB8E13}" type="datetime1">
               <a:rPr lang="en-US" smtClean="0"/>
-              <a:t>10/21/13</a:t>
+              <a:pPr/>
+              <a:t>11/20/13</a:t>
             </a:fld>
             <a:endParaRPr lang="en-US"/>
           </a:p>
@@ -2373,6 +2639,7 @@
           <a:p>
             <a:fld id="{4992C81C-CE87-B649-ABCA-C5E294942774}" type="slidenum">
               <a:rPr lang="en-US" smtClean="0"/>
+              <a:pPr/>
               <a:t>‹#›</a:t>
             </a:fld>
             <a:endParaRPr lang="en-US"/>
@@ -2444,7 +2711,8 @@
           <a:p>
             <a:fld id="{0B61E4A7-0AE5-7A47-9068-1D4D84D505E6}" type="datetime1">
               <a:rPr lang="en-US" smtClean="0"/>
-              <a:t>10/21/13</a:t>
+              <a:pPr/>
+              <a:t>11/20/13</a:t>
             </a:fld>
             <a:endParaRPr lang="en-US"/>
           </a:p>
@@ -2486,6 +2754,7 @@
           <a:p>
             <a:fld id="{4992C81C-CE87-B649-ABCA-C5E294942774}" type="slidenum">
               <a:rPr lang="en-US" smtClean="0"/>
+              <a:pPr/>
               <a:t>‹#›</a:t>
             </a:fld>
             <a:endParaRPr lang="en-US"/>
@@ -2534,7 +2803,8 @@
           <a:p>
             <a:fld id="{C5724F0E-A981-4A43-AC0E-B57A8ECF10FA}" type="datetime1">
               <a:rPr lang="en-US" smtClean="0"/>
-              <a:t>10/21/13</a:t>
+              <a:pPr/>
+              <a:t>11/20/13</a:t>
             </a:fld>
             <a:endParaRPr lang="en-US"/>
           </a:p>
@@ -2576,6 +2846,7 @@
           <a:p>
             <a:fld id="{4992C81C-CE87-B649-ABCA-C5E294942774}" type="slidenum">
               <a:rPr lang="en-US" smtClean="0"/>
+              <a:pPr/>
               <a:t>‹#›</a:t>
             </a:fld>
             <a:endParaRPr lang="en-US"/>
@@ -2806,7 +3077,8 @@
           <a:p>
             <a:fld id="{3FFBCCC0-1673-7340-B361-9E4CFF53475E}" type="datetime1">
               <a:rPr lang="en-US" smtClean="0"/>
-              <a:t>10/21/13</a:t>
+              <a:pPr/>
+              <a:t>11/20/13</a:t>
             </a:fld>
             <a:endParaRPr lang="en-US"/>
           </a:p>
@@ -2848,6 +3120,7 @@
           <a:p>
             <a:fld id="{4992C81C-CE87-B649-ABCA-C5E294942774}" type="slidenum">
               <a:rPr lang="en-US" smtClean="0"/>
+              <a:pPr/>
               <a:t>‹#›</a:t>
             </a:fld>
             <a:endParaRPr lang="en-US"/>
@@ -3054,7 +3327,8 @@
           <a:p>
             <a:fld id="{81FC9B88-A608-C24E-BE82-A72DE72789BE}" type="datetime1">
               <a:rPr lang="en-US" smtClean="0"/>
-              <a:t>10/21/13</a:t>
+              <a:pPr/>
+              <a:t>11/20/13</a:t>
             </a:fld>
             <a:endParaRPr lang="en-US"/>
           </a:p>
@@ -3096,6 +3370,7 @@
           <a:p>
             <a:fld id="{4992C81C-CE87-B649-ABCA-C5E294942774}" type="slidenum">
               <a:rPr lang="en-US" smtClean="0"/>
+              <a:pPr/>
               <a:t>‹#›</a:t>
             </a:fld>
             <a:endParaRPr lang="en-US"/>
@@ -3262,7 +3537,8 @@
           <a:p>
             <a:fld id="{1D34AEE4-D5A0-AE42-95B8-3DBFE4444E11}" type="datetime1">
               <a:rPr lang="en-US" smtClean="0"/>
-              <a:t>10/21/13</a:t>
+              <a:pPr/>
+              <a:t>11/20/13</a:t>
             </a:fld>
             <a:endParaRPr lang="en-US"/>
           </a:p>
@@ -3340,6 +3616,7 @@
           <a:p>
             <a:fld id="{4992C81C-CE87-B649-ABCA-C5E294942774}" type="slidenum">
               <a:rPr lang="en-US" smtClean="0"/>
+              <a:pPr/>
               <a:t>‹#›</a:t>
             </a:fld>
             <a:endParaRPr lang="en-US"/>
@@ -4039,70 +4316,6 @@
       </p:sp>
       <p:sp>
         <p:nvSpPr>
-          <p:cNvPr id="34" name="TextBox 33"/>
-          <p:cNvSpPr txBox="1"/>
-          <p:nvPr/>
-        </p:nvSpPr>
-        <p:spPr>
-          <a:xfrm>
-            <a:off x="1521536" y="4356640"/>
-            <a:ext cx="1520045" cy="400110"/>
-          </a:xfrm>
-          <a:prstGeom prst="rect">
-            <a:avLst/>
-          </a:prstGeom>
-          <a:noFill/>
-        </p:spPr>
-        <p:txBody>
-          <a:bodyPr wrap="square" rtlCol="0">
-            <a:spAutoFit/>
-          </a:bodyPr>
-          <a:lstStyle/>
-          <a:p>
-            <a:r>
-              <a:rPr lang="en-US" sz="2000" b="1" dirty="0" smtClean="0"/>
-              <a:t>Aim</a:t>
-            </a:r>
-            <a:r>
-              <a:rPr lang="en-US" sz="2000" b="1" dirty="0" smtClean="0"/>
-              <a:t> 3</a:t>
-            </a:r>
-            <a:endParaRPr lang="en-US" b="1" dirty="0"/>
-          </a:p>
-        </p:txBody>
-      </p:sp>
-      <p:sp>
-        <p:nvSpPr>
-          <p:cNvPr id="35" name="TextBox 34"/>
-          <p:cNvSpPr txBox="1"/>
-          <p:nvPr/>
-        </p:nvSpPr>
-        <p:spPr>
-          <a:xfrm>
-            <a:off x="4573977" y="2645992"/>
-            <a:ext cx="1520045" cy="400110"/>
-          </a:xfrm>
-          <a:prstGeom prst="rect">
-            <a:avLst/>
-          </a:prstGeom>
-          <a:noFill/>
-        </p:spPr>
-        <p:txBody>
-          <a:bodyPr wrap="square" rtlCol="0">
-            <a:spAutoFit/>
-          </a:bodyPr>
-          <a:lstStyle/>
-          <a:p>
-            <a:r>
-              <a:rPr lang="en-US" sz="2000" b="1" dirty="0" smtClean="0"/>
-              <a:t>Aim 2</a:t>
-            </a:r>
-            <a:endParaRPr lang="en-US" b="1" dirty="0"/>
-          </a:p>
-        </p:txBody>
-      </p:sp>
-      <p:sp>
-        <p:nvSpPr>
           <p:cNvPr id="52" name="Oval 51"/>
           <p:cNvSpPr/>
           <p:nvPr/>
@@ -4205,15 +4418,1722 @@
                   <a:srgbClr val="000000"/>
                 </a:solidFill>
               </a:rPr>
-              <a:t>Multiple effect modifiers not </a:t>
+              <a:t>Multiple effect modifiers not modeled</a:t>
             </a:r>
+            <a:endParaRPr lang="en-US" sz="1600" dirty="0">
+              <a:solidFill>
+                <a:srgbClr val="000000"/>
+              </a:solidFill>
+            </a:endParaRPr>
+          </a:p>
+        </p:txBody>
+      </p:sp>
+      <p:cxnSp>
+        <p:nvCxnSpPr>
+          <p:cNvPr id="31" name="Straight Arrow Connector 30"/>
+          <p:cNvCxnSpPr/>
+          <p:nvPr/>
+        </p:nvCxnSpPr>
+        <p:spPr>
+          <a:xfrm rot="5400000" flipH="1" flipV="1">
+            <a:off x="2833269" y="4224490"/>
+            <a:ext cx="1100159" cy="2"/>
+          </a:xfrm>
+          <a:prstGeom prst="straightConnector1">
+            <a:avLst/>
+          </a:prstGeom>
+          <a:ln>
+            <a:solidFill>
+              <a:srgbClr val="000000"/>
+            </a:solidFill>
+            <a:tailEnd type="arrow"/>
+          </a:ln>
+        </p:spPr>
+        <p:style>
+          <a:lnRef idx="1">
+            <a:schemeClr val="accent1"/>
+          </a:lnRef>
+          <a:fillRef idx="0">
+            <a:schemeClr val="accent1"/>
+          </a:fillRef>
+          <a:effectRef idx="0">
+            <a:schemeClr val="accent1"/>
+          </a:effectRef>
+          <a:fontRef idx="minor">
+            <a:schemeClr val="tx1"/>
+          </a:fontRef>
+        </p:style>
+      </p:cxnSp>
+    </p:spTree>
+    <p:extLst>
+      <p:ext uri="{BB962C8B-B14F-4D97-AF65-F5344CB8AC3E}">
+        <p14:creationId xmlns="" xmlns:a="http://schemas.openxmlformats.org/drawingml/2006/main" xmlns:r="http://schemas.openxmlformats.org/officeDocument/2006/relationships" xmlns:p="http://schemas.openxmlformats.org/presentationml/2006/main" xmlns:p14="http://schemas.microsoft.com/office/powerpoint/2010/main" xmlns:mv="urn:schemas-microsoft-com:mac:vml" xmlns:mc="http://schemas.openxmlformats.org/markup-compatibility/2006" val="3132503273"/>
+      </p:ext>
+    </p:extLst>
+  </p:cSld>
+  <p:clrMapOvr>
+    <a:masterClrMapping/>
+  </p:clrMapOvr>
+  <p:timing>
+    <p:tnLst>
+      <p:par>
+        <p:cTn id="1" dur="indefinite" restart="never" nodeType="tmRoot">
+          <p:childTnLst>
+            <p:seq concurrent="1" nextAc="seek">
+              <p:cTn id="2" dur="indefinite" nodeType="mainSeq">
+                <p:childTnLst>
+                  <p:par>
+                    <p:cTn id="3" fill="hold">
+                      <p:stCondLst>
+                        <p:cond delay="indefinite"/>
+                      </p:stCondLst>
+                      <p:childTnLst>
+                        <p:par>
+                          <p:cTn id="4" fill="hold">
+                            <p:stCondLst>
+                              <p:cond delay="0"/>
+                            </p:stCondLst>
+                            <p:childTnLst>
+                              <p:par>
+                                <p:cTn id="5" presetID="1" presetClass="emph" presetSubtype="2" fill="hold" nodeType="clickEffect">
+                                  <p:stCondLst>
+                                    <p:cond delay="0"/>
+                                  </p:stCondLst>
+                                  <p:childTnLst>
+                                    <p:animClr clrSpc="rgb" dir="cw">
+                                      <p:cBhvr>
+                                        <p:cTn id="6" dur="2000" fill="hold"/>
+                                        <p:tgtEl>
+                                          <p:spTgt spid="5"/>
+                                        </p:tgtEl>
+                                        <p:attrNameLst>
+                                          <p:attrName>fillcolor</p:attrName>
+                                        </p:attrNameLst>
+                                      </p:cBhvr>
+                                      <p:to>
+                                        <a:schemeClr val="accent2"/>
+                                      </p:to>
+                                    </p:animClr>
+                                    <p:set>
+                                      <p:cBhvr>
+                                        <p:cTn id="7" dur="2000" fill="hold"/>
+                                        <p:tgtEl>
+                                          <p:spTgt spid="5"/>
+                                        </p:tgtEl>
+                                        <p:attrNameLst>
+                                          <p:attrName>fill.type</p:attrName>
+                                        </p:attrNameLst>
+                                      </p:cBhvr>
+                                      <p:to>
+                                        <p:strVal val="solid"/>
+                                      </p:to>
+                                    </p:set>
+                                    <p:set>
+                                      <p:cBhvr>
+                                        <p:cTn id="8" dur="2000" fill="hold"/>
+                                        <p:tgtEl>
+                                          <p:spTgt spid="5"/>
+                                        </p:tgtEl>
+                                        <p:attrNameLst>
+                                          <p:attrName>fill.on</p:attrName>
+                                        </p:attrNameLst>
+                                      </p:cBhvr>
+                                      <p:to>
+                                        <p:strVal val="true"/>
+                                      </p:to>
+                                    </p:set>
+                                  </p:childTnLst>
+                                </p:cTn>
+                              </p:par>
+                              <p:par>
+                                <p:cTn id="9" presetID="1" presetClass="emph" presetSubtype="2" fill="hold" nodeType="withEffect">
+                                  <p:stCondLst>
+                                    <p:cond delay="0"/>
+                                  </p:stCondLst>
+                                  <p:childTnLst>
+                                    <p:animClr clrSpc="rgb" dir="cw">
+                                      <p:cBhvr>
+                                        <p:cTn id="10" dur="2000" fill="hold"/>
+                                        <p:tgtEl>
+                                          <p:spTgt spid="52"/>
+                                        </p:tgtEl>
+                                        <p:attrNameLst>
+                                          <p:attrName>fillcolor</p:attrName>
+                                        </p:attrNameLst>
+                                      </p:cBhvr>
+                                      <p:to>
+                                        <a:schemeClr val="accent2"/>
+                                      </p:to>
+                                    </p:animClr>
+                                    <p:set>
+                                      <p:cBhvr>
+                                        <p:cTn id="11" dur="2000" fill="hold"/>
+                                        <p:tgtEl>
+                                          <p:spTgt spid="52"/>
+                                        </p:tgtEl>
+                                        <p:attrNameLst>
+                                          <p:attrName>fill.type</p:attrName>
+                                        </p:attrNameLst>
+                                      </p:cBhvr>
+                                      <p:to>
+                                        <p:strVal val="solid"/>
+                                      </p:to>
+                                    </p:set>
+                                    <p:set>
+                                      <p:cBhvr>
+                                        <p:cTn id="12" dur="2000" fill="hold"/>
+                                        <p:tgtEl>
+                                          <p:spTgt spid="52"/>
+                                        </p:tgtEl>
+                                        <p:attrNameLst>
+                                          <p:attrName>fill.on</p:attrName>
+                                        </p:attrNameLst>
+                                      </p:cBhvr>
+                                      <p:to>
+                                        <p:strVal val="true"/>
+                                      </p:to>
+                                    </p:set>
+                                  </p:childTnLst>
+                                </p:cTn>
+                              </p:par>
+                              <p:par>
+                                <p:cTn id="13" presetID="1" presetClass="emph" presetSubtype="2" fill="hold" nodeType="withEffect">
+                                  <p:stCondLst>
+                                    <p:cond delay="0"/>
+                                  </p:stCondLst>
+                                  <p:childTnLst>
+                                    <p:animClr clrSpc="rgb" dir="cw">
+                                      <p:cBhvr>
+                                        <p:cTn id="14" dur="2000" fill="hold"/>
+                                        <p:tgtEl>
+                                          <p:spTgt spid="36"/>
+                                        </p:tgtEl>
+                                        <p:attrNameLst>
+                                          <p:attrName>fillcolor</p:attrName>
+                                        </p:attrNameLst>
+                                      </p:cBhvr>
+                                      <p:to>
+                                        <a:schemeClr val="accent2"/>
+                                      </p:to>
+                                    </p:animClr>
+                                    <p:set>
+                                      <p:cBhvr>
+                                        <p:cTn id="15" dur="2000" fill="hold"/>
+                                        <p:tgtEl>
+                                          <p:spTgt spid="36"/>
+                                        </p:tgtEl>
+                                        <p:attrNameLst>
+                                          <p:attrName>fill.type</p:attrName>
+                                        </p:attrNameLst>
+                                      </p:cBhvr>
+                                      <p:to>
+                                        <p:strVal val="solid"/>
+                                      </p:to>
+                                    </p:set>
+                                    <p:set>
+                                      <p:cBhvr>
+                                        <p:cTn id="16" dur="2000" fill="hold"/>
+                                        <p:tgtEl>
+                                          <p:spTgt spid="36"/>
+                                        </p:tgtEl>
+                                        <p:attrNameLst>
+                                          <p:attrName>fill.on</p:attrName>
+                                        </p:attrNameLst>
+                                      </p:cBhvr>
+                                      <p:to>
+                                        <p:strVal val="true"/>
+                                      </p:to>
+                                    </p:set>
+                                  </p:childTnLst>
+                                </p:cTn>
+                              </p:par>
+                              <p:par>
+                                <p:cTn id="17" presetID="7" presetClass="emph" presetSubtype="2" fill="hold" nodeType="withEffect">
+                                  <p:stCondLst>
+                                    <p:cond delay="0"/>
+                                  </p:stCondLst>
+                                  <p:childTnLst>
+                                    <p:animClr clrSpc="rgb" dir="cw">
+                                      <p:cBhvr>
+                                        <p:cTn id="18" dur="2000" fill="hold"/>
+                                        <p:tgtEl>
+                                          <p:spTgt spid="69"/>
+                                        </p:tgtEl>
+                                        <p:attrNameLst>
+                                          <p:attrName>stroke.color</p:attrName>
+                                        </p:attrNameLst>
+                                      </p:cBhvr>
+                                      <p:to>
+                                        <a:schemeClr val="accent2"/>
+                                      </p:to>
+                                    </p:animClr>
+                                    <p:set>
+                                      <p:cBhvr>
+                                        <p:cTn id="19" dur="2000" fill="hold"/>
+                                        <p:tgtEl>
+                                          <p:spTgt spid="69"/>
+                                        </p:tgtEl>
+                                        <p:attrNameLst>
+                                          <p:attrName>stroke.on</p:attrName>
+                                        </p:attrNameLst>
+                                      </p:cBhvr>
+                                      <p:to>
+                                        <p:strVal val="true"/>
+                                      </p:to>
+                                    </p:set>
+                                  </p:childTnLst>
+                                </p:cTn>
+                              </p:par>
+                              <p:par>
+                                <p:cTn id="20" presetID="7" presetClass="emph" presetSubtype="2" fill="hold" nodeType="withEffect">
+                                  <p:stCondLst>
+                                    <p:cond delay="0"/>
+                                  </p:stCondLst>
+                                  <p:childTnLst>
+                                    <p:animClr clrSpc="rgb" dir="cw">
+                                      <p:cBhvr>
+                                        <p:cTn id="21" dur="2000" fill="hold"/>
+                                        <p:tgtEl>
+                                          <p:spTgt spid="181"/>
+                                        </p:tgtEl>
+                                        <p:attrNameLst>
+                                          <p:attrName>stroke.color</p:attrName>
+                                        </p:attrNameLst>
+                                      </p:cBhvr>
+                                      <p:to>
+                                        <a:schemeClr val="accent2"/>
+                                      </p:to>
+                                    </p:animClr>
+                                    <p:set>
+                                      <p:cBhvr>
+                                        <p:cTn id="22" dur="2000" fill="hold"/>
+                                        <p:tgtEl>
+                                          <p:spTgt spid="181"/>
+                                        </p:tgtEl>
+                                        <p:attrNameLst>
+                                          <p:attrName>stroke.on</p:attrName>
+                                        </p:attrNameLst>
+                                      </p:cBhvr>
+                                      <p:to>
+                                        <p:strVal val="true"/>
+                                      </p:to>
+                                    </p:set>
+                                  </p:childTnLst>
+                                </p:cTn>
+                              </p:par>
+                              <p:par>
+                                <p:cTn id="23" presetID="7" presetClass="emph" presetSubtype="2" fill="hold" nodeType="withEffect">
+                                  <p:stCondLst>
+                                    <p:cond delay="0"/>
+                                  </p:stCondLst>
+                                  <p:childTnLst>
+                                    <p:animClr clrSpc="rgb" dir="cw">
+                                      <p:cBhvr>
+                                        <p:cTn id="24" dur="2000" fill="hold"/>
+                                        <p:tgtEl>
+                                          <p:spTgt spid="126"/>
+                                        </p:tgtEl>
+                                        <p:attrNameLst>
+                                          <p:attrName>stroke.color</p:attrName>
+                                        </p:attrNameLst>
+                                      </p:cBhvr>
+                                      <p:to>
+                                        <a:schemeClr val="accent2"/>
+                                      </p:to>
+                                    </p:animClr>
+                                    <p:set>
+                                      <p:cBhvr>
+                                        <p:cTn id="25" dur="2000" fill="hold"/>
+                                        <p:tgtEl>
+                                          <p:spTgt spid="126"/>
+                                        </p:tgtEl>
+                                        <p:attrNameLst>
+                                          <p:attrName>stroke.on</p:attrName>
+                                        </p:attrNameLst>
+                                      </p:cBhvr>
+                                      <p:to>
+                                        <p:strVal val="true"/>
+                                      </p:to>
+                                    </p:set>
+                                  </p:childTnLst>
+                                </p:cTn>
+                              </p:par>
+                            </p:childTnLst>
+                          </p:cTn>
+                        </p:par>
+                      </p:childTnLst>
+                    </p:cTn>
+                  </p:par>
+                  <p:par>
+                    <p:cTn id="26" fill="hold">
+                      <p:stCondLst>
+                        <p:cond delay="indefinite"/>
+                      </p:stCondLst>
+                      <p:childTnLst>
+                        <p:par>
+                          <p:cTn id="27" fill="hold">
+                            <p:stCondLst>
+                              <p:cond delay="0"/>
+                            </p:stCondLst>
+                            <p:childTnLst>
+                              <p:par>
+                                <p:cTn id="28" presetID="1" presetClass="emph" presetSubtype="2" fill="hold" nodeType="clickEffect">
+                                  <p:stCondLst>
+                                    <p:cond delay="0"/>
+                                  </p:stCondLst>
+                                  <p:childTnLst>
+                                    <p:animClr clrSpc="rgb" dir="cw">
+                                      <p:cBhvr>
+                                        <p:cTn id="29" dur="2000" fill="hold"/>
+                                        <p:tgtEl>
+                                          <p:spTgt spid="96"/>
+                                        </p:tgtEl>
+                                        <p:attrNameLst>
+                                          <p:attrName>fillcolor</p:attrName>
+                                        </p:attrNameLst>
+                                      </p:cBhvr>
+                                      <p:to>
+                                        <a:schemeClr val="accent2"/>
+                                      </p:to>
+                                    </p:animClr>
+                                    <p:set>
+                                      <p:cBhvr>
+                                        <p:cTn id="30" dur="2000" fill="hold"/>
+                                        <p:tgtEl>
+                                          <p:spTgt spid="96"/>
+                                        </p:tgtEl>
+                                        <p:attrNameLst>
+                                          <p:attrName>fill.type</p:attrName>
+                                        </p:attrNameLst>
+                                      </p:cBhvr>
+                                      <p:to>
+                                        <p:strVal val="solid"/>
+                                      </p:to>
+                                    </p:set>
+                                    <p:set>
+                                      <p:cBhvr>
+                                        <p:cTn id="31" dur="2000" fill="hold"/>
+                                        <p:tgtEl>
+                                          <p:spTgt spid="96"/>
+                                        </p:tgtEl>
+                                        <p:attrNameLst>
+                                          <p:attrName>fill.on</p:attrName>
+                                        </p:attrNameLst>
+                                      </p:cBhvr>
+                                      <p:to>
+                                        <p:strVal val="true"/>
+                                      </p:to>
+                                    </p:set>
+                                  </p:childTnLst>
+                                </p:cTn>
+                              </p:par>
+                              <p:par>
+                                <p:cTn id="32" presetID="1" presetClass="emph" presetSubtype="2" fill="hold" nodeType="withEffect">
+                                  <p:stCondLst>
+                                    <p:cond delay="0"/>
+                                  </p:stCondLst>
+                                  <p:childTnLst>
+                                    <p:animClr clrSpc="rgb" dir="cw">
+                                      <p:cBhvr>
+                                        <p:cTn id="33" dur="2000" fill="hold"/>
+                                        <p:tgtEl>
+                                          <p:spTgt spid="5"/>
+                                        </p:tgtEl>
+                                        <p:attrNameLst>
+                                          <p:attrName>fillcolor</p:attrName>
+                                        </p:attrNameLst>
+                                      </p:cBhvr>
+                                      <p:to>
+                                        <a:schemeClr val="accent2"/>
+                                      </p:to>
+                                    </p:animClr>
+                                    <p:set>
+                                      <p:cBhvr>
+                                        <p:cTn id="34" dur="2000" fill="hold"/>
+                                        <p:tgtEl>
+                                          <p:spTgt spid="5"/>
+                                        </p:tgtEl>
+                                        <p:attrNameLst>
+                                          <p:attrName>fill.type</p:attrName>
+                                        </p:attrNameLst>
+                                      </p:cBhvr>
+                                      <p:to>
+                                        <p:strVal val="solid"/>
+                                      </p:to>
+                                    </p:set>
+                                    <p:set>
+                                      <p:cBhvr>
+                                        <p:cTn id="35" dur="2000" fill="hold"/>
+                                        <p:tgtEl>
+                                          <p:spTgt spid="5"/>
+                                        </p:tgtEl>
+                                        <p:attrNameLst>
+                                          <p:attrName>fill.on</p:attrName>
+                                        </p:attrNameLst>
+                                      </p:cBhvr>
+                                      <p:to>
+                                        <p:strVal val="true"/>
+                                      </p:to>
+                                    </p:set>
+                                  </p:childTnLst>
+                                </p:cTn>
+                              </p:par>
+                              <p:par>
+                                <p:cTn id="36" presetID="7" presetClass="emph" presetSubtype="2" fill="hold" nodeType="withEffect">
+                                  <p:stCondLst>
+                                    <p:cond delay="0"/>
+                                  </p:stCondLst>
+                                  <p:childTnLst>
+                                    <p:animClr clrSpc="rgb" dir="cw">
+                                      <p:cBhvr>
+                                        <p:cTn id="37" dur="2000" fill="hold"/>
+                                        <p:tgtEl>
+                                          <p:spTgt spid="181"/>
+                                        </p:tgtEl>
+                                        <p:attrNameLst>
+                                          <p:attrName>stroke.color</p:attrName>
+                                        </p:attrNameLst>
+                                      </p:cBhvr>
+                                      <p:to>
+                                        <a:schemeClr val="accent2"/>
+                                      </p:to>
+                                    </p:animClr>
+                                    <p:set>
+                                      <p:cBhvr>
+                                        <p:cTn id="38" dur="2000" fill="hold"/>
+                                        <p:tgtEl>
+                                          <p:spTgt spid="181"/>
+                                        </p:tgtEl>
+                                        <p:attrNameLst>
+                                          <p:attrName>stroke.on</p:attrName>
+                                        </p:attrNameLst>
+                                      </p:cBhvr>
+                                      <p:to>
+                                        <p:strVal val="true"/>
+                                      </p:to>
+                                    </p:set>
+                                  </p:childTnLst>
+                                </p:cTn>
+                              </p:par>
+                              <p:par>
+                                <p:cTn id="39" presetID="1" presetClass="emph" presetSubtype="2" fill="hold" nodeType="withEffect">
+                                  <p:stCondLst>
+                                    <p:cond delay="0"/>
+                                  </p:stCondLst>
+                                  <p:childTnLst>
+                                    <p:animClr clrSpc="rgb" dir="cw">
+                                      <p:cBhvr>
+                                        <p:cTn id="40" dur="2000" fill="hold"/>
+                                        <p:tgtEl>
+                                          <p:spTgt spid="36"/>
+                                        </p:tgtEl>
+                                        <p:attrNameLst>
+                                          <p:attrName>fillcolor</p:attrName>
+                                        </p:attrNameLst>
+                                      </p:cBhvr>
+                                      <p:to>
+                                        <a:schemeClr val="bg2"/>
+                                      </p:to>
+                                    </p:animClr>
+                                    <p:set>
+                                      <p:cBhvr>
+                                        <p:cTn id="41" dur="2000" fill="hold"/>
+                                        <p:tgtEl>
+                                          <p:spTgt spid="36"/>
+                                        </p:tgtEl>
+                                        <p:attrNameLst>
+                                          <p:attrName>fill.type</p:attrName>
+                                        </p:attrNameLst>
+                                      </p:cBhvr>
+                                      <p:to>
+                                        <p:strVal val="solid"/>
+                                      </p:to>
+                                    </p:set>
+                                    <p:set>
+                                      <p:cBhvr>
+                                        <p:cTn id="42" dur="2000" fill="hold"/>
+                                        <p:tgtEl>
+                                          <p:spTgt spid="36"/>
+                                        </p:tgtEl>
+                                        <p:attrNameLst>
+                                          <p:attrName>fill.on</p:attrName>
+                                        </p:attrNameLst>
+                                      </p:cBhvr>
+                                      <p:to>
+                                        <p:strVal val="true"/>
+                                      </p:to>
+                                    </p:set>
+                                  </p:childTnLst>
+                                </p:cTn>
+                              </p:par>
+                              <p:par>
+                                <p:cTn id="43" presetID="7" presetClass="emph" presetSubtype="2" fill="hold" nodeType="withEffect">
+                                  <p:stCondLst>
+                                    <p:cond delay="0"/>
+                                  </p:stCondLst>
+                                  <p:childTnLst>
+                                    <p:animClr clrSpc="rgb" dir="cw">
+                                      <p:cBhvr>
+                                        <p:cTn id="44" dur="2000" fill="hold"/>
+                                        <p:tgtEl>
+                                          <p:spTgt spid="69"/>
+                                        </p:tgtEl>
+                                        <p:attrNameLst>
+                                          <p:attrName>stroke.color</p:attrName>
+                                        </p:attrNameLst>
+                                      </p:cBhvr>
+                                      <p:to>
+                                        <a:schemeClr val="bg2"/>
+                                      </p:to>
+                                    </p:animClr>
+                                    <p:set>
+                                      <p:cBhvr>
+                                        <p:cTn id="45" dur="2000" fill="hold"/>
+                                        <p:tgtEl>
+                                          <p:spTgt spid="69"/>
+                                        </p:tgtEl>
+                                        <p:attrNameLst>
+                                          <p:attrName>stroke.on</p:attrName>
+                                        </p:attrNameLst>
+                                      </p:cBhvr>
+                                      <p:to>
+                                        <p:strVal val="true"/>
+                                      </p:to>
+                                    </p:set>
+                                  </p:childTnLst>
+                                </p:cTn>
+                              </p:par>
+                              <p:par>
+                                <p:cTn id="46" presetID="7" presetClass="emph" presetSubtype="2" fill="hold" nodeType="withEffect">
+                                  <p:stCondLst>
+                                    <p:cond delay="0"/>
+                                  </p:stCondLst>
+                                  <p:childTnLst>
+                                    <p:animClr clrSpc="rgb" dir="cw">
+                                      <p:cBhvr>
+                                        <p:cTn id="47" dur="2000" fill="hold"/>
+                                        <p:tgtEl>
+                                          <p:spTgt spid="126"/>
+                                        </p:tgtEl>
+                                        <p:attrNameLst>
+                                          <p:attrName>stroke.color</p:attrName>
+                                        </p:attrNameLst>
+                                      </p:cBhvr>
+                                      <p:to>
+                                        <a:schemeClr val="bg2"/>
+                                      </p:to>
+                                    </p:animClr>
+                                    <p:set>
+                                      <p:cBhvr>
+                                        <p:cTn id="48" dur="2000" fill="hold"/>
+                                        <p:tgtEl>
+                                          <p:spTgt spid="126"/>
+                                        </p:tgtEl>
+                                        <p:attrNameLst>
+                                          <p:attrName>stroke.on</p:attrName>
+                                        </p:attrNameLst>
+                                      </p:cBhvr>
+                                      <p:to>
+                                        <p:strVal val="true"/>
+                                      </p:to>
+                                    </p:set>
+                                  </p:childTnLst>
+                                </p:cTn>
+                              </p:par>
+                              <p:par>
+                                <p:cTn id="49" presetID="1" presetClass="emph" presetSubtype="2" fill="hold" nodeType="withEffect">
+                                  <p:stCondLst>
+                                    <p:cond delay="0"/>
+                                  </p:stCondLst>
+                                  <p:childTnLst>
+                                    <p:animClr clrSpc="rgb" dir="cw">
+                                      <p:cBhvr>
+                                        <p:cTn id="50" dur="2000" fill="hold"/>
+                                        <p:tgtEl>
+                                          <p:spTgt spid="52"/>
+                                        </p:tgtEl>
+                                        <p:attrNameLst>
+                                          <p:attrName>fillcolor</p:attrName>
+                                        </p:attrNameLst>
+                                      </p:cBhvr>
+                                      <p:to>
+                                        <a:schemeClr val="bg2"/>
+                                      </p:to>
+                                    </p:animClr>
+                                    <p:set>
+                                      <p:cBhvr>
+                                        <p:cTn id="51" dur="2000" fill="hold"/>
+                                        <p:tgtEl>
+                                          <p:spTgt spid="52"/>
+                                        </p:tgtEl>
+                                        <p:attrNameLst>
+                                          <p:attrName>fill.type</p:attrName>
+                                        </p:attrNameLst>
+                                      </p:cBhvr>
+                                      <p:to>
+                                        <p:strVal val="solid"/>
+                                      </p:to>
+                                    </p:set>
+                                    <p:set>
+                                      <p:cBhvr>
+                                        <p:cTn id="52" dur="2000" fill="hold"/>
+                                        <p:tgtEl>
+                                          <p:spTgt spid="52"/>
+                                        </p:tgtEl>
+                                        <p:attrNameLst>
+                                          <p:attrName>fill.on</p:attrName>
+                                        </p:attrNameLst>
+                                      </p:cBhvr>
+                                      <p:to>
+                                        <p:strVal val="true"/>
+                                      </p:to>
+                                    </p:set>
+                                  </p:childTnLst>
+                                </p:cTn>
+                              </p:par>
+                              <p:par>
+                                <p:cTn id="53" presetID="1" presetClass="emph" presetSubtype="2" fill="hold" nodeType="withEffect">
+                                  <p:stCondLst>
+                                    <p:cond delay="0"/>
+                                  </p:stCondLst>
+                                  <p:childTnLst>
+                                    <p:animClr clrSpc="rgb" dir="cw">
+                                      <p:cBhvr>
+                                        <p:cTn id="54" dur="2000" fill="hold"/>
+                                        <p:tgtEl>
+                                          <p:spTgt spid="36"/>
+                                        </p:tgtEl>
+                                        <p:attrNameLst>
+                                          <p:attrName>fillcolor</p:attrName>
+                                        </p:attrNameLst>
+                                      </p:cBhvr>
+                                      <p:to>
+                                        <a:schemeClr val="accent2"/>
+                                      </p:to>
+                                    </p:animClr>
+                                    <p:set>
+                                      <p:cBhvr>
+                                        <p:cTn id="55" dur="2000" fill="hold"/>
+                                        <p:tgtEl>
+                                          <p:spTgt spid="36"/>
+                                        </p:tgtEl>
+                                        <p:attrNameLst>
+                                          <p:attrName>fill.type</p:attrName>
+                                        </p:attrNameLst>
+                                      </p:cBhvr>
+                                      <p:to>
+                                        <p:strVal val="solid"/>
+                                      </p:to>
+                                    </p:set>
+                                    <p:set>
+                                      <p:cBhvr>
+                                        <p:cTn id="56" dur="2000" fill="hold"/>
+                                        <p:tgtEl>
+                                          <p:spTgt spid="36"/>
+                                        </p:tgtEl>
+                                        <p:attrNameLst>
+                                          <p:attrName>fill.on</p:attrName>
+                                        </p:attrNameLst>
+                                      </p:cBhvr>
+                                      <p:to>
+                                        <p:strVal val="true"/>
+                                      </p:to>
+                                    </p:set>
+                                  </p:childTnLst>
+                                </p:cTn>
+                              </p:par>
+                              <p:par>
+                                <p:cTn id="57" presetID="1" presetClass="emph" presetSubtype="2" fill="hold" nodeType="withEffect">
+                                  <p:stCondLst>
+                                    <p:cond delay="0"/>
+                                  </p:stCondLst>
+                                  <p:childTnLst>
+                                    <p:animClr clrSpc="rgb" dir="cw">
+                                      <p:cBhvr>
+                                        <p:cTn id="58" dur="2000" fill="hold"/>
+                                        <p:tgtEl>
+                                          <p:spTgt spid="52"/>
+                                        </p:tgtEl>
+                                        <p:attrNameLst>
+                                          <p:attrName>fillcolor</p:attrName>
+                                        </p:attrNameLst>
+                                      </p:cBhvr>
+                                      <p:to>
+                                        <a:schemeClr val="accent2"/>
+                                      </p:to>
+                                    </p:animClr>
+                                    <p:set>
+                                      <p:cBhvr>
+                                        <p:cTn id="59" dur="2000" fill="hold"/>
+                                        <p:tgtEl>
+                                          <p:spTgt spid="52"/>
+                                        </p:tgtEl>
+                                        <p:attrNameLst>
+                                          <p:attrName>fill.type</p:attrName>
+                                        </p:attrNameLst>
+                                      </p:cBhvr>
+                                      <p:to>
+                                        <p:strVal val="solid"/>
+                                      </p:to>
+                                    </p:set>
+                                    <p:set>
+                                      <p:cBhvr>
+                                        <p:cTn id="60" dur="2000" fill="hold"/>
+                                        <p:tgtEl>
+                                          <p:spTgt spid="52"/>
+                                        </p:tgtEl>
+                                        <p:attrNameLst>
+                                          <p:attrName>fill.on</p:attrName>
+                                        </p:attrNameLst>
+                                      </p:cBhvr>
+                                      <p:to>
+                                        <p:strVal val="true"/>
+                                      </p:to>
+                                    </p:set>
+                                  </p:childTnLst>
+                                </p:cTn>
+                              </p:par>
+                              <p:par>
+                                <p:cTn id="61" presetID="1" presetClass="emph" presetSubtype="2" fill="hold" nodeType="withEffect">
+                                  <p:stCondLst>
+                                    <p:cond delay="0"/>
+                                  </p:stCondLst>
+                                  <p:childTnLst>
+                                    <p:animClr clrSpc="rgb" dir="cw">
+                                      <p:cBhvr>
+                                        <p:cTn id="62" dur="2000" fill="hold"/>
+                                        <p:tgtEl>
+                                          <p:spTgt spid="5"/>
+                                        </p:tgtEl>
+                                        <p:attrNameLst>
+                                          <p:attrName>fillcolor</p:attrName>
+                                        </p:attrNameLst>
+                                      </p:cBhvr>
+                                      <p:to>
+                                        <a:schemeClr val="bg2"/>
+                                      </p:to>
+                                    </p:animClr>
+                                    <p:set>
+                                      <p:cBhvr>
+                                        <p:cTn id="63" dur="2000" fill="hold"/>
+                                        <p:tgtEl>
+                                          <p:spTgt spid="5"/>
+                                        </p:tgtEl>
+                                        <p:attrNameLst>
+                                          <p:attrName>fill.type</p:attrName>
+                                        </p:attrNameLst>
+                                      </p:cBhvr>
+                                      <p:to>
+                                        <p:strVal val="solid"/>
+                                      </p:to>
+                                    </p:set>
+                                    <p:set>
+                                      <p:cBhvr>
+                                        <p:cTn id="64" dur="2000" fill="hold"/>
+                                        <p:tgtEl>
+                                          <p:spTgt spid="5"/>
+                                        </p:tgtEl>
+                                        <p:attrNameLst>
+                                          <p:attrName>fill.on</p:attrName>
+                                        </p:attrNameLst>
+                                      </p:cBhvr>
+                                      <p:to>
+                                        <p:strVal val="true"/>
+                                      </p:to>
+                                    </p:set>
+                                  </p:childTnLst>
+                                </p:cTn>
+                              </p:par>
+                              <p:par>
+                                <p:cTn id="65" presetID="1" presetClass="emph" presetSubtype="2" fill="hold" nodeType="withEffect">
+                                  <p:stCondLst>
+                                    <p:cond delay="0"/>
+                                  </p:stCondLst>
+                                  <p:childTnLst>
+                                    <p:animClr clrSpc="rgb" dir="cw">
+                                      <p:cBhvr>
+                                        <p:cTn id="66" dur="2000" fill="hold"/>
+                                        <p:tgtEl>
+                                          <p:spTgt spid="96"/>
+                                        </p:tgtEl>
+                                        <p:attrNameLst>
+                                          <p:attrName>fillcolor</p:attrName>
+                                        </p:attrNameLst>
+                                      </p:cBhvr>
+                                      <p:to>
+                                        <a:schemeClr val="bg2"/>
+                                      </p:to>
+                                    </p:animClr>
+                                    <p:set>
+                                      <p:cBhvr>
+                                        <p:cTn id="67" dur="2000" fill="hold"/>
+                                        <p:tgtEl>
+                                          <p:spTgt spid="96"/>
+                                        </p:tgtEl>
+                                        <p:attrNameLst>
+                                          <p:attrName>fill.type</p:attrName>
+                                        </p:attrNameLst>
+                                      </p:cBhvr>
+                                      <p:to>
+                                        <p:strVal val="solid"/>
+                                      </p:to>
+                                    </p:set>
+                                    <p:set>
+                                      <p:cBhvr>
+                                        <p:cTn id="68" dur="2000" fill="hold"/>
+                                        <p:tgtEl>
+                                          <p:spTgt spid="96"/>
+                                        </p:tgtEl>
+                                        <p:attrNameLst>
+                                          <p:attrName>fill.on</p:attrName>
+                                        </p:attrNameLst>
+                                      </p:cBhvr>
+                                      <p:to>
+                                        <p:strVal val="true"/>
+                                      </p:to>
+                                    </p:set>
+                                  </p:childTnLst>
+                                </p:cTn>
+                              </p:par>
+                              <p:par>
+                                <p:cTn id="69" presetID="7" presetClass="emph" presetSubtype="2" fill="hold" nodeType="withEffect">
+                                  <p:stCondLst>
+                                    <p:cond delay="0"/>
+                                  </p:stCondLst>
+                                  <p:childTnLst>
+                                    <p:animClr clrSpc="rgb" dir="cw">
+                                      <p:cBhvr>
+                                        <p:cTn id="70" dur="2000" fill="hold"/>
+                                        <p:tgtEl>
+                                          <p:spTgt spid="126"/>
+                                        </p:tgtEl>
+                                        <p:attrNameLst>
+                                          <p:attrName>stroke.color</p:attrName>
+                                        </p:attrNameLst>
+                                      </p:cBhvr>
+                                      <p:to>
+                                        <a:schemeClr val="accent2"/>
+                                      </p:to>
+                                    </p:animClr>
+                                    <p:set>
+                                      <p:cBhvr>
+                                        <p:cTn id="71" dur="2000" fill="hold"/>
+                                        <p:tgtEl>
+                                          <p:spTgt spid="126"/>
+                                        </p:tgtEl>
+                                        <p:attrNameLst>
+                                          <p:attrName>stroke.on</p:attrName>
+                                        </p:attrNameLst>
+                                      </p:cBhvr>
+                                      <p:to>
+                                        <p:strVal val="true"/>
+                                      </p:to>
+                                    </p:set>
+                                  </p:childTnLst>
+                                </p:cTn>
+                              </p:par>
+                              <p:par>
+                                <p:cTn id="72" presetID="7" presetClass="emph" presetSubtype="2" fill="hold" nodeType="withEffect">
+                                  <p:stCondLst>
+                                    <p:cond delay="0"/>
+                                  </p:stCondLst>
+                                  <p:childTnLst>
+                                    <p:animClr clrSpc="rgb" dir="cw">
+                                      <p:cBhvr>
+                                        <p:cTn id="73" dur="2000" fill="hold"/>
+                                        <p:tgtEl>
+                                          <p:spTgt spid="181"/>
+                                        </p:tgtEl>
+                                        <p:attrNameLst>
+                                          <p:attrName>stroke.color</p:attrName>
+                                        </p:attrNameLst>
+                                      </p:cBhvr>
+                                      <p:to>
+                                        <a:schemeClr val="bg2"/>
+                                      </p:to>
+                                    </p:animClr>
+                                    <p:set>
+                                      <p:cBhvr>
+                                        <p:cTn id="74" dur="2000" fill="hold"/>
+                                        <p:tgtEl>
+                                          <p:spTgt spid="181"/>
+                                        </p:tgtEl>
+                                        <p:attrNameLst>
+                                          <p:attrName>stroke.on</p:attrName>
+                                        </p:attrNameLst>
+                                      </p:cBhvr>
+                                      <p:to>
+                                        <p:strVal val="true"/>
+                                      </p:to>
+                                    </p:set>
+                                  </p:childTnLst>
+                                </p:cTn>
+                              </p:par>
+                              <p:par>
+                                <p:cTn id="75" presetID="1" presetClass="emph" presetSubtype="2" fill="hold" nodeType="withEffect">
+                                  <p:stCondLst>
+                                    <p:cond delay="0"/>
+                                  </p:stCondLst>
+                                  <p:childTnLst>
+                                    <p:animClr clrSpc="rgb" dir="cw">
+                                      <p:cBhvr>
+                                        <p:cTn id="76" dur="2000" fill="hold"/>
+                                        <p:tgtEl>
+                                          <p:spTgt spid="30"/>
+                                        </p:tgtEl>
+                                        <p:attrNameLst>
+                                          <p:attrName>fillcolor</p:attrName>
+                                        </p:attrNameLst>
+                                      </p:cBhvr>
+                                      <p:to>
+                                        <a:schemeClr val="accent2"/>
+                                      </p:to>
+                                    </p:animClr>
+                                    <p:set>
+                                      <p:cBhvr>
+                                        <p:cTn id="77" dur="2000" fill="hold"/>
+                                        <p:tgtEl>
+                                          <p:spTgt spid="30"/>
+                                        </p:tgtEl>
+                                        <p:attrNameLst>
+                                          <p:attrName>fill.type</p:attrName>
+                                        </p:attrNameLst>
+                                      </p:cBhvr>
+                                      <p:to>
+                                        <p:strVal val="solid"/>
+                                      </p:to>
+                                    </p:set>
+                                    <p:set>
+                                      <p:cBhvr>
+                                        <p:cTn id="78" dur="2000" fill="hold"/>
+                                        <p:tgtEl>
+                                          <p:spTgt spid="30"/>
+                                        </p:tgtEl>
+                                        <p:attrNameLst>
+                                          <p:attrName>fill.on</p:attrName>
+                                        </p:attrNameLst>
+                                      </p:cBhvr>
+                                      <p:to>
+                                        <p:strVal val="true"/>
+                                      </p:to>
+                                    </p:set>
+                                  </p:childTnLst>
+                                </p:cTn>
+                              </p:par>
+                              <p:par>
+                                <p:cTn id="79" presetID="1" presetClass="emph" presetSubtype="2" fill="hold" nodeType="withEffect">
+                                  <p:stCondLst>
+                                    <p:cond delay="0"/>
+                                  </p:stCondLst>
+                                  <p:childTnLst>
+                                    <p:animClr clrSpc="rgb" dir="cw">
+                                      <p:cBhvr>
+                                        <p:cTn id="80" dur="2000" fill="hold"/>
+                                        <p:tgtEl>
+                                          <p:spTgt spid="30"/>
+                                        </p:tgtEl>
+                                        <p:attrNameLst>
+                                          <p:attrName>fillcolor</p:attrName>
+                                        </p:attrNameLst>
+                                      </p:cBhvr>
+                                      <p:to>
+                                        <a:schemeClr val="bg2"/>
+                                      </p:to>
+                                    </p:animClr>
+                                    <p:set>
+                                      <p:cBhvr>
+                                        <p:cTn id="81" dur="2000" fill="hold"/>
+                                        <p:tgtEl>
+                                          <p:spTgt spid="30"/>
+                                        </p:tgtEl>
+                                        <p:attrNameLst>
+                                          <p:attrName>fill.type</p:attrName>
+                                        </p:attrNameLst>
+                                      </p:cBhvr>
+                                      <p:to>
+                                        <p:strVal val="solid"/>
+                                      </p:to>
+                                    </p:set>
+                                    <p:set>
+                                      <p:cBhvr>
+                                        <p:cTn id="82" dur="2000" fill="hold"/>
+                                        <p:tgtEl>
+                                          <p:spTgt spid="30"/>
+                                        </p:tgtEl>
+                                        <p:attrNameLst>
+                                          <p:attrName>fill.on</p:attrName>
+                                        </p:attrNameLst>
+                                      </p:cBhvr>
+                                      <p:to>
+                                        <p:strVal val="true"/>
+                                      </p:to>
+                                    </p:set>
+                                  </p:childTnLst>
+                                </p:cTn>
+                              </p:par>
+                              <p:par>
+                                <p:cTn id="83" presetID="1" presetClass="emph" presetSubtype="2" fill="hold" nodeType="withEffect">
+                                  <p:stCondLst>
+                                    <p:cond delay="0"/>
+                                  </p:stCondLst>
+                                  <p:childTnLst>
+                                    <p:animClr clrSpc="rgb" dir="cw">
+                                      <p:cBhvr>
+                                        <p:cTn id="84" dur="2000" fill="hold"/>
+                                        <p:tgtEl>
+                                          <p:spTgt spid="30"/>
+                                        </p:tgtEl>
+                                        <p:attrNameLst>
+                                          <p:attrName>fillcolor</p:attrName>
+                                        </p:attrNameLst>
+                                      </p:cBhvr>
+                                      <p:to>
+                                        <a:schemeClr val="accent2"/>
+                                      </p:to>
+                                    </p:animClr>
+                                    <p:set>
+                                      <p:cBhvr>
+                                        <p:cTn id="85" dur="2000" fill="hold"/>
+                                        <p:tgtEl>
+                                          <p:spTgt spid="30"/>
+                                        </p:tgtEl>
+                                        <p:attrNameLst>
+                                          <p:attrName>fill.type</p:attrName>
+                                        </p:attrNameLst>
+                                      </p:cBhvr>
+                                      <p:to>
+                                        <p:strVal val="solid"/>
+                                      </p:to>
+                                    </p:set>
+                                    <p:set>
+                                      <p:cBhvr>
+                                        <p:cTn id="86" dur="2000" fill="hold"/>
+                                        <p:tgtEl>
+                                          <p:spTgt spid="30"/>
+                                        </p:tgtEl>
+                                        <p:attrNameLst>
+                                          <p:attrName>fill.on</p:attrName>
+                                        </p:attrNameLst>
+                                      </p:cBhvr>
+                                      <p:to>
+                                        <p:strVal val="true"/>
+                                      </p:to>
+                                    </p:set>
+                                  </p:childTnLst>
+                                </p:cTn>
+                              </p:par>
+                              <p:par>
+                                <p:cTn id="87" presetID="7" presetClass="emph" presetSubtype="2" fill="hold" nodeType="withEffect">
+                                  <p:stCondLst>
+                                    <p:cond delay="0"/>
+                                  </p:stCondLst>
+                                  <p:childTnLst>
+                                    <p:animClr clrSpc="rgb" dir="cw">
+                                      <p:cBhvr>
+                                        <p:cTn id="88" dur="2000" fill="hold"/>
+                                        <p:tgtEl>
+                                          <p:spTgt spid="31"/>
+                                        </p:tgtEl>
+                                        <p:attrNameLst>
+                                          <p:attrName>stroke.color</p:attrName>
+                                        </p:attrNameLst>
+                                      </p:cBhvr>
+                                      <p:to>
+                                        <a:schemeClr val="accent2"/>
+                                      </p:to>
+                                    </p:animClr>
+                                    <p:set>
+                                      <p:cBhvr>
+                                        <p:cTn id="89" dur="2000" fill="hold"/>
+                                        <p:tgtEl>
+                                          <p:spTgt spid="31"/>
+                                        </p:tgtEl>
+                                        <p:attrNameLst>
+                                          <p:attrName>stroke.on</p:attrName>
+                                        </p:attrNameLst>
+                                      </p:cBhvr>
+                                      <p:to>
+                                        <p:strVal val="true"/>
+                                      </p:to>
+                                    </p:set>
+                                  </p:childTnLst>
+                                </p:cTn>
+                              </p:par>
+                              <p:par>
+                                <p:cTn id="90" presetID="7" presetClass="emph" presetSubtype="2" fill="hold" nodeType="withEffect">
+                                  <p:stCondLst>
+                                    <p:cond delay="0"/>
+                                  </p:stCondLst>
+                                  <p:childTnLst>
+                                    <p:animClr clrSpc="rgb" dir="cw">
+                                      <p:cBhvr>
+                                        <p:cTn id="91" dur="2000" fill="hold"/>
+                                        <p:tgtEl>
+                                          <p:spTgt spid="31"/>
+                                        </p:tgtEl>
+                                        <p:attrNameLst>
+                                          <p:attrName>stroke.color</p:attrName>
+                                        </p:attrNameLst>
+                                      </p:cBhvr>
+                                      <p:to>
+                                        <a:schemeClr val="bg2"/>
+                                      </p:to>
+                                    </p:animClr>
+                                    <p:set>
+                                      <p:cBhvr>
+                                        <p:cTn id="92" dur="2000" fill="hold"/>
+                                        <p:tgtEl>
+                                          <p:spTgt spid="31"/>
+                                        </p:tgtEl>
+                                        <p:attrNameLst>
+                                          <p:attrName>stroke.on</p:attrName>
+                                        </p:attrNameLst>
+                                      </p:cBhvr>
+                                      <p:to>
+                                        <p:strVal val="true"/>
+                                      </p:to>
+                                    </p:set>
+                                  </p:childTnLst>
+                                </p:cTn>
+                              </p:par>
+                            </p:childTnLst>
+                          </p:cTn>
+                        </p:par>
+                      </p:childTnLst>
+                    </p:cTn>
+                  </p:par>
+                </p:childTnLst>
+              </p:cTn>
+              <p:prevCondLst>
+                <p:cond evt="onPrev" delay="0">
+                  <p:tgtEl>
+                    <p:sldTgt/>
+                  </p:tgtEl>
+                </p:cond>
+              </p:prevCondLst>
+              <p:nextCondLst>
+                <p:cond evt="onNext" delay="0">
+                  <p:tgtEl>
+                    <p:sldTgt/>
+                  </p:tgtEl>
+                </p:cond>
+              </p:nextCondLst>
+            </p:seq>
+          </p:childTnLst>
+        </p:cTn>
+      </p:par>
+    </p:tnLst>
+  </p:timing>
+</p:sld>
+</file>
+
+<file path=ppt/slides/slide2.xml><?xml version="1.0" encoding="utf-8"?>
+<p:sld xmlns:a="http://schemas.openxmlformats.org/drawingml/2006/main" xmlns:r="http://schemas.openxmlformats.org/officeDocument/2006/relationships" xmlns:mc="http://schemas.openxmlformats.org/markup-compatibility/2006" xmlns:mv="urn:schemas-microsoft-com:mac:vml" xmlns:p="http://schemas.openxmlformats.org/presentationml/2006/main" mc:Ignorable="mv" mc:PreserveAttributes="mv:*">
+  <p:cSld>
+    <p:spTree>
+      <p:nvGrpSpPr>
+        <p:cNvPr id="1" name=""/>
+        <p:cNvGrpSpPr/>
+        <p:nvPr/>
+      </p:nvGrpSpPr>
+      <p:grpSpPr>
+        <a:xfrm>
+          <a:off x="0" y="0"/>
+          <a:ext cx="0" cy="0"/>
+          <a:chOff x="0" y="0"/>
+          <a:chExt cx="0" cy="0"/>
+        </a:xfrm>
+      </p:grpSpPr>
+      <p:sp>
+        <p:nvSpPr>
+          <p:cNvPr id="5" name="Oval 4"/>
+          <p:cNvSpPr/>
+          <p:nvPr/>
+        </p:nvSpPr>
+        <p:spPr>
+          <a:xfrm>
+            <a:off x="419748" y="3125110"/>
+            <a:ext cx="2203584" cy="1143531"/>
+          </a:xfrm>
+          <a:prstGeom prst="ellipse">
+            <a:avLst/>
+          </a:prstGeom>
+          <a:ln/>
+        </p:spPr>
+        <p:style>
+          <a:lnRef idx="1">
+            <a:schemeClr val="accent1"/>
+          </a:lnRef>
+          <a:fillRef idx="2">
+            <a:schemeClr val="accent1"/>
+          </a:fillRef>
+          <a:effectRef idx="1">
+            <a:schemeClr val="accent1"/>
+          </a:effectRef>
+          <a:fontRef idx="minor">
+            <a:schemeClr val="dk1"/>
+          </a:fontRef>
+        </p:style>
+        <p:txBody>
+          <a:bodyPr rtlCol="0" anchor="ctr"/>
+          <a:lstStyle/>
+          <a:p>
+            <a:pPr algn="ctr"/>
             <a:r>
               <a:rPr lang="en-US" sz="1600" dirty="0" smtClean="0">
                 <a:solidFill>
                   <a:srgbClr val="000000"/>
                 </a:solidFill>
               </a:rPr>
-              <a:t>modeled</a:t>
+              <a:t>Neighborhood Disadvantage</a:t>
+            </a:r>
+            <a:endParaRPr lang="en-US" sz="1600" dirty="0">
+              <a:solidFill>
+                <a:srgbClr val="000000"/>
+              </a:solidFill>
+            </a:endParaRPr>
+          </a:p>
+        </p:txBody>
+      </p:sp>
+      <p:sp>
+        <p:nvSpPr>
+          <p:cNvPr id="36" name="Rectangle 35"/>
+          <p:cNvSpPr/>
+          <p:nvPr/>
+        </p:nvSpPr>
+        <p:spPr>
+          <a:xfrm>
+            <a:off x="6781800" y="3088689"/>
+            <a:ext cx="1814023" cy="1135803"/>
+          </a:xfrm>
+          <a:prstGeom prst="rect">
+            <a:avLst/>
+          </a:prstGeom>
+          <a:ln/>
+        </p:spPr>
+        <p:style>
+          <a:lnRef idx="1">
+            <a:schemeClr val="accent1"/>
+          </a:lnRef>
+          <a:fillRef idx="2">
+            <a:schemeClr val="accent1"/>
+          </a:fillRef>
+          <a:effectRef idx="1">
+            <a:schemeClr val="accent1"/>
+          </a:effectRef>
+          <a:fontRef idx="minor">
+            <a:schemeClr val="dk1"/>
+          </a:fontRef>
+        </p:style>
+        <p:txBody>
+          <a:bodyPr rtlCol="0" anchor="ctr"/>
+          <a:lstStyle/>
+          <a:p>
+            <a:r>
+              <a:rPr lang="en-US" sz="1600" dirty="0" smtClean="0">
+                <a:solidFill>
+                  <a:srgbClr val="000000"/>
+                </a:solidFill>
+              </a:rPr>
+              <a:t>Emotional disorder</a:t>
+            </a:r>
+          </a:p>
+          <a:p>
+            <a:pPr marL="285750" indent="-285750">
+              <a:buFont typeface="Arial"/>
+              <a:buChar char="•"/>
+            </a:pPr>
+            <a:r>
+              <a:rPr lang="en-US" sz="1600" dirty="0" smtClean="0">
+                <a:solidFill>
+                  <a:srgbClr val="000000"/>
+                </a:solidFill>
+              </a:rPr>
+              <a:t>Anxiety</a:t>
+            </a:r>
+          </a:p>
+          <a:p>
+            <a:pPr marL="285750" indent="-285750">
+              <a:buFont typeface="Arial"/>
+              <a:buChar char="•"/>
+            </a:pPr>
+            <a:r>
+              <a:rPr lang="en-US" sz="1600" dirty="0" smtClean="0">
+                <a:solidFill>
+                  <a:srgbClr val="000000"/>
+                </a:solidFill>
+              </a:rPr>
+              <a:t>Depression</a:t>
+            </a:r>
+            <a:endParaRPr lang="en-US" sz="1600" dirty="0">
+              <a:solidFill>
+                <a:srgbClr val="000000"/>
+              </a:solidFill>
+            </a:endParaRPr>
+          </a:p>
+        </p:txBody>
+      </p:sp>
+      <p:cxnSp>
+        <p:nvCxnSpPr>
+          <p:cNvPr id="126" name="Straight Arrow Connector 125"/>
+          <p:cNvCxnSpPr>
+            <a:stCxn id="96" idx="3"/>
+            <a:endCxn id="36" idx="1"/>
+          </p:cNvCxnSpPr>
+          <p:nvPr/>
+        </p:nvCxnSpPr>
+        <p:spPr>
+          <a:xfrm flipV="1">
+            <a:off x="5598545" y="3656591"/>
+            <a:ext cx="1183255" cy="11948"/>
+          </a:xfrm>
+          <a:prstGeom prst="straightConnector1">
+            <a:avLst/>
+          </a:prstGeom>
+          <a:ln>
+            <a:solidFill>
+              <a:srgbClr val="000000"/>
+            </a:solidFill>
+            <a:tailEnd type="arrow"/>
+          </a:ln>
+        </p:spPr>
+        <p:style>
+          <a:lnRef idx="1">
+            <a:schemeClr val="accent1"/>
+          </a:lnRef>
+          <a:fillRef idx="0">
+            <a:schemeClr val="accent1"/>
+          </a:fillRef>
+          <a:effectRef idx="0">
+            <a:schemeClr val="accent1"/>
+          </a:effectRef>
+          <a:fontRef idx="minor">
+            <a:schemeClr val="tx1"/>
+          </a:fontRef>
+        </p:style>
+      </p:cxnSp>
+      <p:sp>
+        <p:nvSpPr>
+          <p:cNvPr id="162" name="Rectangle 161"/>
+          <p:cNvSpPr/>
+          <p:nvPr/>
+        </p:nvSpPr>
+        <p:spPr>
+          <a:xfrm>
+            <a:off x="193212" y="912069"/>
+            <a:ext cx="8402611" cy="608047"/>
+          </a:xfrm>
+          <a:prstGeom prst="rect">
+            <a:avLst/>
+          </a:prstGeom>
+          <a:noFill/>
+          <a:ln>
+            <a:noFill/>
+          </a:ln>
+        </p:spPr>
+        <p:style>
+          <a:lnRef idx="2">
+            <a:schemeClr val="accent2">
+              <a:shade val="50000"/>
+            </a:schemeClr>
+          </a:lnRef>
+          <a:fillRef idx="1">
+            <a:schemeClr val="accent2"/>
+          </a:fillRef>
+          <a:effectRef idx="0">
+            <a:schemeClr val="accent2"/>
+          </a:effectRef>
+          <a:fontRef idx="minor">
+            <a:schemeClr val="lt1"/>
+          </a:fontRef>
+        </p:style>
+        <p:txBody>
+          <a:bodyPr vert="horz" rtlCol="0" anchor="ctr"/>
+          <a:lstStyle/>
+          <a:p>
+            <a:pPr algn="ctr"/>
+            <a:r>
+              <a:rPr lang="en-US" dirty="0" smtClean="0">
+                <a:solidFill>
+                  <a:schemeClr val="tx1"/>
+                </a:solidFill>
+              </a:rPr>
+              <a:t>Exposure to stress in the environment     </a:t>
+            </a:r>
+            <a:r>
+              <a:rPr lang="en-US" dirty="0" smtClean="0">
+                <a:solidFill>
+                  <a:schemeClr val="tx1"/>
+                </a:solidFill>
+                <a:latin typeface="Wingdings"/>
+                <a:ea typeface="Wingdings"/>
+                <a:cs typeface="Wingdings"/>
+              </a:rPr>
+              <a:t></a:t>
+            </a:r>
+            <a:r>
+              <a:rPr lang="en-US" dirty="0" smtClean="0">
+                <a:solidFill>
+                  <a:schemeClr val="tx1"/>
+                </a:solidFill>
+              </a:rPr>
+              <a:t>        Biologic stress        </a:t>
+            </a:r>
+            <a:r>
+              <a:rPr lang="en-US" dirty="0" smtClean="0">
+                <a:solidFill>
+                  <a:schemeClr val="tx1"/>
+                </a:solidFill>
+                <a:latin typeface="Wingdings"/>
+                <a:ea typeface="Wingdings"/>
+                <a:cs typeface="Wingdings"/>
+              </a:rPr>
+              <a:t></a:t>
+            </a:r>
+            <a:r>
+              <a:rPr lang="en-US" dirty="0" smtClean="0">
+                <a:solidFill>
+                  <a:schemeClr val="tx1"/>
+                </a:solidFill>
+              </a:rPr>
+              <a:t>       Mental Illness</a:t>
+            </a:r>
+            <a:endParaRPr lang="en-US" dirty="0">
+              <a:solidFill>
+                <a:schemeClr val="tx1"/>
+              </a:solidFill>
+            </a:endParaRPr>
+          </a:p>
+        </p:txBody>
+      </p:sp>
+      <p:cxnSp>
+        <p:nvCxnSpPr>
+          <p:cNvPr id="69" name="Straight Arrow Connector 68"/>
+          <p:cNvCxnSpPr/>
+          <p:nvPr/>
+        </p:nvCxnSpPr>
+        <p:spPr>
+          <a:xfrm rot="16200000" flipH="1">
+            <a:off x="2857911" y="3171433"/>
+            <a:ext cx="1050884" cy="2"/>
+          </a:xfrm>
+          <a:prstGeom prst="straightConnector1">
+            <a:avLst/>
+          </a:prstGeom>
+          <a:ln>
+            <a:solidFill>
+              <a:srgbClr val="000000"/>
+            </a:solidFill>
+            <a:tailEnd type="arrow"/>
+          </a:ln>
+        </p:spPr>
+        <p:style>
+          <a:lnRef idx="1">
+            <a:schemeClr val="accent1"/>
+          </a:lnRef>
+          <a:fillRef idx="0">
+            <a:schemeClr val="accent1"/>
+          </a:fillRef>
+          <a:effectRef idx="0">
+            <a:schemeClr val="accent1"/>
+          </a:effectRef>
+          <a:fontRef idx="minor">
+            <a:schemeClr val="tx1"/>
+          </a:fontRef>
+        </p:style>
+      </p:cxnSp>
+      <p:cxnSp>
+        <p:nvCxnSpPr>
+          <p:cNvPr id="181" name="Straight Arrow Connector 180"/>
+          <p:cNvCxnSpPr>
+            <a:stCxn id="5" idx="6"/>
+            <a:endCxn id="96" idx="1"/>
+          </p:cNvCxnSpPr>
+          <p:nvPr/>
+        </p:nvCxnSpPr>
+        <p:spPr>
+          <a:xfrm flipV="1">
+            <a:off x="2623332" y="3668539"/>
+            <a:ext cx="1643868" cy="28337"/>
+          </a:xfrm>
+          <a:prstGeom prst="straightConnector1">
+            <a:avLst/>
+          </a:prstGeom>
+          <a:ln>
+            <a:solidFill>
+              <a:srgbClr val="000000"/>
+            </a:solidFill>
+            <a:tailEnd type="arrow"/>
+          </a:ln>
+        </p:spPr>
+        <p:style>
+          <a:lnRef idx="1">
+            <a:schemeClr val="accent1"/>
+          </a:lnRef>
+          <a:fillRef idx="0">
+            <a:schemeClr val="accent1"/>
+          </a:fillRef>
+          <a:effectRef idx="0">
+            <a:schemeClr val="accent1"/>
+          </a:effectRef>
+          <a:fontRef idx="minor">
+            <a:schemeClr val="tx1"/>
+          </a:fontRef>
+        </p:style>
+      </p:cxnSp>
+      <p:sp>
+        <p:nvSpPr>
+          <p:cNvPr id="96" name="Rectangle 95"/>
+          <p:cNvSpPr/>
+          <p:nvPr/>
+        </p:nvSpPr>
+        <p:spPr>
+          <a:xfrm>
+            <a:off x="4267200" y="3046102"/>
+            <a:ext cx="1331345" cy="1244873"/>
+          </a:xfrm>
+          <a:prstGeom prst="rect">
+            <a:avLst/>
+          </a:prstGeom>
+          <a:solidFill>
+            <a:srgbClr val="FFFFFF"/>
+          </a:solidFill>
+          <a:ln>
+            <a:solidFill>
+              <a:schemeClr val="tx1"/>
+            </a:solidFill>
+          </a:ln>
+        </p:spPr>
+        <p:style>
+          <a:lnRef idx="1">
+            <a:schemeClr val="accent1"/>
+          </a:lnRef>
+          <a:fillRef idx="2">
+            <a:schemeClr val="accent1"/>
+          </a:fillRef>
+          <a:effectRef idx="1">
+            <a:schemeClr val="accent1"/>
+          </a:effectRef>
+          <a:fontRef idx="minor">
+            <a:schemeClr val="dk1"/>
+          </a:fontRef>
+        </p:style>
+        <p:txBody>
+          <a:bodyPr rtlCol="0" anchor="ctr"/>
+          <a:lstStyle/>
+          <a:p>
+            <a:pPr algn="ctr"/>
+            <a:r>
+              <a:rPr lang="en-US" sz="1600" dirty="0" smtClean="0">
+                <a:solidFill>
+                  <a:srgbClr val="000000"/>
+                </a:solidFill>
+              </a:rPr>
+              <a:t>Dysregulation of Stress Response System</a:t>
+            </a:r>
+          </a:p>
+        </p:txBody>
+      </p:sp>
+      <p:sp>
+        <p:nvSpPr>
+          <p:cNvPr id="52" name="Oval 51"/>
+          <p:cNvSpPr/>
+          <p:nvPr/>
+        </p:nvSpPr>
+        <p:spPr>
+          <a:xfrm>
+            <a:off x="2281559" y="1658051"/>
+            <a:ext cx="2203583" cy="987941"/>
+          </a:xfrm>
+          <a:prstGeom prst="ellipse">
+            <a:avLst/>
+          </a:prstGeom>
+          <a:ln/>
+        </p:spPr>
+        <p:style>
+          <a:lnRef idx="1">
+            <a:schemeClr val="accent1"/>
+          </a:lnRef>
+          <a:fillRef idx="2">
+            <a:schemeClr val="accent1"/>
+          </a:fillRef>
+          <a:effectRef idx="1">
+            <a:schemeClr val="accent1"/>
+          </a:effectRef>
+          <a:fontRef idx="minor">
+            <a:schemeClr val="dk1"/>
+          </a:fontRef>
+        </p:style>
+        <p:txBody>
+          <a:bodyPr rtlCol="0" anchor="ctr"/>
+          <a:lstStyle/>
+          <a:p>
+            <a:pPr algn="ctr"/>
+            <a:r>
+              <a:rPr lang="en-US" sz="1600" dirty="0" err="1" smtClean="0">
+                <a:solidFill>
+                  <a:srgbClr val="000000"/>
+                </a:solidFill>
+              </a:rPr>
+              <a:t>Urbanicity</a:t>
+            </a:r>
+            <a:endParaRPr lang="en-US" sz="1600" dirty="0">
+              <a:solidFill>
+                <a:srgbClr val="000000"/>
+              </a:solidFill>
+            </a:endParaRPr>
+          </a:p>
+        </p:txBody>
+      </p:sp>
+      <p:sp>
+        <p:nvSpPr>
+          <p:cNvPr id="30" name="Oval 29"/>
+          <p:cNvSpPr/>
+          <p:nvPr/>
+        </p:nvSpPr>
+        <p:spPr>
+          <a:xfrm>
+            <a:off x="2281555" y="4774571"/>
+            <a:ext cx="2203583" cy="987941"/>
+          </a:xfrm>
+          <a:prstGeom prst="ellipse">
+            <a:avLst/>
+          </a:prstGeom>
+          <a:solidFill>
+            <a:srgbClr val="FFFFFF"/>
+          </a:solidFill>
+          <a:ln>
+            <a:solidFill>
+              <a:schemeClr val="tx1"/>
+            </a:solidFill>
+          </a:ln>
+        </p:spPr>
+        <p:style>
+          <a:lnRef idx="1">
+            <a:schemeClr val="accent1"/>
+          </a:lnRef>
+          <a:fillRef idx="2">
+            <a:schemeClr val="accent1"/>
+          </a:fillRef>
+          <a:effectRef idx="1">
+            <a:schemeClr val="accent1"/>
+          </a:effectRef>
+          <a:fontRef idx="minor">
+            <a:schemeClr val="dk1"/>
+          </a:fontRef>
+        </p:style>
+        <p:txBody>
+          <a:bodyPr rtlCol="0" anchor="ctr"/>
+          <a:lstStyle/>
+          <a:p>
+            <a:pPr algn="ctr"/>
+            <a:r>
+              <a:rPr lang="en-US" sz="1600" dirty="0" smtClean="0">
+                <a:solidFill>
+                  <a:srgbClr val="000000"/>
+                </a:solidFill>
+              </a:rPr>
+              <a:t>Multiple effect modifiers not modeled</a:t>
             </a:r>
             <a:endParaRPr lang="en-US" sz="1600" dirty="0">
               <a:solidFill>
@@ -4292,7 +6212,3706 @@
     </p:spTree>
     <p:extLst>
       <p:ext uri="{BB962C8B-B14F-4D97-AF65-F5344CB8AC3E}">
-        <p14:creationId xmlns:p14="http://schemas.microsoft.com/office/powerpoint/2010/main" xmlns:p="http://schemas.openxmlformats.org/presentationml/2006/main" xmlns:r="http://schemas.openxmlformats.org/officeDocument/2006/relationships" xmlns:a="http://schemas.openxmlformats.org/drawingml/2006/main" xmlns="" val="3132503273"/>
+        <p14:creationId xmlns="" xmlns:a="http://schemas.openxmlformats.org/drawingml/2006/main" xmlns:r="http://schemas.openxmlformats.org/officeDocument/2006/relationships" xmlns:p="http://schemas.openxmlformats.org/presentationml/2006/main" xmlns:p14="http://schemas.microsoft.com/office/powerpoint/2010/main" xmlns:mv="urn:schemas-microsoft-com:mac:vml" xmlns:mc="http://schemas.openxmlformats.org/markup-compatibility/2006" val="3132503273"/>
+      </p:ext>
+    </p:extLst>
+  </p:cSld>
+  <p:clrMapOvr>
+    <a:masterClrMapping/>
+  </p:clrMapOvr>
+  <p:timing>
+    <p:tnLst>
+      <p:par>
+        <p:cTn id="1" dur="indefinite" restart="never" nodeType="tmRoot">
+          <p:childTnLst>
+            <p:seq concurrent="1" nextAc="seek">
+              <p:cTn id="2" dur="indefinite" nodeType="mainSeq">
+                <p:childTnLst>
+                  <p:par>
+                    <p:cTn id="3" fill="hold">
+                      <p:stCondLst>
+                        <p:cond delay="indefinite"/>
+                      </p:stCondLst>
+                      <p:childTnLst>
+                        <p:par>
+                          <p:cTn id="4" fill="hold">
+                            <p:stCondLst>
+                              <p:cond delay="0"/>
+                            </p:stCondLst>
+                            <p:childTnLst>
+                              <p:par>
+                                <p:cTn id="5" presetID="1" presetClass="emph" presetSubtype="2" fill="hold" nodeType="clickEffect">
+                                  <p:stCondLst>
+                                    <p:cond delay="0"/>
+                                  </p:stCondLst>
+                                  <p:childTnLst>
+                                    <p:animClr clrSpc="rgb" dir="cw">
+                                      <p:cBhvr>
+                                        <p:cTn id="6" dur="2000" fill="hold"/>
+                                        <p:tgtEl>
+                                          <p:spTgt spid="5"/>
+                                        </p:tgtEl>
+                                        <p:attrNameLst>
+                                          <p:attrName>fillcolor</p:attrName>
+                                        </p:attrNameLst>
+                                      </p:cBhvr>
+                                      <p:to>
+                                        <a:schemeClr val="accent2"/>
+                                      </p:to>
+                                    </p:animClr>
+                                    <p:set>
+                                      <p:cBhvr>
+                                        <p:cTn id="7" dur="2000" fill="hold"/>
+                                        <p:tgtEl>
+                                          <p:spTgt spid="5"/>
+                                        </p:tgtEl>
+                                        <p:attrNameLst>
+                                          <p:attrName>fill.type</p:attrName>
+                                        </p:attrNameLst>
+                                      </p:cBhvr>
+                                      <p:to>
+                                        <p:strVal val="solid"/>
+                                      </p:to>
+                                    </p:set>
+                                    <p:set>
+                                      <p:cBhvr>
+                                        <p:cTn id="8" dur="2000" fill="hold"/>
+                                        <p:tgtEl>
+                                          <p:spTgt spid="5"/>
+                                        </p:tgtEl>
+                                        <p:attrNameLst>
+                                          <p:attrName>fill.on</p:attrName>
+                                        </p:attrNameLst>
+                                      </p:cBhvr>
+                                      <p:to>
+                                        <p:strVal val="true"/>
+                                      </p:to>
+                                    </p:set>
+                                  </p:childTnLst>
+                                </p:cTn>
+                              </p:par>
+                              <p:par>
+                                <p:cTn id="9" presetID="1" presetClass="emph" presetSubtype="2" fill="hold" nodeType="withEffect">
+                                  <p:stCondLst>
+                                    <p:cond delay="0"/>
+                                  </p:stCondLst>
+                                  <p:childTnLst>
+                                    <p:animClr clrSpc="rgb" dir="cw">
+                                      <p:cBhvr>
+                                        <p:cTn id="10" dur="2000" fill="hold"/>
+                                        <p:tgtEl>
+                                          <p:spTgt spid="52"/>
+                                        </p:tgtEl>
+                                        <p:attrNameLst>
+                                          <p:attrName>fillcolor</p:attrName>
+                                        </p:attrNameLst>
+                                      </p:cBhvr>
+                                      <p:to>
+                                        <a:schemeClr val="accent2"/>
+                                      </p:to>
+                                    </p:animClr>
+                                    <p:set>
+                                      <p:cBhvr>
+                                        <p:cTn id="11" dur="2000" fill="hold"/>
+                                        <p:tgtEl>
+                                          <p:spTgt spid="52"/>
+                                        </p:tgtEl>
+                                        <p:attrNameLst>
+                                          <p:attrName>fill.type</p:attrName>
+                                        </p:attrNameLst>
+                                      </p:cBhvr>
+                                      <p:to>
+                                        <p:strVal val="solid"/>
+                                      </p:to>
+                                    </p:set>
+                                    <p:set>
+                                      <p:cBhvr>
+                                        <p:cTn id="12" dur="2000" fill="hold"/>
+                                        <p:tgtEl>
+                                          <p:spTgt spid="52"/>
+                                        </p:tgtEl>
+                                        <p:attrNameLst>
+                                          <p:attrName>fill.on</p:attrName>
+                                        </p:attrNameLst>
+                                      </p:cBhvr>
+                                      <p:to>
+                                        <p:strVal val="true"/>
+                                      </p:to>
+                                    </p:set>
+                                  </p:childTnLst>
+                                </p:cTn>
+                              </p:par>
+                              <p:par>
+                                <p:cTn id="13" presetID="1" presetClass="emph" presetSubtype="2" fill="hold" nodeType="withEffect">
+                                  <p:stCondLst>
+                                    <p:cond delay="0"/>
+                                  </p:stCondLst>
+                                  <p:childTnLst>
+                                    <p:animClr clrSpc="rgb" dir="cw">
+                                      <p:cBhvr>
+                                        <p:cTn id="14" dur="2000" fill="hold"/>
+                                        <p:tgtEl>
+                                          <p:spTgt spid="36"/>
+                                        </p:tgtEl>
+                                        <p:attrNameLst>
+                                          <p:attrName>fillcolor</p:attrName>
+                                        </p:attrNameLst>
+                                      </p:cBhvr>
+                                      <p:to>
+                                        <a:schemeClr val="accent2"/>
+                                      </p:to>
+                                    </p:animClr>
+                                    <p:set>
+                                      <p:cBhvr>
+                                        <p:cTn id="15" dur="2000" fill="hold"/>
+                                        <p:tgtEl>
+                                          <p:spTgt spid="36"/>
+                                        </p:tgtEl>
+                                        <p:attrNameLst>
+                                          <p:attrName>fill.type</p:attrName>
+                                        </p:attrNameLst>
+                                      </p:cBhvr>
+                                      <p:to>
+                                        <p:strVal val="solid"/>
+                                      </p:to>
+                                    </p:set>
+                                    <p:set>
+                                      <p:cBhvr>
+                                        <p:cTn id="16" dur="2000" fill="hold"/>
+                                        <p:tgtEl>
+                                          <p:spTgt spid="36"/>
+                                        </p:tgtEl>
+                                        <p:attrNameLst>
+                                          <p:attrName>fill.on</p:attrName>
+                                        </p:attrNameLst>
+                                      </p:cBhvr>
+                                      <p:to>
+                                        <p:strVal val="true"/>
+                                      </p:to>
+                                    </p:set>
+                                  </p:childTnLst>
+                                </p:cTn>
+                              </p:par>
+                              <p:par>
+                                <p:cTn id="17" presetID="7" presetClass="emph" presetSubtype="2" fill="hold" nodeType="withEffect">
+                                  <p:stCondLst>
+                                    <p:cond delay="0"/>
+                                  </p:stCondLst>
+                                  <p:childTnLst>
+                                    <p:animClr clrSpc="rgb" dir="cw">
+                                      <p:cBhvr>
+                                        <p:cTn id="18" dur="2000" fill="hold"/>
+                                        <p:tgtEl>
+                                          <p:spTgt spid="69"/>
+                                        </p:tgtEl>
+                                        <p:attrNameLst>
+                                          <p:attrName>stroke.color</p:attrName>
+                                        </p:attrNameLst>
+                                      </p:cBhvr>
+                                      <p:to>
+                                        <a:schemeClr val="accent2"/>
+                                      </p:to>
+                                    </p:animClr>
+                                    <p:set>
+                                      <p:cBhvr>
+                                        <p:cTn id="19" dur="2000" fill="hold"/>
+                                        <p:tgtEl>
+                                          <p:spTgt spid="69"/>
+                                        </p:tgtEl>
+                                        <p:attrNameLst>
+                                          <p:attrName>stroke.on</p:attrName>
+                                        </p:attrNameLst>
+                                      </p:cBhvr>
+                                      <p:to>
+                                        <p:strVal val="true"/>
+                                      </p:to>
+                                    </p:set>
+                                  </p:childTnLst>
+                                </p:cTn>
+                              </p:par>
+                              <p:par>
+                                <p:cTn id="20" presetID="7" presetClass="emph" presetSubtype="2" fill="hold" nodeType="withEffect">
+                                  <p:stCondLst>
+                                    <p:cond delay="0"/>
+                                  </p:stCondLst>
+                                  <p:childTnLst>
+                                    <p:animClr clrSpc="rgb" dir="cw">
+                                      <p:cBhvr>
+                                        <p:cTn id="21" dur="2000" fill="hold"/>
+                                        <p:tgtEl>
+                                          <p:spTgt spid="181"/>
+                                        </p:tgtEl>
+                                        <p:attrNameLst>
+                                          <p:attrName>stroke.color</p:attrName>
+                                        </p:attrNameLst>
+                                      </p:cBhvr>
+                                      <p:to>
+                                        <a:schemeClr val="accent2"/>
+                                      </p:to>
+                                    </p:animClr>
+                                    <p:set>
+                                      <p:cBhvr>
+                                        <p:cTn id="22" dur="2000" fill="hold"/>
+                                        <p:tgtEl>
+                                          <p:spTgt spid="181"/>
+                                        </p:tgtEl>
+                                        <p:attrNameLst>
+                                          <p:attrName>stroke.on</p:attrName>
+                                        </p:attrNameLst>
+                                      </p:cBhvr>
+                                      <p:to>
+                                        <p:strVal val="true"/>
+                                      </p:to>
+                                    </p:set>
+                                  </p:childTnLst>
+                                </p:cTn>
+                              </p:par>
+                              <p:par>
+                                <p:cTn id="23" presetID="7" presetClass="emph" presetSubtype="2" fill="hold" nodeType="withEffect">
+                                  <p:stCondLst>
+                                    <p:cond delay="0"/>
+                                  </p:stCondLst>
+                                  <p:childTnLst>
+                                    <p:animClr clrSpc="rgb" dir="cw">
+                                      <p:cBhvr>
+                                        <p:cTn id="24" dur="2000" fill="hold"/>
+                                        <p:tgtEl>
+                                          <p:spTgt spid="126"/>
+                                        </p:tgtEl>
+                                        <p:attrNameLst>
+                                          <p:attrName>stroke.color</p:attrName>
+                                        </p:attrNameLst>
+                                      </p:cBhvr>
+                                      <p:to>
+                                        <a:schemeClr val="accent2"/>
+                                      </p:to>
+                                    </p:animClr>
+                                    <p:set>
+                                      <p:cBhvr>
+                                        <p:cTn id="25" dur="2000" fill="hold"/>
+                                        <p:tgtEl>
+                                          <p:spTgt spid="126"/>
+                                        </p:tgtEl>
+                                        <p:attrNameLst>
+                                          <p:attrName>stroke.on</p:attrName>
+                                        </p:attrNameLst>
+                                      </p:cBhvr>
+                                      <p:to>
+                                        <p:strVal val="true"/>
+                                      </p:to>
+                                    </p:set>
+                                  </p:childTnLst>
+                                </p:cTn>
+                              </p:par>
+                            </p:childTnLst>
+                          </p:cTn>
+                        </p:par>
+                      </p:childTnLst>
+                    </p:cTn>
+                  </p:par>
+                  <p:par>
+                    <p:cTn id="26" fill="hold">
+                      <p:stCondLst>
+                        <p:cond delay="indefinite"/>
+                      </p:stCondLst>
+                      <p:childTnLst>
+                        <p:par>
+                          <p:cTn id="27" fill="hold">
+                            <p:stCondLst>
+                              <p:cond delay="0"/>
+                            </p:stCondLst>
+                            <p:childTnLst>
+                              <p:par>
+                                <p:cTn id="28" presetID="1" presetClass="emph" presetSubtype="2" fill="hold" nodeType="clickEffect">
+                                  <p:stCondLst>
+                                    <p:cond delay="0"/>
+                                  </p:stCondLst>
+                                  <p:childTnLst>
+                                    <p:animClr clrSpc="rgb" dir="cw">
+                                      <p:cBhvr>
+                                        <p:cTn id="29" dur="2000" fill="hold"/>
+                                        <p:tgtEl>
+                                          <p:spTgt spid="96"/>
+                                        </p:tgtEl>
+                                        <p:attrNameLst>
+                                          <p:attrName>fillcolor</p:attrName>
+                                        </p:attrNameLst>
+                                      </p:cBhvr>
+                                      <p:to>
+                                        <a:schemeClr val="accent2"/>
+                                      </p:to>
+                                    </p:animClr>
+                                    <p:set>
+                                      <p:cBhvr>
+                                        <p:cTn id="30" dur="2000" fill="hold"/>
+                                        <p:tgtEl>
+                                          <p:spTgt spid="96"/>
+                                        </p:tgtEl>
+                                        <p:attrNameLst>
+                                          <p:attrName>fill.type</p:attrName>
+                                        </p:attrNameLst>
+                                      </p:cBhvr>
+                                      <p:to>
+                                        <p:strVal val="solid"/>
+                                      </p:to>
+                                    </p:set>
+                                    <p:set>
+                                      <p:cBhvr>
+                                        <p:cTn id="31" dur="2000" fill="hold"/>
+                                        <p:tgtEl>
+                                          <p:spTgt spid="96"/>
+                                        </p:tgtEl>
+                                        <p:attrNameLst>
+                                          <p:attrName>fill.on</p:attrName>
+                                        </p:attrNameLst>
+                                      </p:cBhvr>
+                                      <p:to>
+                                        <p:strVal val="true"/>
+                                      </p:to>
+                                    </p:set>
+                                  </p:childTnLst>
+                                </p:cTn>
+                              </p:par>
+                              <p:par>
+                                <p:cTn id="32" presetID="1" presetClass="emph" presetSubtype="2" fill="hold" nodeType="withEffect">
+                                  <p:stCondLst>
+                                    <p:cond delay="0"/>
+                                  </p:stCondLst>
+                                  <p:childTnLst>
+                                    <p:animClr clrSpc="rgb" dir="cw">
+                                      <p:cBhvr>
+                                        <p:cTn id="33" dur="2000" fill="hold"/>
+                                        <p:tgtEl>
+                                          <p:spTgt spid="5"/>
+                                        </p:tgtEl>
+                                        <p:attrNameLst>
+                                          <p:attrName>fillcolor</p:attrName>
+                                        </p:attrNameLst>
+                                      </p:cBhvr>
+                                      <p:to>
+                                        <a:schemeClr val="accent2"/>
+                                      </p:to>
+                                    </p:animClr>
+                                    <p:set>
+                                      <p:cBhvr>
+                                        <p:cTn id="34" dur="2000" fill="hold"/>
+                                        <p:tgtEl>
+                                          <p:spTgt spid="5"/>
+                                        </p:tgtEl>
+                                        <p:attrNameLst>
+                                          <p:attrName>fill.type</p:attrName>
+                                        </p:attrNameLst>
+                                      </p:cBhvr>
+                                      <p:to>
+                                        <p:strVal val="solid"/>
+                                      </p:to>
+                                    </p:set>
+                                    <p:set>
+                                      <p:cBhvr>
+                                        <p:cTn id="35" dur="2000" fill="hold"/>
+                                        <p:tgtEl>
+                                          <p:spTgt spid="5"/>
+                                        </p:tgtEl>
+                                        <p:attrNameLst>
+                                          <p:attrName>fill.on</p:attrName>
+                                        </p:attrNameLst>
+                                      </p:cBhvr>
+                                      <p:to>
+                                        <p:strVal val="true"/>
+                                      </p:to>
+                                    </p:set>
+                                  </p:childTnLst>
+                                </p:cTn>
+                              </p:par>
+                              <p:par>
+                                <p:cTn id="36" presetID="7" presetClass="emph" presetSubtype="2" fill="hold" nodeType="withEffect">
+                                  <p:stCondLst>
+                                    <p:cond delay="0"/>
+                                  </p:stCondLst>
+                                  <p:childTnLst>
+                                    <p:animClr clrSpc="rgb" dir="cw">
+                                      <p:cBhvr>
+                                        <p:cTn id="37" dur="2000" fill="hold"/>
+                                        <p:tgtEl>
+                                          <p:spTgt spid="181"/>
+                                        </p:tgtEl>
+                                        <p:attrNameLst>
+                                          <p:attrName>stroke.color</p:attrName>
+                                        </p:attrNameLst>
+                                      </p:cBhvr>
+                                      <p:to>
+                                        <a:schemeClr val="accent2"/>
+                                      </p:to>
+                                    </p:animClr>
+                                    <p:set>
+                                      <p:cBhvr>
+                                        <p:cTn id="38" dur="2000" fill="hold"/>
+                                        <p:tgtEl>
+                                          <p:spTgt spid="181"/>
+                                        </p:tgtEl>
+                                        <p:attrNameLst>
+                                          <p:attrName>stroke.on</p:attrName>
+                                        </p:attrNameLst>
+                                      </p:cBhvr>
+                                      <p:to>
+                                        <p:strVal val="true"/>
+                                      </p:to>
+                                    </p:set>
+                                  </p:childTnLst>
+                                </p:cTn>
+                              </p:par>
+                              <p:par>
+                                <p:cTn id="39" presetID="1" presetClass="emph" presetSubtype="2" fill="hold" nodeType="withEffect">
+                                  <p:stCondLst>
+                                    <p:cond delay="0"/>
+                                  </p:stCondLst>
+                                  <p:childTnLst>
+                                    <p:animClr clrSpc="rgb" dir="cw">
+                                      <p:cBhvr>
+                                        <p:cTn id="40" dur="2000" fill="hold"/>
+                                        <p:tgtEl>
+                                          <p:spTgt spid="36"/>
+                                        </p:tgtEl>
+                                        <p:attrNameLst>
+                                          <p:attrName>fillcolor</p:attrName>
+                                        </p:attrNameLst>
+                                      </p:cBhvr>
+                                      <p:to>
+                                        <a:schemeClr val="bg2"/>
+                                      </p:to>
+                                    </p:animClr>
+                                    <p:set>
+                                      <p:cBhvr>
+                                        <p:cTn id="41" dur="2000" fill="hold"/>
+                                        <p:tgtEl>
+                                          <p:spTgt spid="36"/>
+                                        </p:tgtEl>
+                                        <p:attrNameLst>
+                                          <p:attrName>fill.type</p:attrName>
+                                        </p:attrNameLst>
+                                      </p:cBhvr>
+                                      <p:to>
+                                        <p:strVal val="solid"/>
+                                      </p:to>
+                                    </p:set>
+                                    <p:set>
+                                      <p:cBhvr>
+                                        <p:cTn id="42" dur="2000" fill="hold"/>
+                                        <p:tgtEl>
+                                          <p:spTgt spid="36"/>
+                                        </p:tgtEl>
+                                        <p:attrNameLst>
+                                          <p:attrName>fill.on</p:attrName>
+                                        </p:attrNameLst>
+                                      </p:cBhvr>
+                                      <p:to>
+                                        <p:strVal val="true"/>
+                                      </p:to>
+                                    </p:set>
+                                  </p:childTnLst>
+                                </p:cTn>
+                              </p:par>
+                              <p:par>
+                                <p:cTn id="43" presetID="7" presetClass="emph" presetSubtype="2" fill="hold" nodeType="withEffect">
+                                  <p:stCondLst>
+                                    <p:cond delay="0"/>
+                                  </p:stCondLst>
+                                  <p:childTnLst>
+                                    <p:animClr clrSpc="rgb" dir="cw">
+                                      <p:cBhvr>
+                                        <p:cTn id="44" dur="2000" fill="hold"/>
+                                        <p:tgtEl>
+                                          <p:spTgt spid="69"/>
+                                        </p:tgtEl>
+                                        <p:attrNameLst>
+                                          <p:attrName>stroke.color</p:attrName>
+                                        </p:attrNameLst>
+                                      </p:cBhvr>
+                                      <p:to>
+                                        <a:schemeClr val="bg2"/>
+                                      </p:to>
+                                    </p:animClr>
+                                    <p:set>
+                                      <p:cBhvr>
+                                        <p:cTn id="45" dur="2000" fill="hold"/>
+                                        <p:tgtEl>
+                                          <p:spTgt spid="69"/>
+                                        </p:tgtEl>
+                                        <p:attrNameLst>
+                                          <p:attrName>stroke.on</p:attrName>
+                                        </p:attrNameLst>
+                                      </p:cBhvr>
+                                      <p:to>
+                                        <p:strVal val="true"/>
+                                      </p:to>
+                                    </p:set>
+                                  </p:childTnLst>
+                                </p:cTn>
+                              </p:par>
+                              <p:par>
+                                <p:cTn id="46" presetID="7" presetClass="emph" presetSubtype="2" fill="hold" nodeType="withEffect">
+                                  <p:stCondLst>
+                                    <p:cond delay="0"/>
+                                  </p:stCondLst>
+                                  <p:childTnLst>
+                                    <p:animClr clrSpc="rgb" dir="cw">
+                                      <p:cBhvr>
+                                        <p:cTn id="47" dur="2000" fill="hold"/>
+                                        <p:tgtEl>
+                                          <p:spTgt spid="126"/>
+                                        </p:tgtEl>
+                                        <p:attrNameLst>
+                                          <p:attrName>stroke.color</p:attrName>
+                                        </p:attrNameLst>
+                                      </p:cBhvr>
+                                      <p:to>
+                                        <a:schemeClr val="bg2"/>
+                                      </p:to>
+                                    </p:animClr>
+                                    <p:set>
+                                      <p:cBhvr>
+                                        <p:cTn id="48" dur="2000" fill="hold"/>
+                                        <p:tgtEl>
+                                          <p:spTgt spid="126"/>
+                                        </p:tgtEl>
+                                        <p:attrNameLst>
+                                          <p:attrName>stroke.on</p:attrName>
+                                        </p:attrNameLst>
+                                      </p:cBhvr>
+                                      <p:to>
+                                        <p:strVal val="true"/>
+                                      </p:to>
+                                    </p:set>
+                                  </p:childTnLst>
+                                </p:cTn>
+                              </p:par>
+                              <p:par>
+                                <p:cTn id="49" presetID="1" presetClass="emph" presetSubtype="2" fill="hold" nodeType="withEffect">
+                                  <p:stCondLst>
+                                    <p:cond delay="0"/>
+                                  </p:stCondLst>
+                                  <p:childTnLst>
+                                    <p:animClr clrSpc="rgb" dir="cw">
+                                      <p:cBhvr>
+                                        <p:cTn id="50" dur="2000" fill="hold"/>
+                                        <p:tgtEl>
+                                          <p:spTgt spid="52"/>
+                                        </p:tgtEl>
+                                        <p:attrNameLst>
+                                          <p:attrName>fillcolor</p:attrName>
+                                        </p:attrNameLst>
+                                      </p:cBhvr>
+                                      <p:to>
+                                        <a:schemeClr val="bg2"/>
+                                      </p:to>
+                                    </p:animClr>
+                                    <p:set>
+                                      <p:cBhvr>
+                                        <p:cTn id="51" dur="2000" fill="hold"/>
+                                        <p:tgtEl>
+                                          <p:spTgt spid="52"/>
+                                        </p:tgtEl>
+                                        <p:attrNameLst>
+                                          <p:attrName>fill.type</p:attrName>
+                                        </p:attrNameLst>
+                                      </p:cBhvr>
+                                      <p:to>
+                                        <p:strVal val="solid"/>
+                                      </p:to>
+                                    </p:set>
+                                    <p:set>
+                                      <p:cBhvr>
+                                        <p:cTn id="52" dur="2000" fill="hold"/>
+                                        <p:tgtEl>
+                                          <p:spTgt spid="52"/>
+                                        </p:tgtEl>
+                                        <p:attrNameLst>
+                                          <p:attrName>fill.on</p:attrName>
+                                        </p:attrNameLst>
+                                      </p:cBhvr>
+                                      <p:to>
+                                        <p:strVal val="true"/>
+                                      </p:to>
+                                    </p:set>
+                                  </p:childTnLst>
+                                </p:cTn>
+                              </p:par>
+                              <p:par>
+                                <p:cTn id="53" presetID="1" presetClass="emph" presetSubtype="2" fill="hold" nodeType="withEffect">
+                                  <p:stCondLst>
+                                    <p:cond delay="0"/>
+                                  </p:stCondLst>
+                                  <p:childTnLst>
+                                    <p:animClr clrSpc="rgb" dir="cw">
+                                      <p:cBhvr>
+                                        <p:cTn id="54" dur="2000" fill="hold"/>
+                                        <p:tgtEl>
+                                          <p:spTgt spid="36"/>
+                                        </p:tgtEl>
+                                        <p:attrNameLst>
+                                          <p:attrName>fillcolor</p:attrName>
+                                        </p:attrNameLst>
+                                      </p:cBhvr>
+                                      <p:to>
+                                        <a:schemeClr val="accent2"/>
+                                      </p:to>
+                                    </p:animClr>
+                                    <p:set>
+                                      <p:cBhvr>
+                                        <p:cTn id="55" dur="2000" fill="hold"/>
+                                        <p:tgtEl>
+                                          <p:spTgt spid="36"/>
+                                        </p:tgtEl>
+                                        <p:attrNameLst>
+                                          <p:attrName>fill.type</p:attrName>
+                                        </p:attrNameLst>
+                                      </p:cBhvr>
+                                      <p:to>
+                                        <p:strVal val="solid"/>
+                                      </p:to>
+                                    </p:set>
+                                    <p:set>
+                                      <p:cBhvr>
+                                        <p:cTn id="56" dur="2000" fill="hold"/>
+                                        <p:tgtEl>
+                                          <p:spTgt spid="36"/>
+                                        </p:tgtEl>
+                                        <p:attrNameLst>
+                                          <p:attrName>fill.on</p:attrName>
+                                        </p:attrNameLst>
+                                      </p:cBhvr>
+                                      <p:to>
+                                        <p:strVal val="true"/>
+                                      </p:to>
+                                    </p:set>
+                                  </p:childTnLst>
+                                </p:cTn>
+                              </p:par>
+                              <p:par>
+                                <p:cTn id="57" presetID="1" presetClass="emph" presetSubtype="2" fill="hold" nodeType="withEffect">
+                                  <p:stCondLst>
+                                    <p:cond delay="0"/>
+                                  </p:stCondLst>
+                                  <p:childTnLst>
+                                    <p:animClr clrSpc="rgb" dir="cw">
+                                      <p:cBhvr>
+                                        <p:cTn id="58" dur="2000" fill="hold"/>
+                                        <p:tgtEl>
+                                          <p:spTgt spid="52"/>
+                                        </p:tgtEl>
+                                        <p:attrNameLst>
+                                          <p:attrName>fillcolor</p:attrName>
+                                        </p:attrNameLst>
+                                      </p:cBhvr>
+                                      <p:to>
+                                        <a:schemeClr val="accent2"/>
+                                      </p:to>
+                                    </p:animClr>
+                                    <p:set>
+                                      <p:cBhvr>
+                                        <p:cTn id="59" dur="2000" fill="hold"/>
+                                        <p:tgtEl>
+                                          <p:spTgt spid="52"/>
+                                        </p:tgtEl>
+                                        <p:attrNameLst>
+                                          <p:attrName>fill.type</p:attrName>
+                                        </p:attrNameLst>
+                                      </p:cBhvr>
+                                      <p:to>
+                                        <p:strVal val="solid"/>
+                                      </p:to>
+                                    </p:set>
+                                    <p:set>
+                                      <p:cBhvr>
+                                        <p:cTn id="60" dur="2000" fill="hold"/>
+                                        <p:tgtEl>
+                                          <p:spTgt spid="52"/>
+                                        </p:tgtEl>
+                                        <p:attrNameLst>
+                                          <p:attrName>fill.on</p:attrName>
+                                        </p:attrNameLst>
+                                      </p:cBhvr>
+                                      <p:to>
+                                        <p:strVal val="true"/>
+                                      </p:to>
+                                    </p:set>
+                                  </p:childTnLst>
+                                </p:cTn>
+                              </p:par>
+                              <p:par>
+                                <p:cTn id="61" presetID="1" presetClass="emph" presetSubtype="2" fill="hold" nodeType="withEffect">
+                                  <p:stCondLst>
+                                    <p:cond delay="0"/>
+                                  </p:stCondLst>
+                                  <p:childTnLst>
+                                    <p:animClr clrSpc="rgb" dir="cw">
+                                      <p:cBhvr>
+                                        <p:cTn id="62" dur="2000" fill="hold"/>
+                                        <p:tgtEl>
+                                          <p:spTgt spid="5"/>
+                                        </p:tgtEl>
+                                        <p:attrNameLst>
+                                          <p:attrName>fillcolor</p:attrName>
+                                        </p:attrNameLst>
+                                      </p:cBhvr>
+                                      <p:to>
+                                        <a:schemeClr val="bg2"/>
+                                      </p:to>
+                                    </p:animClr>
+                                    <p:set>
+                                      <p:cBhvr>
+                                        <p:cTn id="63" dur="2000" fill="hold"/>
+                                        <p:tgtEl>
+                                          <p:spTgt spid="5"/>
+                                        </p:tgtEl>
+                                        <p:attrNameLst>
+                                          <p:attrName>fill.type</p:attrName>
+                                        </p:attrNameLst>
+                                      </p:cBhvr>
+                                      <p:to>
+                                        <p:strVal val="solid"/>
+                                      </p:to>
+                                    </p:set>
+                                    <p:set>
+                                      <p:cBhvr>
+                                        <p:cTn id="64" dur="2000" fill="hold"/>
+                                        <p:tgtEl>
+                                          <p:spTgt spid="5"/>
+                                        </p:tgtEl>
+                                        <p:attrNameLst>
+                                          <p:attrName>fill.on</p:attrName>
+                                        </p:attrNameLst>
+                                      </p:cBhvr>
+                                      <p:to>
+                                        <p:strVal val="true"/>
+                                      </p:to>
+                                    </p:set>
+                                  </p:childTnLst>
+                                </p:cTn>
+                              </p:par>
+                              <p:par>
+                                <p:cTn id="65" presetID="1" presetClass="emph" presetSubtype="2" fill="hold" nodeType="withEffect">
+                                  <p:stCondLst>
+                                    <p:cond delay="0"/>
+                                  </p:stCondLst>
+                                  <p:childTnLst>
+                                    <p:animClr clrSpc="rgb" dir="cw">
+                                      <p:cBhvr>
+                                        <p:cTn id="66" dur="2000" fill="hold"/>
+                                        <p:tgtEl>
+                                          <p:spTgt spid="96"/>
+                                        </p:tgtEl>
+                                        <p:attrNameLst>
+                                          <p:attrName>fillcolor</p:attrName>
+                                        </p:attrNameLst>
+                                      </p:cBhvr>
+                                      <p:to>
+                                        <a:schemeClr val="bg2"/>
+                                      </p:to>
+                                    </p:animClr>
+                                    <p:set>
+                                      <p:cBhvr>
+                                        <p:cTn id="67" dur="2000" fill="hold"/>
+                                        <p:tgtEl>
+                                          <p:spTgt spid="96"/>
+                                        </p:tgtEl>
+                                        <p:attrNameLst>
+                                          <p:attrName>fill.type</p:attrName>
+                                        </p:attrNameLst>
+                                      </p:cBhvr>
+                                      <p:to>
+                                        <p:strVal val="solid"/>
+                                      </p:to>
+                                    </p:set>
+                                    <p:set>
+                                      <p:cBhvr>
+                                        <p:cTn id="68" dur="2000" fill="hold"/>
+                                        <p:tgtEl>
+                                          <p:spTgt spid="96"/>
+                                        </p:tgtEl>
+                                        <p:attrNameLst>
+                                          <p:attrName>fill.on</p:attrName>
+                                        </p:attrNameLst>
+                                      </p:cBhvr>
+                                      <p:to>
+                                        <p:strVal val="true"/>
+                                      </p:to>
+                                    </p:set>
+                                  </p:childTnLst>
+                                </p:cTn>
+                              </p:par>
+                              <p:par>
+                                <p:cTn id="69" presetID="7" presetClass="emph" presetSubtype="2" fill="hold" nodeType="withEffect">
+                                  <p:stCondLst>
+                                    <p:cond delay="0"/>
+                                  </p:stCondLst>
+                                  <p:childTnLst>
+                                    <p:animClr clrSpc="rgb" dir="cw">
+                                      <p:cBhvr>
+                                        <p:cTn id="70" dur="2000" fill="hold"/>
+                                        <p:tgtEl>
+                                          <p:spTgt spid="126"/>
+                                        </p:tgtEl>
+                                        <p:attrNameLst>
+                                          <p:attrName>stroke.color</p:attrName>
+                                        </p:attrNameLst>
+                                      </p:cBhvr>
+                                      <p:to>
+                                        <a:schemeClr val="accent2"/>
+                                      </p:to>
+                                    </p:animClr>
+                                    <p:set>
+                                      <p:cBhvr>
+                                        <p:cTn id="71" dur="2000" fill="hold"/>
+                                        <p:tgtEl>
+                                          <p:spTgt spid="126"/>
+                                        </p:tgtEl>
+                                        <p:attrNameLst>
+                                          <p:attrName>stroke.on</p:attrName>
+                                        </p:attrNameLst>
+                                      </p:cBhvr>
+                                      <p:to>
+                                        <p:strVal val="true"/>
+                                      </p:to>
+                                    </p:set>
+                                  </p:childTnLst>
+                                </p:cTn>
+                              </p:par>
+                              <p:par>
+                                <p:cTn id="72" presetID="7" presetClass="emph" presetSubtype="2" fill="hold" nodeType="withEffect">
+                                  <p:stCondLst>
+                                    <p:cond delay="0"/>
+                                  </p:stCondLst>
+                                  <p:childTnLst>
+                                    <p:animClr clrSpc="rgb" dir="cw">
+                                      <p:cBhvr>
+                                        <p:cTn id="73" dur="2000" fill="hold"/>
+                                        <p:tgtEl>
+                                          <p:spTgt spid="181"/>
+                                        </p:tgtEl>
+                                        <p:attrNameLst>
+                                          <p:attrName>stroke.color</p:attrName>
+                                        </p:attrNameLst>
+                                      </p:cBhvr>
+                                      <p:to>
+                                        <a:schemeClr val="bg2"/>
+                                      </p:to>
+                                    </p:animClr>
+                                    <p:set>
+                                      <p:cBhvr>
+                                        <p:cTn id="74" dur="2000" fill="hold"/>
+                                        <p:tgtEl>
+                                          <p:spTgt spid="181"/>
+                                        </p:tgtEl>
+                                        <p:attrNameLst>
+                                          <p:attrName>stroke.on</p:attrName>
+                                        </p:attrNameLst>
+                                      </p:cBhvr>
+                                      <p:to>
+                                        <p:strVal val="true"/>
+                                      </p:to>
+                                    </p:set>
+                                  </p:childTnLst>
+                                </p:cTn>
+                              </p:par>
+                              <p:par>
+                                <p:cTn id="75" presetID="1" presetClass="emph" presetSubtype="2" fill="hold" nodeType="withEffect">
+                                  <p:stCondLst>
+                                    <p:cond delay="0"/>
+                                  </p:stCondLst>
+                                  <p:childTnLst>
+                                    <p:animClr clrSpc="rgb" dir="cw">
+                                      <p:cBhvr>
+                                        <p:cTn id="76" dur="2000" fill="hold"/>
+                                        <p:tgtEl>
+                                          <p:spTgt spid="30"/>
+                                        </p:tgtEl>
+                                        <p:attrNameLst>
+                                          <p:attrName>fillcolor</p:attrName>
+                                        </p:attrNameLst>
+                                      </p:cBhvr>
+                                      <p:to>
+                                        <a:schemeClr val="accent2"/>
+                                      </p:to>
+                                    </p:animClr>
+                                    <p:set>
+                                      <p:cBhvr>
+                                        <p:cTn id="77" dur="2000" fill="hold"/>
+                                        <p:tgtEl>
+                                          <p:spTgt spid="30"/>
+                                        </p:tgtEl>
+                                        <p:attrNameLst>
+                                          <p:attrName>fill.type</p:attrName>
+                                        </p:attrNameLst>
+                                      </p:cBhvr>
+                                      <p:to>
+                                        <p:strVal val="solid"/>
+                                      </p:to>
+                                    </p:set>
+                                    <p:set>
+                                      <p:cBhvr>
+                                        <p:cTn id="78" dur="2000" fill="hold"/>
+                                        <p:tgtEl>
+                                          <p:spTgt spid="30"/>
+                                        </p:tgtEl>
+                                        <p:attrNameLst>
+                                          <p:attrName>fill.on</p:attrName>
+                                        </p:attrNameLst>
+                                      </p:cBhvr>
+                                      <p:to>
+                                        <p:strVal val="true"/>
+                                      </p:to>
+                                    </p:set>
+                                  </p:childTnLst>
+                                </p:cTn>
+                              </p:par>
+                              <p:par>
+                                <p:cTn id="79" presetID="1" presetClass="emph" presetSubtype="2" fill="hold" nodeType="withEffect">
+                                  <p:stCondLst>
+                                    <p:cond delay="0"/>
+                                  </p:stCondLst>
+                                  <p:childTnLst>
+                                    <p:animClr clrSpc="rgb" dir="cw">
+                                      <p:cBhvr>
+                                        <p:cTn id="80" dur="2000" fill="hold"/>
+                                        <p:tgtEl>
+                                          <p:spTgt spid="30"/>
+                                        </p:tgtEl>
+                                        <p:attrNameLst>
+                                          <p:attrName>fillcolor</p:attrName>
+                                        </p:attrNameLst>
+                                      </p:cBhvr>
+                                      <p:to>
+                                        <a:schemeClr val="bg2"/>
+                                      </p:to>
+                                    </p:animClr>
+                                    <p:set>
+                                      <p:cBhvr>
+                                        <p:cTn id="81" dur="2000" fill="hold"/>
+                                        <p:tgtEl>
+                                          <p:spTgt spid="30"/>
+                                        </p:tgtEl>
+                                        <p:attrNameLst>
+                                          <p:attrName>fill.type</p:attrName>
+                                        </p:attrNameLst>
+                                      </p:cBhvr>
+                                      <p:to>
+                                        <p:strVal val="solid"/>
+                                      </p:to>
+                                    </p:set>
+                                    <p:set>
+                                      <p:cBhvr>
+                                        <p:cTn id="82" dur="2000" fill="hold"/>
+                                        <p:tgtEl>
+                                          <p:spTgt spid="30"/>
+                                        </p:tgtEl>
+                                        <p:attrNameLst>
+                                          <p:attrName>fill.on</p:attrName>
+                                        </p:attrNameLst>
+                                      </p:cBhvr>
+                                      <p:to>
+                                        <p:strVal val="true"/>
+                                      </p:to>
+                                    </p:set>
+                                  </p:childTnLst>
+                                </p:cTn>
+                              </p:par>
+                              <p:par>
+                                <p:cTn id="83" presetID="1" presetClass="emph" presetSubtype="2" fill="hold" nodeType="withEffect">
+                                  <p:stCondLst>
+                                    <p:cond delay="0"/>
+                                  </p:stCondLst>
+                                  <p:childTnLst>
+                                    <p:animClr clrSpc="rgb" dir="cw">
+                                      <p:cBhvr>
+                                        <p:cTn id="84" dur="2000" fill="hold"/>
+                                        <p:tgtEl>
+                                          <p:spTgt spid="30"/>
+                                        </p:tgtEl>
+                                        <p:attrNameLst>
+                                          <p:attrName>fillcolor</p:attrName>
+                                        </p:attrNameLst>
+                                      </p:cBhvr>
+                                      <p:to>
+                                        <a:schemeClr val="accent2"/>
+                                      </p:to>
+                                    </p:animClr>
+                                    <p:set>
+                                      <p:cBhvr>
+                                        <p:cTn id="85" dur="2000" fill="hold"/>
+                                        <p:tgtEl>
+                                          <p:spTgt spid="30"/>
+                                        </p:tgtEl>
+                                        <p:attrNameLst>
+                                          <p:attrName>fill.type</p:attrName>
+                                        </p:attrNameLst>
+                                      </p:cBhvr>
+                                      <p:to>
+                                        <p:strVal val="solid"/>
+                                      </p:to>
+                                    </p:set>
+                                    <p:set>
+                                      <p:cBhvr>
+                                        <p:cTn id="86" dur="2000" fill="hold"/>
+                                        <p:tgtEl>
+                                          <p:spTgt spid="30"/>
+                                        </p:tgtEl>
+                                        <p:attrNameLst>
+                                          <p:attrName>fill.on</p:attrName>
+                                        </p:attrNameLst>
+                                      </p:cBhvr>
+                                      <p:to>
+                                        <p:strVal val="true"/>
+                                      </p:to>
+                                    </p:set>
+                                  </p:childTnLst>
+                                </p:cTn>
+                              </p:par>
+                              <p:par>
+                                <p:cTn id="87" presetID="7" presetClass="emph" presetSubtype="2" fill="hold" nodeType="withEffect">
+                                  <p:stCondLst>
+                                    <p:cond delay="0"/>
+                                  </p:stCondLst>
+                                  <p:childTnLst>
+                                    <p:animClr clrSpc="rgb" dir="cw">
+                                      <p:cBhvr>
+                                        <p:cTn id="88" dur="2000" fill="hold"/>
+                                        <p:tgtEl>
+                                          <p:spTgt spid="31"/>
+                                        </p:tgtEl>
+                                        <p:attrNameLst>
+                                          <p:attrName>stroke.color</p:attrName>
+                                        </p:attrNameLst>
+                                      </p:cBhvr>
+                                      <p:to>
+                                        <a:schemeClr val="accent2"/>
+                                      </p:to>
+                                    </p:animClr>
+                                    <p:set>
+                                      <p:cBhvr>
+                                        <p:cTn id="89" dur="2000" fill="hold"/>
+                                        <p:tgtEl>
+                                          <p:spTgt spid="31"/>
+                                        </p:tgtEl>
+                                        <p:attrNameLst>
+                                          <p:attrName>stroke.on</p:attrName>
+                                        </p:attrNameLst>
+                                      </p:cBhvr>
+                                      <p:to>
+                                        <p:strVal val="true"/>
+                                      </p:to>
+                                    </p:set>
+                                  </p:childTnLst>
+                                </p:cTn>
+                              </p:par>
+                              <p:par>
+                                <p:cTn id="90" presetID="7" presetClass="emph" presetSubtype="2" fill="hold" nodeType="withEffect">
+                                  <p:stCondLst>
+                                    <p:cond delay="0"/>
+                                  </p:stCondLst>
+                                  <p:childTnLst>
+                                    <p:animClr clrSpc="rgb" dir="cw">
+                                      <p:cBhvr>
+                                        <p:cTn id="91" dur="2000" fill="hold"/>
+                                        <p:tgtEl>
+                                          <p:spTgt spid="31"/>
+                                        </p:tgtEl>
+                                        <p:attrNameLst>
+                                          <p:attrName>stroke.color</p:attrName>
+                                        </p:attrNameLst>
+                                      </p:cBhvr>
+                                      <p:to>
+                                        <a:schemeClr val="bg2"/>
+                                      </p:to>
+                                    </p:animClr>
+                                    <p:set>
+                                      <p:cBhvr>
+                                        <p:cTn id="92" dur="2000" fill="hold"/>
+                                        <p:tgtEl>
+                                          <p:spTgt spid="31"/>
+                                        </p:tgtEl>
+                                        <p:attrNameLst>
+                                          <p:attrName>stroke.on</p:attrName>
+                                        </p:attrNameLst>
+                                      </p:cBhvr>
+                                      <p:to>
+                                        <p:strVal val="true"/>
+                                      </p:to>
+                                    </p:set>
+                                  </p:childTnLst>
+                                </p:cTn>
+                              </p:par>
+                              <p:par>
+                                <p:cTn id="93" presetID="1" presetClass="entr" presetSubtype="0" fill="hold" grpId="0" nodeType="withEffect">
+                                  <p:stCondLst>
+                                    <p:cond delay="0"/>
+                                  </p:stCondLst>
+                                  <p:childTnLst>
+                                    <p:set>
+                                      <p:cBhvr>
+                                        <p:cTn id="94" dur="1" fill="hold">
+                                          <p:stCondLst>
+                                            <p:cond delay="0"/>
+                                          </p:stCondLst>
+                                        </p:cTn>
+                                        <p:tgtEl>
+                                          <p:spTgt spid="39"/>
+                                        </p:tgtEl>
+                                        <p:attrNameLst>
+                                          <p:attrName>style.visibility</p:attrName>
+                                        </p:attrNameLst>
+                                      </p:cBhvr>
+                                      <p:to>
+                                        <p:strVal val="visible"/>
+                                      </p:to>
+                                    </p:set>
+                                  </p:childTnLst>
+                                </p:cTn>
+                              </p:par>
+                            </p:childTnLst>
+                          </p:cTn>
+                        </p:par>
+                      </p:childTnLst>
+                    </p:cTn>
+                  </p:par>
+                </p:childTnLst>
+              </p:cTn>
+              <p:prevCondLst>
+                <p:cond evt="onPrev" delay="0">
+                  <p:tgtEl>
+                    <p:sldTgt/>
+                  </p:tgtEl>
+                </p:cond>
+              </p:prevCondLst>
+              <p:nextCondLst>
+                <p:cond evt="onNext" delay="0">
+                  <p:tgtEl>
+                    <p:sldTgt/>
+                  </p:tgtEl>
+                </p:cond>
+              </p:nextCondLst>
+            </p:seq>
+          </p:childTnLst>
+        </p:cTn>
+      </p:par>
+    </p:tnLst>
+    <p:bldLst>
+      <p:bldP spid="39" grpId="0"/>
+    </p:bldLst>
+  </p:timing>
+</p:sld>
+</file>
+
+<file path=ppt/slides/slide3.xml><?xml version="1.0" encoding="utf-8"?>
+<p:sld xmlns:a="http://schemas.openxmlformats.org/drawingml/2006/main" xmlns:r="http://schemas.openxmlformats.org/officeDocument/2006/relationships" xmlns:mc="http://schemas.openxmlformats.org/markup-compatibility/2006" xmlns:mv="urn:schemas-microsoft-com:mac:vml" xmlns:p="http://schemas.openxmlformats.org/presentationml/2006/main" mc:Ignorable="mv" mc:PreserveAttributes="mv:*">
+  <p:cSld>
+    <p:spTree>
+      <p:nvGrpSpPr>
+        <p:cNvPr id="1" name=""/>
+        <p:cNvGrpSpPr/>
+        <p:nvPr/>
+      </p:nvGrpSpPr>
+      <p:grpSpPr>
+        <a:xfrm>
+          <a:off x="0" y="0"/>
+          <a:ext cx="0" cy="0"/>
+          <a:chOff x="0" y="0"/>
+          <a:chExt cx="0" cy="0"/>
+        </a:xfrm>
+      </p:grpSpPr>
+      <p:sp>
+        <p:nvSpPr>
+          <p:cNvPr id="5" name="Oval 4"/>
+          <p:cNvSpPr/>
+          <p:nvPr/>
+        </p:nvSpPr>
+        <p:spPr>
+          <a:xfrm>
+            <a:off x="419748" y="3125110"/>
+            <a:ext cx="2203584" cy="1143531"/>
+          </a:xfrm>
+          <a:prstGeom prst="ellipse">
+            <a:avLst/>
+          </a:prstGeom>
+          <a:ln/>
+        </p:spPr>
+        <p:style>
+          <a:lnRef idx="1">
+            <a:schemeClr val="accent1"/>
+          </a:lnRef>
+          <a:fillRef idx="2">
+            <a:schemeClr val="accent1"/>
+          </a:fillRef>
+          <a:effectRef idx="1">
+            <a:schemeClr val="accent1"/>
+          </a:effectRef>
+          <a:fontRef idx="minor">
+            <a:schemeClr val="dk1"/>
+          </a:fontRef>
+        </p:style>
+        <p:txBody>
+          <a:bodyPr rtlCol="0" anchor="ctr"/>
+          <a:lstStyle/>
+          <a:p>
+            <a:pPr algn="ctr"/>
+            <a:r>
+              <a:rPr lang="en-US" sz="1600" dirty="0" smtClean="0">
+                <a:solidFill>
+                  <a:srgbClr val="000000"/>
+                </a:solidFill>
+              </a:rPr>
+              <a:t>Neighborhood Disadvantage</a:t>
+            </a:r>
+            <a:endParaRPr lang="en-US" sz="1600" dirty="0">
+              <a:solidFill>
+                <a:srgbClr val="000000"/>
+              </a:solidFill>
+            </a:endParaRPr>
+          </a:p>
+        </p:txBody>
+      </p:sp>
+      <p:sp>
+        <p:nvSpPr>
+          <p:cNvPr id="36" name="Rectangle 35"/>
+          <p:cNvSpPr/>
+          <p:nvPr/>
+        </p:nvSpPr>
+        <p:spPr>
+          <a:xfrm>
+            <a:off x="6781800" y="3088689"/>
+            <a:ext cx="1814023" cy="1135803"/>
+          </a:xfrm>
+          <a:prstGeom prst="rect">
+            <a:avLst/>
+          </a:prstGeom>
+          <a:solidFill>
+            <a:srgbClr val="FFFFFF"/>
+          </a:solidFill>
+          <a:ln>
+            <a:solidFill>
+              <a:schemeClr val="tx1"/>
+            </a:solidFill>
+          </a:ln>
+        </p:spPr>
+        <p:style>
+          <a:lnRef idx="1">
+            <a:schemeClr val="accent1"/>
+          </a:lnRef>
+          <a:fillRef idx="2">
+            <a:schemeClr val="accent1"/>
+          </a:fillRef>
+          <a:effectRef idx="1">
+            <a:schemeClr val="accent1"/>
+          </a:effectRef>
+          <a:fontRef idx="minor">
+            <a:schemeClr val="dk1"/>
+          </a:fontRef>
+        </p:style>
+        <p:txBody>
+          <a:bodyPr rtlCol="0" anchor="ctr"/>
+          <a:lstStyle/>
+          <a:p>
+            <a:r>
+              <a:rPr lang="en-US" sz="1600" dirty="0" smtClean="0">
+                <a:solidFill>
+                  <a:srgbClr val="000000"/>
+                </a:solidFill>
+              </a:rPr>
+              <a:t>Emotional disorder</a:t>
+            </a:r>
+          </a:p>
+          <a:p>
+            <a:pPr marL="285750" indent="-285750">
+              <a:buFont typeface="Arial"/>
+              <a:buChar char="•"/>
+            </a:pPr>
+            <a:r>
+              <a:rPr lang="en-US" sz="1600" dirty="0" smtClean="0">
+                <a:solidFill>
+                  <a:srgbClr val="000000"/>
+                </a:solidFill>
+              </a:rPr>
+              <a:t>Anxiety</a:t>
+            </a:r>
+          </a:p>
+          <a:p>
+            <a:pPr marL="285750" indent="-285750">
+              <a:buFont typeface="Arial"/>
+              <a:buChar char="•"/>
+            </a:pPr>
+            <a:r>
+              <a:rPr lang="en-US" sz="1600" dirty="0" smtClean="0">
+                <a:solidFill>
+                  <a:srgbClr val="000000"/>
+                </a:solidFill>
+              </a:rPr>
+              <a:t>Depression</a:t>
+            </a:r>
+            <a:endParaRPr lang="en-US" sz="1600" dirty="0">
+              <a:solidFill>
+                <a:srgbClr val="000000"/>
+              </a:solidFill>
+            </a:endParaRPr>
+          </a:p>
+        </p:txBody>
+      </p:sp>
+      <p:cxnSp>
+        <p:nvCxnSpPr>
+          <p:cNvPr id="126" name="Straight Arrow Connector 125"/>
+          <p:cNvCxnSpPr>
+            <a:stCxn id="96" idx="3"/>
+            <a:endCxn id="36" idx="1"/>
+          </p:cNvCxnSpPr>
+          <p:nvPr/>
+        </p:nvCxnSpPr>
+        <p:spPr>
+          <a:xfrm flipV="1">
+            <a:off x="5598545" y="3656591"/>
+            <a:ext cx="1183255" cy="11948"/>
+          </a:xfrm>
+          <a:prstGeom prst="straightConnector1">
+            <a:avLst/>
+          </a:prstGeom>
+          <a:ln>
+            <a:solidFill>
+              <a:srgbClr val="000000"/>
+            </a:solidFill>
+            <a:tailEnd type="arrow"/>
+          </a:ln>
+        </p:spPr>
+        <p:style>
+          <a:lnRef idx="1">
+            <a:schemeClr val="accent1"/>
+          </a:lnRef>
+          <a:fillRef idx="0">
+            <a:schemeClr val="accent1"/>
+          </a:fillRef>
+          <a:effectRef idx="0">
+            <a:schemeClr val="accent1"/>
+          </a:effectRef>
+          <a:fontRef idx="minor">
+            <a:schemeClr val="tx1"/>
+          </a:fontRef>
+        </p:style>
+      </p:cxnSp>
+      <p:sp>
+        <p:nvSpPr>
+          <p:cNvPr id="162" name="Rectangle 161"/>
+          <p:cNvSpPr/>
+          <p:nvPr/>
+        </p:nvSpPr>
+        <p:spPr>
+          <a:xfrm>
+            <a:off x="193212" y="912069"/>
+            <a:ext cx="8402611" cy="608047"/>
+          </a:xfrm>
+          <a:prstGeom prst="rect">
+            <a:avLst/>
+          </a:prstGeom>
+          <a:noFill/>
+          <a:ln>
+            <a:noFill/>
+          </a:ln>
+        </p:spPr>
+        <p:style>
+          <a:lnRef idx="2">
+            <a:schemeClr val="accent2">
+              <a:shade val="50000"/>
+            </a:schemeClr>
+          </a:lnRef>
+          <a:fillRef idx="1">
+            <a:schemeClr val="accent2"/>
+          </a:fillRef>
+          <a:effectRef idx="0">
+            <a:schemeClr val="accent2"/>
+          </a:effectRef>
+          <a:fontRef idx="minor">
+            <a:schemeClr val="lt1"/>
+          </a:fontRef>
+        </p:style>
+        <p:txBody>
+          <a:bodyPr vert="horz" rtlCol="0" anchor="ctr"/>
+          <a:lstStyle/>
+          <a:p>
+            <a:pPr algn="ctr"/>
+            <a:r>
+              <a:rPr lang="en-US" dirty="0" smtClean="0">
+                <a:solidFill>
+                  <a:schemeClr val="tx1"/>
+                </a:solidFill>
+              </a:rPr>
+              <a:t>Exposure to stress in the environment     </a:t>
+            </a:r>
+            <a:r>
+              <a:rPr lang="en-US" dirty="0" smtClean="0">
+                <a:solidFill>
+                  <a:schemeClr val="tx1"/>
+                </a:solidFill>
+                <a:latin typeface="Wingdings"/>
+                <a:ea typeface="Wingdings"/>
+                <a:cs typeface="Wingdings"/>
+              </a:rPr>
+              <a:t></a:t>
+            </a:r>
+            <a:r>
+              <a:rPr lang="en-US" dirty="0" smtClean="0">
+                <a:solidFill>
+                  <a:schemeClr val="tx1"/>
+                </a:solidFill>
+              </a:rPr>
+              <a:t>        Biologic stress        </a:t>
+            </a:r>
+            <a:r>
+              <a:rPr lang="en-US" dirty="0" smtClean="0">
+                <a:solidFill>
+                  <a:schemeClr val="tx1"/>
+                </a:solidFill>
+                <a:latin typeface="Wingdings"/>
+                <a:ea typeface="Wingdings"/>
+                <a:cs typeface="Wingdings"/>
+              </a:rPr>
+              <a:t></a:t>
+            </a:r>
+            <a:r>
+              <a:rPr lang="en-US" dirty="0" smtClean="0">
+                <a:solidFill>
+                  <a:schemeClr val="tx1"/>
+                </a:solidFill>
+              </a:rPr>
+              <a:t>       Mental Illness</a:t>
+            </a:r>
+            <a:endParaRPr lang="en-US" dirty="0">
+              <a:solidFill>
+                <a:schemeClr val="tx1"/>
+              </a:solidFill>
+            </a:endParaRPr>
+          </a:p>
+        </p:txBody>
+      </p:sp>
+      <p:cxnSp>
+        <p:nvCxnSpPr>
+          <p:cNvPr id="69" name="Straight Arrow Connector 68"/>
+          <p:cNvCxnSpPr/>
+          <p:nvPr/>
+        </p:nvCxnSpPr>
+        <p:spPr>
+          <a:xfrm rot="16200000" flipH="1">
+            <a:off x="2857911" y="3171433"/>
+            <a:ext cx="1050884" cy="2"/>
+          </a:xfrm>
+          <a:prstGeom prst="straightConnector1">
+            <a:avLst/>
+          </a:prstGeom>
+          <a:ln>
+            <a:solidFill>
+              <a:srgbClr val="000000"/>
+            </a:solidFill>
+            <a:tailEnd type="arrow"/>
+          </a:ln>
+        </p:spPr>
+        <p:style>
+          <a:lnRef idx="1">
+            <a:schemeClr val="accent1"/>
+          </a:lnRef>
+          <a:fillRef idx="0">
+            <a:schemeClr val="accent1"/>
+          </a:fillRef>
+          <a:effectRef idx="0">
+            <a:schemeClr val="accent1"/>
+          </a:effectRef>
+          <a:fontRef idx="minor">
+            <a:schemeClr val="tx1"/>
+          </a:fontRef>
+        </p:style>
+      </p:cxnSp>
+      <p:cxnSp>
+        <p:nvCxnSpPr>
+          <p:cNvPr id="181" name="Straight Arrow Connector 180"/>
+          <p:cNvCxnSpPr>
+            <a:stCxn id="5" idx="6"/>
+            <a:endCxn id="96" idx="1"/>
+          </p:cNvCxnSpPr>
+          <p:nvPr/>
+        </p:nvCxnSpPr>
+        <p:spPr>
+          <a:xfrm flipV="1">
+            <a:off x="2623332" y="3668539"/>
+            <a:ext cx="1643868" cy="28337"/>
+          </a:xfrm>
+          <a:prstGeom prst="straightConnector1">
+            <a:avLst/>
+          </a:prstGeom>
+          <a:ln>
+            <a:solidFill>
+              <a:srgbClr val="000000"/>
+            </a:solidFill>
+            <a:tailEnd type="arrow"/>
+          </a:ln>
+        </p:spPr>
+        <p:style>
+          <a:lnRef idx="1">
+            <a:schemeClr val="accent1"/>
+          </a:lnRef>
+          <a:fillRef idx="0">
+            <a:schemeClr val="accent1"/>
+          </a:fillRef>
+          <a:effectRef idx="0">
+            <a:schemeClr val="accent1"/>
+          </a:effectRef>
+          <a:fontRef idx="minor">
+            <a:schemeClr val="tx1"/>
+          </a:fontRef>
+        </p:style>
+      </p:cxnSp>
+      <p:sp>
+        <p:nvSpPr>
+          <p:cNvPr id="96" name="Rectangle 95"/>
+          <p:cNvSpPr/>
+          <p:nvPr/>
+        </p:nvSpPr>
+        <p:spPr>
+          <a:xfrm>
+            <a:off x="4267200" y="3046102"/>
+            <a:ext cx="1331345" cy="1244873"/>
+          </a:xfrm>
+          <a:prstGeom prst="rect">
+            <a:avLst/>
+          </a:prstGeom>
+          <a:ln/>
+        </p:spPr>
+        <p:style>
+          <a:lnRef idx="1">
+            <a:schemeClr val="accent1"/>
+          </a:lnRef>
+          <a:fillRef idx="2">
+            <a:schemeClr val="accent1"/>
+          </a:fillRef>
+          <a:effectRef idx="1">
+            <a:schemeClr val="accent1"/>
+          </a:effectRef>
+          <a:fontRef idx="minor">
+            <a:schemeClr val="dk1"/>
+          </a:fontRef>
+        </p:style>
+        <p:txBody>
+          <a:bodyPr rtlCol="0" anchor="ctr"/>
+          <a:lstStyle/>
+          <a:p>
+            <a:pPr algn="ctr"/>
+            <a:r>
+              <a:rPr lang="en-US" sz="1600" dirty="0" smtClean="0">
+                <a:solidFill>
+                  <a:srgbClr val="000000"/>
+                </a:solidFill>
+              </a:rPr>
+              <a:t>Dysregulation of Stress Response System</a:t>
+            </a:r>
+          </a:p>
+        </p:txBody>
+      </p:sp>
+      <p:sp>
+        <p:nvSpPr>
+          <p:cNvPr id="35" name="TextBox 34"/>
+          <p:cNvSpPr txBox="1"/>
+          <p:nvPr/>
+        </p:nvSpPr>
+        <p:spPr>
+          <a:xfrm>
+            <a:off x="4573977" y="2645992"/>
+            <a:ext cx="1520045" cy="400110"/>
+          </a:xfrm>
+          <a:prstGeom prst="rect">
+            <a:avLst/>
+          </a:prstGeom>
+          <a:noFill/>
+        </p:spPr>
+        <p:txBody>
+          <a:bodyPr wrap="square" rtlCol="0">
+            <a:spAutoFit/>
+          </a:bodyPr>
+          <a:lstStyle/>
+          <a:p>
+            <a:r>
+              <a:rPr lang="en-US" sz="2000" b="1" dirty="0" smtClean="0"/>
+              <a:t>Aim 2</a:t>
+            </a:r>
+            <a:endParaRPr lang="en-US" b="1" dirty="0"/>
+          </a:p>
+        </p:txBody>
+      </p:sp>
+      <p:sp>
+        <p:nvSpPr>
+          <p:cNvPr id="52" name="Oval 51"/>
+          <p:cNvSpPr/>
+          <p:nvPr/>
+        </p:nvSpPr>
+        <p:spPr>
+          <a:xfrm>
+            <a:off x="2281559" y="1658051"/>
+            <a:ext cx="2203583" cy="987941"/>
+          </a:xfrm>
+          <a:prstGeom prst="ellipse">
+            <a:avLst/>
+          </a:prstGeom>
+          <a:noFill/>
+          <a:ln>
+            <a:solidFill>
+              <a:schemeClr val="tx1"/>
+            </a:solidFill>
+          </a:ln>
+        </p:spPr>
+        <p:style>
+          <a:lnRef idx="1">
+            <a:schemeClr val="accent1"/>
+          </a:lnRef>
+          <a:fillRef idx="2">
+            <a:schemeClr val="accent1"/>
+          </a:fillRef>
+          <a:effectRef idx="1">
+            <a:schemeClr val="accent1"/>
+          </a:effectRef>
+          <a:fontRef idx="minor">
+            <a:schemeClr val="dk1"/>
+          </a:fontRef>
+        </p:style>
+        <p:txBody>
+          <a:bodyPr rtlCol="0" anchor="ctr"/>
+          <a:lstStyle/>
+          <a:p>
+            <a:pPr algn="ctr"/>
+            <a:r>
+              <a:rPr lang="en-US" sz="1600" dirty="0" err="1" smtClean="0">
+                <a:solidFill>
+                  <a:srgbClr val="000000"/>
+                </a:solidFill>
+              </a:rPr>
+              <a:t>Urbanicity</a:t>
+            </a:r>
+            <a:endParaRPr lang="en-US" sz="1600" dirty="0">
+              <a:solidFill>
+                <a:srgbClr val="000000"/>
+              </a:solidFill>
+            </a:endParaRPr>
+          </a:p>
+        </p:txBody>
+      </p:sp>
+      <p:sp>
+        <p:nvSpPr>
+          <p:cNvPr id="30" name="Oval 29"/>
+          <p:cNvSpPr/>
+          <p:nvPr/>
+        </p:nvSpPr>
+        <p:spPr>
+          <a:xfrm>
+            <a:off x="2281555" y="4774571"/>
+            <a:ext cx="2203583" cy="987941"/>
+          </a:xfrm>
+          <a:prstGeom prst="ellipse">
+            <a:avLst/>
+          </a:prstGeom>
+          <a:solidFill>
+            <a:srgbClr val="FFFFFF"/>
+          </a:solidFill>
+          <a:ln>
+            <a:solidFill>
+              <a:schemeClr val="tx1"/>
+            </a:solidFill>
+          </a:ln>
+        </p:spPr>
+        <p:style>
+          <a:lnRef idx="1">
+            <a:schemeClr val="accent1"/>
+          </a:lnRef>
+          <a:fillRef idx="2">
+            <a:schemeClr val="accent1"/>
+          </a:fillRef>
+          <a:effectRef idx="1">
+            <a:schemeClr val="accent1"/>
+          </a:effectRef>
+          <a:fontRef idx="minor">
+            <a:schemeClr val="dk1"/>
+          </a:fontRef>
+        </p:style>
+        <p:txBody>
+          <a:bodyPr rtlCol="0" anchor="ctr"/>
+          <a:lstStyle/>
+          <a:p>
+            <a:pPr algn="ctr"/>
+            <a:r>
+              <a:rPr lang="en-US" sz="1600" dirty="0" smtClean="0">
+                <a:solidFill>
+                  <a:srgbClr val="000000"/>
+                </a:solidFill>
+              </a:rPr>
+              <a:t>Multiple effect modifiers not modeled</a:t>
+            </a:r>
+            <a:endParaRPr lang="en-US" sz="1600" dirty="0">
+              <a:solidFill>
+                <a:srgbClr val="000000"/>
+              </a:solidFill>
+            </a:endParaRPr>
+          </a:p>
+        </p:txBody>
+      </p:sp>
+      <p:cxnSp>
+        <p:nvCxnSpPr>
+          <p:cNvPr id="31" name="Straight Arrow Connector 30"/>
+          <p:cNvCxnSpPr/>
+          <p:nvPr/>
+        </p:nvCxnSpPr>
+        <p:spPr>
+          <a:xfrm rot="5400000" flipH="1" flipV="1">
+            <a:off x="2833269" y="4224490"/>
+            <a:ext cx="1100159" cy="2"/>
+          </a:xfrm>
+          <a:prstGeom prst="straightConnector1">
+            <a:avLst/>
+          </a:prstGeom>
+          <a:ln>
+            <a:solidFill>
+              <a:srgbClr val="000000"/>
+            </a:solidFill>
+            <a:tailEnd type="arrow"/>
+          </a:ln>
+        </p:spPr>
+        <p:style>
+          <a:lnRef idx="1">
+            <a:schemeClr val="accent1"/>
+          </a:lnRef>
+          <a:fillRef idx="0">
+            <a:schemeClr val="accent1"/>
+          </a:fillRef>
+          <a:effectRef idx="0">
+            <a:schemeClr val="accent1"/>
+          </a:effectRef>
+          <a:fontRef idx="minor">
+            <a:schemeClr val="tx1"/>
+          </a:fontRef>
+        </p:style>
+      </p:cxnSp>
+      <p:sp>
+        <p:nvSpPr>
+          <p:cNvPr id="39" name="TextBox 38"/>
+          <p:cNvSpPr txBox="1"/>
+          <p:nvPr/>
+        </p:nvSpPr>
+        <p:spPr>
+          <a:xfrm>
+            <a:off x="1521536" y="2645991"/>
+            <a:ext cx="1520045" cy="400110"/>
+          </a:xfrm>
+          <a:prstGeom prst="rect">
+            <a:avLst/>
+          </a:prstGeom>
+          <a:noFill/>
+        </p:spPr>
+        <p:txBody>
+          <a:bodyPr wrap="square" rtlCol="0">
+            <a:spAutoFit/>
+          </a:bodyPr>
+          <a:lstStyle/>
+          <a:p>
+            <a:r>
+              <a:rPr lang="en-US" sz="2000" b="1" dirty="0" smtClean="0">
+                <a:solidFill>
+                  <a:schemeClr val="bg1">
+                    <a:lumMod val="75000"/>
+                  </a:schemeClr>
+                </a:solidFill>
+              </a:rPr>
+              <a:t>Aim 1</a:t>
+            </a:r>
+            <a:endParaRPr lang="en-US" b="1" dirty="0">
+              <a:solidFill>
+                <a:schemeClr val="bg1">
+                  <a:lumMod val="75000"/>
+                </a:schemeClr>
+              </a:solidFill>
+            </a:endParaRPr>
+          </a:p>
+        </p:txBody>
+      </p:sp>
+    </p:spTree>
+    <p:extLst>
+      <p:ext uri="{BB962C8B-B14F-4D97-AF65-F5344CB8AC3E}">
+        <p14:creationId xmlns="" xmlns:a="http://schemas.openxmlformats.org/drawingml/2006/main" xmlns:r="http://schemas.openxmlformats.org/officeDocument/2006/relationships" xmlns:p="http://schemas.openxmlformats.org/presentationml/2006/main" xmlns:p14="http://schemas.microsoft.com/office/powerpoint/2010/main" xmlns:mv="urn:schemas-microsoft-com:mac:vml" xmlns:mc="http://schemas.openxmlformats.org/markup-compatibility/2006" val="3132503273"/>
+      </p:ext>
+    </p:extLst>
+  </p:cSld>
+  <p:clrMapOvr>
+    <a:masterClrMapping/>
+  </p:clrMapOvr>
+  <p:timing>
+    <p:tnLst>
+      <p:par>
+        <p:cTn id="1" dur="indefinite" restart="never" nodeType="tmRoot">
+          <p:childTnLst>
+            <p:seq concurrent="1" nextAc="seek">
+              <p:cTn id="2" dur="indefinite" nodeType="mainSeq">
+                <p:childTnLst>
+                  <p:par>
+                    <p:cTn id="3" fill="hold">
+                      <p:stCondLst>
+                        <p:cond delay="indefinite"/>
+                      </p:stCondLst>
+                      <p:childTnLst>
+                        <p:par>
+                          <p:cTn id="4" fill="hold">
+                            <p:stCondLst>
+                              <p:cond delay="0"/>
+                            </p:stCondLst>
+                            <p:childTnLst>
+                              <p:par>
+                                <p:cTn id="5" presetID="1" presetClass="emph" presetSubtype="2" fill="hold" nodeType="clickEffect">
+                                  <p:stCondLst>
+                                    <p:cond delay="0"/>
+                                  </p:stCondLst>
+                                  <p:childTnLst>
+                                    <p:animClr clrSpc="rgb" dir="cw">
+                                      <p:cBhvr>
+                                        <p:cTn id="6" dur="2000" fill="hold"/>
+                                        <p:tgtEl>
+                                          <p:spTgt spid="5"/>
+                                        </p:tgtEl>
+                                        <p:attrNameLst>
+                                          <p:attrName>fillcolor</p:attrName>
+                                        </p:attrNameLst>
+                                      </p:cBhvr>
+                                      <p:to>
+                                        <a:schemeClr val="accent2"/>
+                                      </p:to>
+                                    </p:animClr>
+                                    <p:set>
+                                      <p:cBhvr>
+                                        <p:cTn id="7" dur="2000" fill="hold"/>
+                                        <p:tgtEl>
+                                          <p:spTgt spid="5"/>
+                                        </p:tgtEl>
+                                        <p:attrNameLst>
+                                          <p:attrName>fill.type</p:attrName>
+                                        </p:attrNameLst>
+                                      </p:cBhvr>
+                                      <p:to>
+                                        <p:strVal val="solid"/>
+                                      </p:to>
+                                    </p:set>
+                                    <p:set>
+                                      <p:cBhvr>
+                                        <p:cTn id="8" dur="2000" fill="hold"/>
+                                        <p:tgtEl>
+                                          <p:spTgt spid="5"/>
+                                        </p:tgtEl>
+                                        <p:attrNameLst>
+                                          <p:attrName>fill.on</p:attrName>
+                                        </p:attrNameLst>
+                                      </p:cBhvr>
+                                      <p:to>
+                                        <p:strVal val="true"/>
+                                      </p:to>
+                                    </p:set>
+                                  </p:childTnLst>
+                                </p:cTn>
+                              </p:par>
+                              <p:par>
+                                <p:cTn id="9" presetID="1" presetClass="emph" presetSubtype="2" fill="hold" nodeType="withEffect">
+                                  <p:stCondLst>
+                                    <p:cond delay="0"/>
+                                  </p:stCondLst>
+                                  <p:childTnLst>
+                                    <p:animClr clrSpc="rgb" dir="cw">
+                                      <p:cBhvr>
+                                        <p:cTn id="10" dur="2000" fill="hold"/>
+                                        <p:tgtEl>
+                                          <p:spTgt spid="52"/>
+                                        </p:tgtEl>
+                                        <p:attrNameLst>
+                                          <p:attrName>fillcolor</p:attrName>
+                                        </p:attrNameLst>
+                                      </p:cBhvr>
+                                      <p:to>
+                                        <a:schemeClr val="accent2"/>
+                                      </p:to>
+                                    </p:animClr>
+                                    <p:set>
+                                      <p:cBhvr>
+                                        <p:cTn id="11" dur="2000" fill="hold"/>
+                                        <p:tgtEl>
+                                          <p:spTgt spid="52"/>
+                                        </p:tgtEl>
+                                        <p:attrNameLst>
+                                          <p:attrName>fill.type</p:attrName>
+                                        </p:attrNameLst>
+                                      </p:cBhvr>
+                                      <p:to>
+                                        <p:strVal val="solid"/>
+                                      </p:to>
+                                    </p:set>
+                                    <p:set>
+                                      <p:cBhvr>
+                                        <p:cTn id="12" dur="2000" fill="hold"/>
+                                        <p:tgtEl>
+                                          <p:spTgt spid="52"/>
+                                        </p:tgtEl>
+                                        <p:attrNameLst>
+                                          <p:attrName>fill.on</p:attrName>
+                                        </p:attrNameLst>
+                                      </p:cBhvr>
+                                      <p:to>
+                                        <p:strVal val="true"/>
+                                      </p:to>
+                                    </p:set>
+                                  </p:childTnLst>
+                                </p:cTn>
+                              </p:par>
+                              <p:par>
+                                <p:cTn id="13" presetID="1" presetClass="emph" presetSubtype="2" fill="hold" nodeType="withEffect">
+                                  <p:stCondLst>
+                                    <p:cond delay="0"/>
+                                  </p:stCondLst>
+                                  <p:childTnLst>
+                                    <p:animClr clrSpc="rgb" dir="cw">
+                                      <p:cBhvr>
+                                        <p:cTn id="14" dur="2000" fill="hold"/>
+                                        <p:tgtEl>
+                                          <p:spTgt spid="36"/>
+                                        </p:tgtEl>
+                                        <p:attrNameLst>
+                                          <p:attrName>fillcolor</p:attrName>
+                                        </p:attrNameLst>
+                                      </p:cBhvr>
+                                      <p:to>
+                                        <a:schemeClr val="accent2"/>
+                                      </p:to>
+                                    </p:animClr>
+                                    <p:set>
+                                      <p:cBhvr>
+                                        <p:cTn id="15" dur="2000" fill="hold"/>
+                                        <p:tgtEl>
+                                          <p:spTgt spid="36"/>
+                                        </p:tgtEl>
+                                        <p:attrNameLst>
+                                          <p:attrName>fill.type</p:attrName>
+                                        </p:attrNameLst>
+                                      </p:cBhvr>
+                                      <p:to>
+                                        <p:strVal val="solid"/>
+                                      </p:to>
+                                    </p:set>
+                                    <p:set>
+                                      <p:cBhvr>
+                                        <p:cTn id="16" dur="2000" fill="hold"/>
+                                        <p:tgtEl>
+                                          <p:spTgt spid="36"/>
+                                        </p:tgtEl>
+                                        <p:attrNameLst>
+                                          <p:attrName>fill.on</p:attrName>
+                                        </p:attrNameLst>
+                                      </p:cBhvr>
+                                      <p:to>
+                                        <p:strVal val="true"/>
+                                      </p:to>
+                                    </p:set>
+                                  </p:childTnLst>
+                                </p:cTn>
+                              </p:par>
+                              <p:par>
+                                <p:cTn id="17" presetID="7" presetClass="emph" presetSubtype="2" fill="hold" nodeType="withEffect">
+                                  <p:stCondLst>
+                                    <p:cond delay="0"/>
+                                  </p:stCondLst>
+                                  <p:childTnLst>
+                                    <p:animClr clrSpc="rgb" dir="cw">
+                                      <p:cBhvr>
+                                        <p:cTn id="18" dur="2000" fill="hold"/>
+                                        <p:tgtEl>
+                                          <p:spTgt spid="69"/>
+                                        </p:tgtEl>
+                                        <p:attrNameLst>
+                                          <p:attrName>stroke.color</p:attrName>
+                                        </p:attrNameLst>
+                                      </p:cBhvr>
+                                      <p:to>
+                                        <a:schemeClr val="accent2"/>
+                                      </p:to>
+                                    </p:animClr>
+                                    <p:set>
+                                      <p:cBhvr>
+                                        <p:cTn id="19" dur="2000" fill="hold"/>
+                                        <p:tgtEl>
+                                          <p:spTgt spid="69"/>
+                                        </p:tgtEl>
+                                        <p:attrNameLst>
+                                          <p:attrName>stroke.on</p:attrName>
+                                        </p:attrNameLst>
+                                      </p:cBhvr>
+                                      <p:to>
+                                        <p:strVal val="true"/>
+                                      </p:to>
+                                    </p:set>
+                                  </p:childTnLst>
+                                </p:cTn>
+                              </p:par>
+                              <p:par>
+                                <p:cTn id="20" presetID="7" presetClass="emph" presetSubtype="2" fill="hold" nodeType="withEffect">
+                                  <p:stCondLst>
+                                    <p:cond delay="0"/>
+                                  </p:stCondLst>
+                                  <p:childTnLst>
+                                    <p:animClr clrSpc="rgb" dir="cw">
+                                      <p:cBhvr>
+                                        <p:cTn id="21" dur="2000" fill="hold"/>
+                                        <p:tgtEl>
+                                          <p:spTgt spid="181"/>
+                                        </p:tgtEl>
+                                        <p:attrNameLst>
+                                          <p:attrName>stroke.color</p:attrName>
+                                        </p:attrNameLst>
+                                      </p:cBhvr>
+                                      <p:to>
+                                        <a:schemeClr val="accent2"/>
+                                      </p:to>
+                                    </p:animClr>
+                                    <p:set>
+                                      <p:cBhvr>
+                                        <p:cTn id="22" dur="2000" fill="hold"/>
+                                        <p:tgtEl>
+                                          <p:spTgt spid="181"/>
+                                        </p:tgtEl>
+                                        <p:attrNameLst>
+                                          <p:attrName>stroke.on</p:attrName>
+                                        </p:attrNameLst>
+                                      </p:cBhvr>
+                                      <p:to>
+                                        <p:strVal val="true"/>
+                                      </p:to>
+                                    </p:set>
+                                  </p:childTnLst>
+                                </p:cTn>
+                              </p:par>
+                              <p:par>
+                                <p:cTn id="23" presetID="7" presetClass="emph" presetSubtype="2" fill="hold" nodeType="withEffect">
+                                  <p:stCondLst>
+                                    <p:cond delay="0"/>
+                                  </p:stCondLst>
+                                  <p:childTnLst>
+                                    <p:animClr clrSpc="rgb" dir="cw">
+                                      <p:cBhvr>
+                                        <p:cTn id="24" dur="2000" fill="hold"/>
+                                        <p:tgtEl>
+                                          <p:spTgt spid="126"/>
+                                        </p:tgtEl>
+                                        <p:attrNameLst>
+                                          <p:attrName>stroke.color</p:attrName>
+                                        </p:attrNameLst>
+                                      </p:cBhvr>
+                                      <p:to>
+                                        <a:schemeClr val="accent2"/>
+                                      </p:to>
+                                    </p:animClr>
+                                    <p:set>
+                                      <p:cBhvr>
+                                        <p:cTn id="25" dur="2000" fill="hold"/>
+                                        <p:tgtEl>
+                                          <p:spTgt spid="126"/>
+                                        </p:tgtEl>
+                                        <p:attrNameLst>
+                                          <p:attrName>stroke.on</p:attrName>
+                                        </p:attrNameLst>
+                                      </p:cBhvr>
+                                      <p:to>
+                                        <p:strVal val="true"/>
+                                      </p:to>
+                                    </p:set>
+                                  </p:childTnLst>
+                                </p:cTn>
+                              </p:par>
+                            </p:childTnLst>
+                          </p:cTn>
+                        </p:par>
+                      </p:childTnLst>
+                    </p:cTn>
+                  </p:par>
+                  <p:par>
+                    <p:cTn id="26" fill="hold">
+                      <p:stCondLst>
+                        <p:cond delay="indefinite"/>
+                      </p:stCondLst>
+                      <p:childTnLst>
+                        <p:par>
+                          <p:cTn id="27" fill="hold">
+                            <p:stCondLst>
+                              <p:cond delay="0"/>
+                            </p:stCondLst>
+                            <p:childTnLst>
+                              <p:par>
+                                <p:cTn id="28" presetID="1" presetClass="emph" presetSubtype="2" fill="hold" nodeType="clickEffect">
+                                  <p:stCondLst>
+                                    <p:cond delay="0"/>
+                                  </p:stCondLst>
+                                  <p:childTnLst>
+                                    <p:animClr clrSpc="rgb" dir="cw">
+                                      <p:cBhvr>
+                                        <p:cTn id="29" dur="2000" fill="hold"/>
+                                        <p:tgtEl>
+                                          <p:spTgt spid="96"/>
+                                        </p:tgtEl>
+                                        <p:attrNameLst>
+                                          <p:attrName>fillcolor</p:attrName>
+                                        </p:attrNameLst>
+                                      </p:cBhvr>
+                                      <p:to>
+                                        <a:schemeClr val="accent2"/>
+                                      </p:to>
+                                    </p:animClr>
+                                    <p:set>
+                                      <p:cBhvr>
+                                        <p:cTn id="30" dur="2000" fill="hold"/>
+                                        <p:tgtEl>
+                                          <p:spTgt spid="96"/>
+                                        </p:tgtEl>
+                                        <p:attrNameLst>
+                                          <p:attrName>fill.type</p:attrName>
+                                        </p:attrNameLst>
+                                      </p:cBhvr>
+                                      <p:to>
+                                        <p:strVal val="solid"/>
+                                      </p:to>
+                                    </p:set>
+                                    <p:set>
+                                      <p:cBhvr>
+                                        <p:cTn id="31" dur="2000" fill="hold"/>
+                                        <p:tgtEl>
+                                          <p:spTgt spid="96"/>
+                                        </p:tgtEl>
+                                        <p:attrNameLst>
+                                          <p:attrName>fill.on</p:attrName>
+                                        </p:attrNameLst>
+                                      </p:cBhvr>
+                                      <p:to>
+                                        <p:strVal val="true"/>
+                                      </p:to>
+                                    </p:set>
+                                  </p:childTnLst>
+                                </p:cTn>
+                              </p:par>
+                              <p:par>
+                                <p:cTn id="32" presetID="1" presetClass="emph" presetSubtype="2" fill="hold" nodeType="withEffect">
+                                  <p:stCondLst>
+                                    <p:cond delay="0"/>
+                                  </p:stCondLst>
+                                  <p:childTnLst>
+                                    <p:animClr clrSpc="rgb" dir="cw">
+                                      <p:cBhvr>
+                                        <p:cTn id="33" dur="2000" fill="hold"/>
+                                        <p:tgtEl>
+                                          <p:spTgt spid="5"/>
+                                        </p:tgtEl>
+                                        <p:attrNameLst>
+                                          <p:attrName>fillcolor</p:attrName>
+                                        </p:attrNameLst>
+                                      </p:cBhvr>
+                                      <p:to>
+                                        <a:schemeClr val="accent2"/>
+                                      </p:to>
+                                    </p:animClr>
+                                    <p:set>
+                                      <p:cBhvr>
+                                        <p:cTn id="34" dur="2000" fill="hold"/>
+                                        <p:tgtEl>
+                                          <p:spTgt spid="5"/>
+                                        </p:tgtEl>
+                                        <p:attrNameLst>
+                                          <p:attrName>fill.type</p:attrName>
+                                        </p:attrNameLst>
+                                      </p:cBhvr>
+                                      <p:to>
+                                        <p:strVal val="solid"/>
+                                      </p:to>
+                                    </p:set>
+                                    <p:set>
+                                      <p:cBhvr>
+                                        <p:cTn id="35" dur="2000" fill="hold"/>
+                                        <p:tgtEl>
+                                          <p:spTgt spid="5"/>
+                                        </p:tgtEl>
+                                        <p:attrNameLst>
+                                          <p:attrName>fill.on</p:attrName>
+                                        </p:attrNameLst>
+                                      </p:cBhvr>
+                                      <p:to>
+                                        <p:strVal val="true"/>
+                                      </p:to>
+                                    </p:set>
+                                  </p:childTnLst>
+                                </p:cTn>
+                              </p:par>
+                              <p:par>
+                                <p:cTn id="36" presetID="1" presetClass="entr" presetSubtype="0" fill="hold" grpId="0" nodeType="withEffect">
+                                  <p:stCondLst>
+                                    <p:cond delay="0"/>
+                                  </p:stCondLst>
+                                  <p:childTnLst>
+                                    <p:set>
+                                      <p:cBhvr>
+                                        <p:cTn id="37" dur="1" fill="hold">
+                                          <p:stCondLst>
+                                            <p:cond delay="0"/>
+                                          </p:stCondLst>
+                                        </p:cTn>
+                                        <p:tgtEl>
+                                          <p:spTgt spid="35"/>
+                                        </p:tgtEl>
+                                        <p:attrNameLst>
+                                          <p:attrName>style.visibility</p:attrName>
+                                        </p:attrNameLst>
+                                      </p:cBhvr>
+                                      <p:to>
+                                        <p:strVal val="visible"/>
+                                      </p:to>
+                                    </p:set>
+                                  </p:childTnLst>
+                                </p:cTn>
+                              </p:par>
+                              <p:par>
+                                <p:cTn id="38" presetID="7" presetClass="emph" presetSubtype="2" fill="hold" nodeType="withEffect">
+                                  <p:stCondLst>
+                                    <p:cond delay="0"/>
+                                  </p:stCondLst>
+                                  <p:childTnLst>
+                                    <p:animClr clrSpc="rgb" dir="cw">
+                                      <p:cBhvr>
+                                        <p:cTn id="39" dur="2000" fill="hold"/>
+                                        <p:tgtEl>
+                                          <p:spTgt spid="181"/>
+                                        </p:tgtEl>
+                                        <p:attrNameLst>
+                                          <p:attrName>stroke.color</p:attrName>
+                                        </p:attrNameLst>
+                                      </p:cBhvr>
+                                      <p:to>
+                                        <a:schemeClr val="accent2"/>
+                                      </p:to>
+                                    </p:animClr>
+                                    <p:set>
+                                      <p:cBhvr>
+                                        <p:cTn id="40" dur="2000" fill="hold"/>
+                                        <p:tgtEl>
+                                          <p:spTgt spid="181"/>
+                                        </p:tgtEl>
+                                        <p:attrNameLst>
+                                          <p:attrName>stroke.on</p:attrName>
+                                        </p:attrNameLst>
+                                      </p:cBhvr>
+                                      <p:to>
+                                        <p:strVal val="true"/>
+                                      </p:to>
+                                    </p:set>
+                                  </p:childTnLst>
+                                </p:cTn>
+                              </p:par>
+                              <p:par>
+                                <p:cTn id="41" presetID="1" presetClass="emph" presetSubtype="2" fill="hold" nodeType="withEffect">
+                                  <p:stCondLst>
+                                    <p:cond delay="0"/>
+                                  </p:stCondLst>
+                                  <p:childTnLst>
+                                    <p:animClr clrSpc="rgb" dir="cw">
+                                      <p:cBhvr>
+                                        <p:cTn id="42" dur="2000" fill="hold"/>
+                                        <p:tgtEl>
+                                          <p:spTgt spid="36"/>
+                                        </p:tgtEl>
+                                        <p:attrNameLst>
+                                          <p:attrName>fillcolor</p:attrName>
+                                        </p:attrNameLst>
+                                      </p:cBhvr>
+                                      <p:to>
+                                        <a:schemeClr val="bg2"/>
+                                      </p:to>
+                                    </p:animClr>
+                                    <p:set>
+                                      <p:cBhvr>
+                                        <p:cTn id="43" dur="2000" fill="hold"/>
+                                        <p:tgtEl>
+                                          <p:spTgt spid="36"/>
+                                        </p:tgtEl>
+                                        <p:attrNameLst>
+                                          <p:attrName>fill.type</p:attrName>
+                                        </p:attrNameLst>
+                                      </p:cBhvr>
+                                      <p:to>
+                                        <p:strVal val="solid"/>
+                                      </p:to>
+                                    </p:set>
+                                    <p:set>
+                                      <p:cBhvr>
+                                        <p:cTn id="44" dur="2000" fill="hold"/>
+                                        <p:tgtEl>
+                                          <p:spTgt spid="36"/>
+                                        </p:tgtEl>
+                                        <p:attrNameLst>
+                                          <p:attrName>fill.on</p:attrName>
+                                        </p:attrNameLst>
+                                      </p:cBhvr>
+                                      <p:to>
+                                        <p:strVal val="true"/>
+                                      </p:to>
+                                    </p:set>
+                                  </p:childTnLst>
+                                </p:cTn>
+                              </p:par>
+                              <p:par>
+                                <p:cTn id="45" presetID="7" presetClass="emph" presetSubtype="2" fill="hold" nodeType="withEffect">
+                                  <p:stCondLst>
+                                    <p:cond delay="0"/>
+                                  </p:stCondLst>
+                                  <p:childTnLst>
+                                    <p:animClr clrSpc="rgb" dir="cw">
+                                      <p:cBhvr>
+                                        <p:cTn id="46" dur="2000" fill="hold"/>
+                                        <p:tgtEl>
+                                          <p:spTgt spid="69"/>
+                                        </p:tgtEl>
+                                        <p:attrNameLst>
+                                          <p:attrName>stroke.color</p:attrName>
+                                        </p:attrNameLst>
+                                      </p:cBhvr>
+                                      <p:to>
+                                        <a:schemeClr val="bg2"/>
+                                      </p:to>
+                                    </p:animClr>
+                                    <p:set>
+                                      <p:cBhvr>
+                                        <p:cTn id="47" dur="2000" fill="hold"/>
+                                        <p:tgtEl>
+                                          <p:spTgt spid="69"/>
+                                        </p:tgtEl>
+                                        <p:attrNameLst>
+                                          <p:attrName>stroke.on</p:attrName>
+                                        </p:attrNameLst>
+                                      </p:cBhvr>
+                                      <p:to>
+                                        <p:strVal val="true"/>
+                                      </p:to>
+                                    </p:set>
+                                  </p:childTnLst>
+                                </p:cTn>
+                              </p:par>
+                              <p:par>
+                                <p:cTn id="48" presetID="7" presetClass="emph" presetSubtype="2" fill="hold" nodeType="withEffect">
+                                  <p:stCondLst>
+                                    <p:cond delay="0"/>
+                                  </p:stCondLst>
+                                  <p:childTnLst>
+                                    <p:animClr clrSpc="rgb" dir="cw">
+                                      <p:cBhvr>
+                                        <p:cTn id="49" dur="2000" fill="hold"/>
+                                        <p:tgtEl>
+                                          <p:spTgt spid="126"/>
+                                        </p:tgtEl>
+                                        <p:attrNameLst>
+                                          <p:attrName>stroke.color</p:attrName>
+                                        </p:attrNameLst>
+                                      </p:cBhvr>
+                                      <p:to>
+                                        <a:schemeClr val="bg2"/>
+                                      </p:to>
+                                    </p:animClr>
+                                    <p:set>
+                                      <p:cBhvr>
+                                        <p:cTn id="50" dur="2000" fill="hold"/>
+                                        <p:tgtEl>
+                                          <p:spTgt spid="126"/>
+                                        </p:tgtEl>
+                                        <p:attrNameLst>
+                                          <p:attrName>stroke.on</p:attrName>
+                                        </p:attrNameLst>
+                                      </p:cBhvr>
+                                      <p:to>
+                                        <p:strVal val="true"/>
+                                      </p:to>
+                                    </p:set>
+                                  </p:childTnLst>
+                                </p:cTn>
+                              </p:par>
+                              <p:par>
+                                <p:cTn id="51" presetID="1" presetClass="emph" presetSubtype="2" fill="hold" nodeType="withEffect">
+                                  <p:stCondLst>
+                                    <p:cond delay="0"/>
+                                  </p:stCondLst>
+                                  <p:childTnLst>
+                                    <p:animClr clrSpc="rgb" dir="cw">
+                                      <p:cBhvr>
+                                        <p:cTn id="52" dur="2000" fill="hold"/>
+                                        <p:tgtEl>
+                                          <p:spTgt spid="52"/>
+                                        </p:tgtEl>
+                                        <p:attrNameLst>
+                                          <p:attrName>fillcolor</p:attrName>
+                                        </p:attrNameLst>
+                                      </p:cBhvr>
+                                      <p:to>
+                                        <a:schemeClr val="bg2"/>
+                                      </p:to>
+                                    </p:animClr>
+                                    <p:set>
+                                      <p:cBhvr>
+                                        <p:cTn id="53" dur="2000" fill="hold"/>
+                                        <p:tgtEl>
+                                          <p:spTgt spid="52"/>
+                                        </p:tgtEl>
+                                        <p:attrNameLst>
+                                          <p:attrName>fill.type</p:attrName>
+                                        </p:attrNameLst>
+                                      </p:cBhvr>
+                                      <p:to>
+                                        <p:strVal val="solid"/>
+                                      </p:to>
+                                    </p:set>
+                                    <p:set>
+                                      <p:cBhvr>
+                                        <p:cTn id="54" dur="2000" fill="hold"/>
+                                        <p:tgtEl>
+                                          <p:spTgt spid="52"/>
+                                        </p:tgtEl>
+                                        <p:attrNameLst>
+                                          <p:attrName>fill.on</p:attrName>
+                                        </p:attrNameLst>
+                                      </p:cBhvr>
+                                      <p:to>
+                                        <p:strVal val="true"/>
+                                      </p:to>
+                                    </p:set>
+                                  </p:childTnLst>
+                                </p:cTn>
+                              </p:par>
+                              <p:par>
+                                <p:cTn id="55" presetID="1" presetClass="emph" presetSubtype="2" fill="hold" nodeType="withEffect">
+                                  <p:stCondLst>
+                                    <p:cond delay="0"/>
+                                  </p:stCondLst>
+                                  <p:childTnLst>
+                                    <p:animClr clrSpc="rgb" dir="cw">
+                                      <p:cBhvr>
+                                        <p:cTn id="56" dur="2000" fill="hold"/>
+                                        <p:tgtEl>
+                                          <p:spTgt spid="36"/>
+                                        </p:tgtEl>
+                                        <p:attrNameLst>
+                                          <p:attrName>fillcolor</p:attrName>
+                                        </p:attrNameLst>
+                                      </p:cBhvr>
+                                      <p:to>
+                                        <a:schemeClr val="accent2"/>
+                                      </p:to>
+                                    </p:animClr>
+                                    <p:set>
+                                      <p:cBhvr>
+                                        <p:cTn id="57" dur="2000" fill="hold"/>
+                                        <p:tgtEl>
+                                          <p:spTgt spid="36"/>
+                                        </p:tgtEl>
+                                        <p:attrNameLst>
+                                          <p:attrName>fill.type</p:attrName>
+                                        </p:attrNameLst>
+                                      </p:cBhvr>
+                                      <p:to>
+                                        <p:strVal val="solid"/>
+                                      </p:to>
+                                    </p:set>
+                                    <p:set>
+                                      <p:cBhvr>
+                                        <p:cTn id="58" dur="2000" fill="hold"/>
+                                        <p:tgtEl>
+                                          <p:spTgt spid="36"/>
+                                        </p:tgtEl>
+                                        <p:attrNameLst>
+                                          <p:attrName>fill.on</p:attrName>
+                                        </p:attrNameLst>
+                                      </p:cBhvr>
+                                      <p:to>
+                                        <p:strVal val="true"/>
+                                      </p:to>
+                                    </p:set>
+                                  </p:childTnLst>
+                                </p:cTn>
+                              </p:par>
+                              <p:par>
+                                <p:cTn id="59" presetID="1" presetClass="emph" presetSubtype="2" fill="hold" nodeType="withEffect">
+                                  <p:stCondLst>
+                                    <p:cond delay="0"/>
+                                  </p:stCondLst>
+                                  <p:childTnLst>
+                                    <p:animClr clrSpc="rgb" dir="cw">
+                                      <p:cBhvr>
+                                        <p:cTn id="60" dur="2000" fill="hold"/>
+                                        <p:tgtEl>
+                                          <p:spTgt spid="52"/>
+                                        </p:tgtEl>
+                                        <p:attrNameLst>
+                                          <p:attrName>fillcolor</p:attrName>
+                                        </p:attrNameLst>
+                                      </p:cBhvr>
+                                      <p:to>
+                                        <a:schemeClr val="accent2"/>
+                                      </p:to>
+                                    </p:animClr>
+                                    <p:set>
+                                      <p:cBhvr>
+                                        <p:cTn id="61" dur="2000" fill="hold"/>
+                                        <p:tgtEl>
+                                          <p:spTgt spid="52"/>
+                                        </p:tgtEl>
+                                        <p:attrNameLst>
+                                          <p:attrName>fill.type</p:attrName>
+                                        </p:attrNameLst>
+                                      </p:cBhvr>
+                                      <p:to>
+                                        <p:strVal val="solid"/>
+                                      </p:to>
+                                    </p:set>
+                                    <p:set>
+                                      <p:cBhvr>
+                                        <p:cTn id="62" dur="2000" fill="hold"/>
+                                        <p:tgtEl>
+                                          <p:spTgt spid="52"/>
+                                        </p:tgtEl>
+                                        <p:attrNameLst>
+                                          <p:attrName>fill.on</p:attrName>
+                                        </p:attrNameLst>
+                                      </p:cBhvr>
+                                      <p:to>
+                                        <p:strVal val="true"/>
+                                      </p:to>
+                                    </p:set>
+                                  </p:childTnLst>
+                                </p:cTn>
+                              </p:par>
+                              <p:par>
+                                <p:cTn id="63" presetID="1" presetClass="emph" presetSubtype="2" fill="hold" nodeType="withEffect">
+                                  <p:stCondLst>
+                                    <p:cond delay="0"/>
+                                  </p:stCondLst>
+                                  <p:childTnLst>
+                                    <p:animClr clrSpc="rgb" dir="cw">
+                                      <p:cBhvr>
+                                        <p:cTn id="64" dur="2000" fill="hold"/>
+                                        <p:tgtEl>
+                                          <p:spTgt spid="5"/>
+                                        </p:tgtEl>
+                                        <p:attrNameLst>
+                                          <p:attrName>fillcolor</p:attrName>
+                                        </p:attrNameLst>
+                                      </p:cBhvr>
+                                      <p:to>
+                                        <a:schemeClr val="bg2"/>
+                                      </p:to>
+                                    </p:animClr>
+                                    <p:set>
+                                      <p:cBhvr>
+                                        <p:cTn id="65" dur="2000" fill="hold"/>
+                                        <p:tgtEl>
+                                          <p:spTgt spid="5"/>
+                                        </p:tgtEl>
+                                        <p:attrNameLst>
+                                          <p:attrName>fill.type</p:attrName>
+                                        </p:attrNameLst>
+                                      </p:cBhvr>
+                                      <p:to>
+                                        <p:strVal val="solid"/>
+                                      </p:to>
+                                    </p:set>
+                                    <p:set>
+                                      <p:cBhvr>
+                                        <p:cTn id="66" dur="2000" fill="hold"/>
+                                        <p:tgtEl>
+                                          <p:spTgt spid="5"/>
+                                        </p:tgtEl>
+                                        <p:attrNameLst>
+                                          <p:attrName>fill.on</p:attrName>
+                                        </p:attrNameLst>
+                                      </p:cBhvr>
+                                      <p:to>
+                                        <p:strVal val="true"/>
+                                      </p:to>
+                                    </p:set>
+                                  </p:childTnLst>
+                                </p:cTn>
+                              </p:par>
+                              <p:par>
+                                <p:cTn id="67" presetID="1" presetClass="emph" presetSubtype="2" fill="hold" nodeType="withEffect">
+                                  <p:stCondLst>
+                                    <p:cond delay="0"/>
+                                  </p:stCondLst>
+                                  <p:childTnLst>
+                                    <p:animClr clrSpc="rgb" dir="cw">
+                                      <p:cBhvr>
+                                        <p:cTn id="68" dur="2000" fill="hold"/>
+                                        <p:tgtEl>
+                                          <p:spTgt spid="96"/>
+                                        </p:tgtEl>
+                                        <p:attrNameLst>
+                                          <p:attrName>fillcolor</p:attrName>
+                                        </p:attrNameLst>
+                                      </p:cBhvr>
+                                      <p:to>
+                                        <a:schemeClr val="bg2"/>
+                                      </p:to>
+                                    </p:animClr>
+                                    <p:set>
+                                      <p:cBhvr>
+                                        <p:cTn id="69" dur="2000" fill="hold"/>
+                                        <p:tgtEl>
+                                          <p:spTgt spid="96"/>
+                                        </p:tgtEl>
+                                        <p:attrNameLst>
+                                          <p:attrName>fill.type</p:attrName>
+                                        </p:attrNameLst>
+                                      </p:cBhvr>
+                                      <p:to>
+                                        <p:strVal val="solid"/>
+                                      </p:to>
+                                    </p:set>
+                                    <p:set>
+                                      <p:cBhvr>
+                                        <p:cTn id="70" dur="2000" fill="hold"/>
+                                        <p:tgtEl>
+                                          <p:spTgt spid="96"/>
+                                        </p:tgtEl>
+                                        <p:attrNameLst>
+                                          <p:attrName>fill.on</p:attrName>
+                                        </p:attrNameLst>
+                                      </p:cBhvr>
+                                      <p:to>
+                                        <p:strVal val="true"/>
+                                      </p:to>
+                                    </p:set>
+                                  </p:childTnLst>
+                                </p:cTn>
+                              </p:par>
+                              <p:par>
+                                <p:cTn id="71" presetID="7" presetClass="emph" presetSubtype="2" fill="hold" nodeType="withEffect">
+                                  <p:stCondLst>
+                                    <p:cond delay="0"/>
+                                  </p:stCondLst>
+                                  <p:childTnLst>
+                                    <p:animClr clrSpc="rgb" dir="cw">
+                                      <p:cBhvr>
+                                        <p:cTn id="72" dur="2000" fill="hold"/>
+                                        <p:tgtEl>
+                                          <p:spTgt spid="126"/>
+                                        </p:tgtEl>
+                                        <p:attrNameLst>
+                                          <p:attrName>stroke.color</p:attrName>
+                                        </p:attrNameLst>
+                                      </p:cBhvr>
+                                      <p:to>
+                                        <a:schemeClr val="accent2"/>
+                                      </p:to>
+                                    </p:animClr>
+                                    <p:set>
+                                      <p:cBhvr>
+                                        <p:cTn id="73" dur="2000" fill="hold"/>
+                                        <p:tgtEl>
+                                          <p:spTgt spid="126"/>
+                                        </p:tgtEl>
+                                        <p:attrNameLst>
+                                          <p:attrName>stroke.on</p:attrName>
+                                        </p:attrNameLst>
+                                      </p:cBhvr>
+                                      <p:to>
+                                        <p:strVal val="true"/>
+                                      </p:to>
+                                    </p:set>
+                                  </p:childTnLst>
+                                </p:cTn>
+                              </p:par>
+                              <p:par>
+                                <p:cTn id="74" presetID="7" presetClass="emph" presetSubtype="2" fill="hold" nodeType="withEffect">
+                                  <p:stCondLst>
+                                    <p:cond delay="0"/>
+                                  </p:stCondLst>
+                                  <p:childTnLst>
+                                    <p:animClr clrSpc="rgb" dir="cw">
+                                      <p:cBhvr>
+                                        <p:cTn id="75" dur="2000" fill="hold"/>
+                                        <p:tgtEl>
+                                          <p:spTgt spid="181"/>
+                                        </p:tgtEl>
+                                        <p:attrNameLst>
+                                          <p:attrName>stroke.color</p:attrName>
+                                        </p:attrNameLst>
+                                      </p:cBhvr>
+                                      <p:to>
+                                        <a:schemeClr val="bg2"/>
+                                      </p:to>
+                                    </p:animClr>
+                                    <p:set>
+                                      <p:cBhvr>
+                                        <p:cTn id="76" dur="2000" fill="hold"/>
+                                        <p:tgtEl>
+                                          <p:spTgt spid="181"/>
+                                        </p:tgtEl>
+                                        <p:attrNameLst>
+                                          <p:attrName>stroke.on</p:attrName>
+                                        </p:attrNameLst>
+                                      </p:cBhvr>
+                                      <p:to>
+                                        <p:strVal val="true"/>
+                                      </p:to>
+                                    </p:set>
+                                  </p:childTnLst>
+                                </p:cTn>
+                              </p:par>
+                              <p:par>
+                                <p:cTn id="77" presetID="1" presetClass="emph" presetSubtype="2" fill="hold" nodeType="withEffect">
+                                  <p:stCondLst>
+                                    <p:cond delay="0"/>
+                                  </p:stCondLst>
+                                  <p:childTnLst>
+                                    <p:animClr clrSpc="rgb" dir="cw">
+                                      <p:cBhvr>
+                                        <p:cTn id="78" dur="2000" fill="hold"/>
+                                        <p:tgtEl>
+                                          <p:spTgt spid="30"/>
+                                        </p:tgtEl>
+                                        <p:attrNameLst>
+                                          <p:attrName>fillcolor</p:attrName>
+                                        </p:attrNameLst>
+                                      </p:cBhvr>
+                                      <p:to>
+                                        <a:schemeClr val="accent2"/>
+                                      </p:to>
+                                    </p:animClr>
+                                    <p:set>
+                                      <p:cBhvr>
+                                        <p:cTn id="79" dur="2000" fill="hold"/>
+                                        <p:tgtEl>
+                                          <p:spTgt spid="30"/>
+                                        </p:tgtEl>
+                                        <p:attrNameLst>
+                                          <p:attrName>fill.type</p:attrName>
+                                        </p:attrNameLst>
+                                      </p:cBhvr>
+                                      <p:to>
+                                        <p:strVal val="solid"/>
+                                      </p:to>
+                                    </p:set>
+                                    <p:set>
+                                      <p:cBhvr>
+                                        <p:cTn id="80" dur="2000" fill="hold"/>
+                                        <p:tgtEl>
+                                          <p:spTgt spid="30"/>
+                                        </p:tgtEl>
+                                        <p:attrNameLst>
+                                          <p:attrName>fill.on</p:attrName>
+                                        </p:attrNameLst>
+                                      </p:cBhvr>
+                                      <p:to>
+                                        <p:strVal val="true"/>
+                                      </p:to>
+                                    </p:set>
+                                  </p:childTnLst>
+                                </p:cTn>
+                              </p:par>
+                              <p:par>
+                                <p:cTn id="81" presetID="1" presetClass="emph" presetSubtype="2" fill="hold" nodeType="withEffect">
+                                  <p:stCondLst>
+                                    <p:cond delay="0"/>
+                                  </p:stCondLst>
+                                  <p:childTnLst>
+                                    <p:animClr clrSpc="rgb" dir="cw">
+                                      <p:cBhvr>
+                                        <p:cTn id="82" dur="2000" fill="hold"/>
+                                        <p:tgtEl>
+                                          <p:spTgt spid="30"/>
+                                        </p:tgtEl>
+                                        <p:attrNameLst>
+                                          <p:attrName>fillcolor</p:attrName>
+                                        </p:attrNameLst>
+                                      </p:cBhvr>
+                                      <p:to>
+                                        <a:schemeClr val="bg2"/>
+                                      </p:to>
+                                    </p:animClr>
+                                    <p:set>
+                                      <p:cBhvr>
+                                        <p:cTn id="83" dur="2000" fill="hold"/>
+                                        <p:tgtEl>
+                                          <p:spTgt spid="30"/>
+                                        </p:tgtEl>
+                                        <p:attrNameLst>
+                                          <p:attrName>fill.type</p:attrName>
+                                        </p:attrNameLst>
+                                      </p:cBhvr>
+                                      <p:to>
+                                        <p:strVal val="solid"/>
+                                      </p:to>
+                                    </p:set>
+                                    <p:set>
+                                      <p:cBhvr>
+                                        <p:cTn id="84" dur="2000" fill="hold"/>
+                                        <p:tgtEl>
+                                          <p:spTgt spid="30"/>
+                                        </p:tgtEl>
+                                        <p:attrNameLst>
+                                          <p:attrName>fill.on</p:attrName>
+                                        </p:attrNameLst>
+                                      </p:cBhvr>
+                                      <p:to>
+                                        <p:strVal val="true"/>
+                                      </p:to>
+                                    </p:set>
+                                  </p:childTnLst>
+                                </p:cTn>
+                              </p:par>
+                              <p:par>
+                                <p:cTn id="85" presetID="1" presetClass="emph" presetSubtype="2" fill="hold" nodeType="withEffect">
+                                  <p:stCondLst>
+                                    <p:cond delay="0"/>
+                                  </p:stCondLst>
+                                  <p:childTnLst>
+                                    <p:animClr clrSpc="rgb" dir="cw">
+                                      <p:cBhvr>
+                                        <p:cTn id="86" dur="2000" fill="hold"/>
+                                        <p:tgtEl>
+                                          <p:spTgt spid="30"/>
+                                        </p:tgtEl>
+                                        <p:attrNameLst>
+                                          <p:attrName>fillcolor</p:attrName>
+                                        </p:attrNameLst>
+                                      </p:cBhvr>
+                                      <p:to>
+                                        <a:schemeClr val="accent2"/>
+                                      </p:to>
+                                    </p:animClr>
+                                    <p:set>
+                                      <p:cBhvr>
+                                        <p:cTn id="87" dur="2000" fill="hold"/>
+                                        <p:tgtEl>
+                                          <p:spTgt spid="30"/>
+                                        </p:tgtEl>
+                                        <p:attrNameLst>
+                                          <p:attrName>fill.type</p:attrName>
+                                        </p:attrNameLst>
+                                      </p:cBhvr>
+                                      <p:to>
+                                        <p:strVal val="solid"/>
+                                      </p:to>
+                                    </p:set>
+                                    <p:set>
+                                      <p:cBhvr>
+                                        <p:cTn id="88" dur="2000" fill="hold"/>
+                                        <p:tgtEl>
+                                          <p:spTgt spid="30"/>
+                                        </p:tgtEl>
+                                        <p:attrNameLst>
+                                          <p:attrName>fill.on</p:attrName>
+                                        </p:attrNameLst>
+                                      </p:cBhvr>
+                                      <p:to>
+                                        <p:strVal val="true"/>
+                                      </p:to>
+                                    </p:set>
+                                  </p:childTnLst>
+                                </p:cTn>
+                              </p:par>
+                              <p:par>
+                                <p:cTn id="89" presetID="7" presetClass="emph" presetSubtype="2" fill="hold" nodeType="withEffect">
+                                  <p:stCondLst>
+                                    <p:cond delay="0"/>
+                                  </p:stCondLst>
+                                  <p:childTnLst>
+                                    <p:animClr clrSpc="rgb" dir="cw">
+                                      <p:cBhvr>
+                                        <p:cTn id="90" dur="2000" fill="hold"/>
+                                        <p:tgtEl>
+                                          <p:spTgt spid="31"/>
+                                        </p:tgtEl>
+                                        <p:attrNameLst>
+                                          <p:attrName>stroke.color</p:attrName>
+                                        </p:attrNameLst>
+                                      </p:cBhvr>
+                                      <p:to>
+                                        <a:schemeClr val="accent2"/>
+                                      </p:to>
+                                    </p:animClr>
+                                    <p:set>
+                                      <p:cBhvr>
+                                        <p:cTn id="91" dur="2000" fill="hold"/>
+                                        <p:tgtEl>
+                                          <p:spTgt spid="31"/>
+                                        </p:tgtEl>
+                                        <p:attrNameLst>
+                                          <p:attrName>stroke.on</p:attrName>
+                                        </p:attrNameLst>
+                                      </p:cBhvr>
+                                      <p:to>
+                                        <p:strVal val="true"/>
+                                      </p:to>
+                                    </p:set>
+                                  </p:childTnLst>
+                                </p:cTn>
+                              </p:par>
+                              <p:par>
+                                <p:cTn id="92" presetID="7" presetClass="emph" presetSubtype="2" fill="hold" nodeType="withEffect">
+                                  <p:stCondLst>
+                                    <p:cond delay="0"/>
+                                  </p:stCondLst>
+                                  <p:childTnLst>
+                                    <p:animClr clrSpc="rgb" dir="cw">
+                                      <p:cBhvr>
+                                        <p:cTn id="93" dur="2000" fill="hold"/>
+                                        <p:tgtEl>
+                                          <p:spTgt spid="31"/>
+                                        </p:tgtEl>
+                                        <p:attrNameLst>
+                                          <p:attrName>stroke.color</p:attrName>
+                                        </p:attrNameLst>
+                                      </p:cBhvr>
+                                      <p:to>
+                                        <a:schemeClr val="bg2"/>
+                                      </p:to>
+                                    </p:animClr>
+                                    <p:set>
+                                      <p:cBhvr>
+                                        <p:cTn id="94" dur="2000" fill="hold"/>
+                                        <p:tgtEl>
+                                          <p:spTgt spid="31"/>
+                                        </p:tgtEl>
+                                        <p:attrNameLst>
+                                          <p:attrName>stroke.on</p:attrName>
+                                        </p:attrNameLst>
+                                      </p:cBhvr>
+                                      <p:to>
+                                        <p:strVal val="true"/>
+                                      </p:to>
+                                    </p:set>
+                                  </p:childTnLst>
+                                </p:cTn>
+                              </p:par>
+                              <p:par>
+                                <p:cTn id="95" presetID="1" presetClass="entr" presetSubtype="0" fill="hold" grpId="0" nodeType="withEffect">
+                                  <p:stCondLst>
+                                    <p:cond delay="0"/>
+                                  </p:stCondLst>
+                                  <p:childTnLst>
+                                    <p:set>
+                                      <p:cBhvr>
+                                        <p:cTn id="96" dur="1" fill="hold">
+                                          <p:stCondLst>
+                                            <p:cond delay="0"/>
+                                          </p:stCondLst>
+                                        </p:cTn>
+                                        <p:tgtEl>
+                                          <p:spTgt spid="39"/>
+                                        </p:tgtEl>
+                                        <p:attrNameLst>
+                                          <p:attrName>style.visibility</p:attrName>
+                                        </p:attrNameLst>
+                                      </p:cBhvr>
+                                      <p:to>
+                                        <p:strVal val="visible"/>
+                                      </p:to>
+                                    </p:set>
+                                  </p:childTnLst>
+                                </p:cTn>
+                              </p:par>
+                            </p:childTnLst>
+                          </p:cTn>
+                        </p:par>
+                      </p:childTnLst>
+                    </p:cTn>
+                  </p:par>
+                </p:childTnLst>
+              </p:cTn>
+              <p:prevCondLst>
+                <p:cond evt="onPrev" delay="0">
+                  <p:tgtEl>
+                    <p:sldTgt/>
+                  </p:tgtEl>
+                </p:cond>
+              </p:prevCondLst>
+              <p:nextCondLst>
+                <p:cond evt="onNext" delay="0">
+                  <p:tgtEl>
+                    <p:sldTgt/>
+                  </p:tgtEl>
+                </p:cond>
+              </p:nextCondLst>
+            </p:seq>
+          </p:childTnLst>
+        </p:cTn>
+      </p:par>
+    </p:tnLst>
+    <p:bldLst>
+      <p:bldP spid="35" grpId="0"/>
+      <p:bldP spid="39" grpId="0"/>
+    </p:bldLst>
+  </p:timing>
+</p:sld>
+</file>
+
+<file path=ppt/slides/slide4.xml><?xml version="1.0" encoding="utf-8"?>
+<p:sld xmlns:a="http://schemas.openxmlformats.org/drawingml/2006/main" xmlns:r="http://schemas.openxmlformats.org/officeDocument/2006/relationships" xmlns:mc="http://schemas.openxmlformats.org/markup-compatibility/2006" xmlns:mv="urn:schemas-microsoft-com:mac:vml" xmlns:p="http://schemas.openxmlformats.org/presentationml/2006/main" mc:Ignorable="mv" mc:PreserveAttributes="mv:*">
+  <p:cSld>
+    <p:spTree>
+      <p:nvGrpSpPr>
+        <p:cNvPr id="1" name=""/>
+        <p:cNvGrpSpPr/>
+        <p:nvPr/>
+      </p:nvGrpSpPr>
+      <p:grpSpPr>
+        <a:xfrm>
+          <a:off x="0" y="0"/>
+          <a:ext cx="0" cy="0"/>
+          <a:chOff x="0" y="0"/>
+          <a:chExt cx="0" cy="0"/>
+        </a:xfrm>
+      </p:grpSpPr>
+      <p:sp>
+        <p:nvSpPr>
+          <p:cNvPr id="5" name="Oval 4"/>
+          <p:cNvSpPr/>
+          <p:nvPr/>
+        </p:nvSpPr>
+        <p:spPr>
+          <a:xfrm>
+            <a:off x="419748" y="3125110"/>
+            <a:ext cx="2203584" cy="1143531"/>
+          </a:xfrm>
+          <a:prstGeom prst="ellipse">
+            <a:avLst/>
+          </a:prstGeom>
+          <a:ln/>
+        </p:spPr>
+        <p:style>
+          <a:lnRef idx="1">
+            <a:schemeClr val="accent1"/>
+          </a:lnRef>
+          <a:fillRef idx="2">
+            <a:schemeClr val="accent1"/>
+          </a:fillRef>
+          <a:effectRef idx="1">
+            <a:schemeClr val="accent1"/>
+          </a:effectRef>
+          <a:fontRef idx="minor">
+            <a:schemeClr val="dk1"/>
+          </a:fontRef>
+        </p:style>
+        <p:txBody>
+          <a:bodyPr rtlCol="0" anchor="ctr"/>
+          <a:lstStyle/>
+          <a:p>
+            <a:pPr algn="ctr"/>
+            <a:r>
+              <a:rPr lang="en-US" sz="1600" dirty="0" smtClean="0">
+                <a:solidFill>
+                  <a:srgbClr val="000000"/>
+                </a:solidFill>
+              </a:rPr>
+              <a:t>Neighborhood Disadvantage</a:t>
+            </a:r>
+            <a:endParaRPr lang="en-US" sz="1600" dirty="0">
+              <a:solidFill>
+                <a:srgbClr val="000000"/>
+              </a:solidFill>
+            </a:endParaRPr>
+          </a:p>
+        </p:txBody>
+      </p:sp>
+      <p:sp>
+        <p:nvSpPr>
+          <p:cNvPr id="36" name="Rectangle 35"/>
+          <p:cNvSpPr/>
+          <p:nvPr/>
+        </p:nvSpPr>
+        <p:spPr>
+          <a:xfrm>
+            <a:off x="6781800" y="3088689"/>
+            <a:ext cx="1814023" cy="1135803"/>
+          </a:xfrm>
+          <a:prstGeom prst="rect">
+            <a:avLst/>
+          </a:prstGeom>
+          <a:solidFill>
+            <a:srgbClr val="FFFFFF"/>
+          </a:solidFill>
+          <a:ln>
+            <a:solidFill>
+              <a:schemeClr val="tx1"/>
+            </a:solidFill>
+          </a:ln>
+        </p:spPr>
+        <p:style>
+          <a:lnRef idx="1">
+            <a:schemeClr val="accent1"/>
+          </a:lnRef>
+          <a:fillRef idx="2">
+            <a:schemeClr val="accent1"/>
+          </a:fillRef>
+          <a:effectRef idx="1">
+            <a:schemeClr val="accent1"/>
+          </a:effectRef>
+          <a:fontRef idx="minor">
+            <a:schemeClr val="dk1"/>
+          </a:fontRef>
+        </p:style>
+        <p:txBody>
+          <a:bodyPr rtlCol="0" anchor="ctr"/>
+          <a:lstStyle/>
+          <a:p>
+            <a:r>
+              <a:rPr lang="en-US" sz="1600" dirty="0" smtClean="0">
+                <a:solidFill>
+                  <a:srgbClr val="000000"/>
+                </a:solidFill>
+              </a:rPr>
+              <a:t>Emotional disorder</a:t>
+            </a:r>
+          </a:p>
+          <a:p>
+            <a:pPr marL="285750" indent="-285750">
+              <a:buFont typeface="Arial"/>
+              <a:buChar char="•"/>
+            </a:pPr>
+            <a:r>
+              <a:rPr lang="en-US" sz="1600" dirty="0" smtClean="0">
+                <a:solidFill>
+                  <a:srgbClr val="000000"/>
+                </a:solidFill>
+              </a:rPr>
+              <a:t>Anxiety</a:t>
+            </a:r>
+          </a:p>
+          <a:p>
+            <a:pPr marL="285750" indent="-285750">
+              <a:buFont typeface="Arial"/>
+              <a:buChar char="•"/>
+            </a:pPr>
+            <a:r>
+              <a:rPr lang="en-US" sz="1600" dirty="0" smtClean="0">
+                <a:solidFill>
+                  <a:srgbClr val="000000"/>
+                </a:solidFill>
+              </a:rPr>
+              <a:t>Depression</a:t>
+            </a:r>
+            <a:endParaRPr lang="en-US" sz="1600" dirty="0">
+              <a:solidFill>
+                <a:srgbClr val="000000"/>
+              </a:solidFill>
+            </a:endParaRPr>
+          </a:p>
+        </p:txBody>
+      </p:sp>
+      <p:cxnSp>
+        <p:nvCxnSpPr>
+          <p:cNvPr id="126" name="Straight Arrow Connector 125"/>
+          <p:cNvCxnSpPr>
+            <a:stCxn id="96" idx="3"/>
+            <a:endCxn id="36" idx="1"/>
+          </p:cNvCxnSpPr>
+          <p:nvPr/>
+        </p:nvCxnSpPr>
+        <p:spPr>
+          <a:xfrm flipV="1">
+            <a:off x="5598545" y="3656591"/>
+            <a:ext cx="1183255" cy="11948"/>
+          </a:xfrm>
+          <a:prstGeom prst="straightConnector1">
+            <a:avLst/>
+          </a:prstGeom>
+          <a:ln>
+            <a:solidFill>
+              <a:srgbClr val="000000"/>
+            </a:solidFill>
+            <a:tailEnd type="arrow"/>
+          </a:ln>
+        </p:spPr>
+        <p:style>
+          <a:lnRef idx="1">
+            <a:schemeClr val="accent1"/>
+          </a:lnRef>
+          <a:fillRef idx="0">
+            <a:schemeClr val="accent1"/>
+          </a:fillRef>
+          <a:effectRef idx="0">
+            <a:schemeClr val="accent1"/>
+          </a:effectRef>
+          <a:fontRef idx="minor">
+            <a:schemeClr val="tx1"/>
+          </a:fontRef>
+        </p:style>
+      </p:cxnSp>
+      <p:sp>
+        <p:nvSpPr>
+          <p:cNvPr id="162" name="Rectangle 161"/>
+          <p:cNvSpPr/>
+          <p:nvPr/>
+        </p:nvSpPr>
+        <p:spPr>
+          <a:xfrm>
+            <a:off x="193212" y="912069"/>
+            <a:ext cx="8402611" cy="608047"/>
+          </a:xfrm>
+          <a:prstGeom prst="rect">
+            <a:avLst/>
+          </a:prstGeom>
+          <a:noFill/>
+          <a:ln>
+            <a:noFill/>
+          </a:ln>
+        </p:spPr>
+        <p:style>
+          <a:lnRef idx="2">
+            <a:schemeClr val="accent2">
+              <a:shade val="50000"/>
+            </a:schemeClr>
+          </a:lnRef>
+          <a:fillRef idx="1">
+            <a:schemeClr val="accent2"/>
+          </a:fillRef>
+          <a:effectRef idx="0">
+            <a:schemeClr val="accent2"/>
+          </a:effectRef>
+          <a:fontRef idx="minor">
+            <a:schemeClr val="lt1"/>
+          </a:fontRef>
+        </p:style>
+        <p:txBody>
+          <a:bodyPr vert="horz" rtlCol="0" anchor="ctr"/>
+          <a:lstStyle/>
+          <a:p>
+            <a:pPr algn="ctr"/>
+            <a:r>
+              <a:rPr lang="en-US" dirty="0" smtClean="0">
+                <a:solidFill>
+                  <a:schemeClr val="tx1"/>
+                </a:solidFill>
+              </a:rPr>
+              <a:t>Exposure to stress in the environment     </a:t>
+            </a:r>
+            <a:r>
+              <a:rPr lang="en-US" dirty="0" smtClean="0">
+                <a:solidFill>
+                  <a:schemeClr val="tx1"/>
+                </a:solidFill>
+                <a:latin typeface="Wingdings"/>
+                <a:ea typeface="Wingdings"/>
+                <a:cs typeface="Wingdings"/>
+              </a:rPr>
+              <a:t></a:t>
+            </a:r>
+            <a:r>
+              <a:rPr lang="en-US" dirty="0" smtClean="0">
+                <a:solidFill>
+                  <a:schemeClr val="tx1"/>
+                </a:solidFill>
+              </a:rPr>
+              <a:t>        Biologic stress        </a:t>
+            </a:r>
+            <a:r>
+              <a:rPr lang="en-US" dirty="0" smtClean="0">
+                <a:solidFill>
+                  <a:schemeClr val="tx1"/>
+                </a:solidFill>
+                <a:latin typeface="Wingdings"/>
+                <a:ea typeface="Wingdings"/>
+                <a:cs typeface="Wingdings"/>
+              </a:rPr>
+              <a:t></a:t>
+            </a:r>
+            <a:r>
+              <a:rPr lang="en-US" dirty="0" smtClean="0">
+                <a:solidFill>
+                  <a:schemeClr val="tx1"/>
+                </a:solidFill>
+              </a:rPr>
+              <a:t>       Mental Illness</a:t>
+            </a:r>
+            <a:endParaRPr lang="en-US" dirty="0">
+              <a:solidFill>
+                <a:schemeClr val="tx1"/>
+              </a:solidFill>
+            </a:endParaRPr>
+          </a:p>
+        </p:txBody>
+      </p:sp>
+      <p:cxnSp>
+        <p:nvCxnSpPr>
+          <p:cNvPr id="69" name="Straight Arrow Connector 68"/>
+          <p:cNvCxnSpPr/>
+          <p:nvPr/>
+        </p:nvCxnSpPr>
+        <p:spPr>
+          <a:xfrm rot="16200000" flipH="1">
+            <a:off x="2857911" y="3171433"/>
+            <a:ext cx="1050884" cy="2"/>
+          </a:xfrm>
+          <a:prstGeom prst="straightConnector1">
+            <a:avLst/>
+          </a:prstGeom>
+          <a:ln>
+            <a:solidFill>
+              <a:srgbClr val="000000"/>
+            </a:solidFill>
+            <a:tailEnd type="arrow"/>
+          </a:ln>
+        </p:spPr>
+        <p:style>
+          <a:lnRef idx="1">
+            <a:schemeClr val="accent1"/>
+          </a:lnRef>
+          <a:fillRef idx="0">
+            <a:schemeClr val="accent1"/>
+          </a:fillRef>
+          <a:effectRef idx="0">
+            <a:schemeClr val="accent1"/>
+          </a:effectRef>
+          <a:fontRef idx="minor">
+            <a:schemeClr val="tx1"/>
+          </a:fontRef>
+        </p:style>
+      </p:cxnSp>
+      <p:cxnSp>
+        <p:nvCxnSpPr>
+          <p:cNvPr id="181" name="Straight Arrow Connector 180"/>
+          <p:cNvCxnSpPr>
+            <a:stCxn id="5" idx="6"/>
+            <a:endCxn id="96" idx="1"/>
+          </p:cNvCxnSpPr>
+          <p:nvPr/>
+        </p:nvCxnSpPr>
+        <p:spPr>
+          <a:xfrm flipV="1">
+            <a:off x="2623332" y="3668539"/>
+            <a:ext cx="1643868" cy="28337"/>
+          </a:xfrm>
+          <a:prstGeom prst="straightConnector1">
+            <a:avLst/>
+          </a:prstGeom>
+          <a:ln>
+            <a:solidFill>
+              <a:srgbClr val="000000"/>
+            </a:solidFill>
+            <a:tailEnd type="arrow"/>
+          </a:ln>
+        </p:spPr>
+        <p:style>
+          <a:lnRef idx="1">
+            <a:schemeClr val="accent1"/>
+          </a:lnRef>
+          <a:fillRef idx="0">
+            <a:schemeClr val="accent1"/>
+          </a:fillRef>
+          <a:effectRef idx="0">
+            <a:schemeClr val="accent1"/>
+          </a:effectRef>
+          <a:fontRef idx="minor">
+            <a:schemeClr val="tx1"/>
+          </a:fontRef>
+        </p:style>
+      </p:cxnSp>
+      <p:sp>
+        <p:nvSpPr>
+          <p:cNvPr id="96" name="Rectangle 95"/>
+          <p:cNvSpPr/>
+          <p:nvPr/>
+        </p:nvSpPr>
+        <p:spPr>
+          <a:xfrm>
+            <a:off x="4267200" y="3046102"/>
+            <a:ext cx="1331345" cy="1244873"/>
+          </a:xfrm>
+          <a:prstGeom prst="rect">
+            <a:avLst/>
+          </a:prstGeom>
+          <a:ln/>
+        </p:spPr>
+        <p:style>
+          <a:lnRef idx="1">
+            <a:schemeClr val="accent1"/>
+          </a:lnRef>
+          <a:fillRef idx="2">
+            <a:schemeClr val="accent1"/>
+          </a:fillRef>
+          <a:effectRef idx="1">
+            <a:schemeClr val="accent1"/>
+          </a:effectRef>
+          <a:fontRef idx="minor">
+            <a:schemeClr val="dk1"/>
+          </a:fontRef>
+        </p:style>
+        <p:txBody>
+          <a:bodyPr rtlCol="0" anchor="ctr"/>
+          <a:lstStyle/>
+          <a:p>
+            <a:pPr algn="ctr"/>
+            <a:r>
+              <a:rPr lang="en-US" sz="1600" dirty="0" smtClean="0">
+                <a:solidFill>
+                  <a:srgbClr val="000000"/>
+                </a:solidFill>
+              </a:rPr>
+              <a:t>Dysregulation of Stress Response System</a:t>
+            </a:r>
+          </a:p>
+        </p:txBody>
+      </p:sp>
+      <p:sp>
+        <p:nvSpPr>
+          <p:cNvPr id="34" name="TextBox 33"/>
+          <p:cNvSpPr txBox="1"/>
+          <p:nvPr/>
+        </p:nvSpPr>
+        <p:spPr>
+          <a:xfrm>
+            <a:off x="1521536" y="4356640"/>
+            <a:ext cx="1520045" cy="400110"/>
+          </a:xfrm>
+          <a:prstGeom prst="rect">
+            <a:avLst/>
+          </a:prstGeom>
+          <a:noFill/>
+        </p:spPr>
+        <p:txBody>
+          <a:bodyPr wrap="square" rtlCol="0">
+            <a:spAutoFit/>
+          </a:bodyPr>
+          <a:lstStyle/>
+          <a:p>
+            <a:r>
+              <a:rPr lang="en-US" sz="2000" b="1" dirty="0" smtClean="0"/>
+              <a:t>Aim 3</a:t>
+            </a:r>
+            <a:endParaRPr lang="en-US" b="1" dirty="0"/>
+          </a:p>
+        </p:txBody>
+      </p:sp>
+      <p:sp>
+        <p:nvSpPr>
+          <p:cNvPr id="35" name="TextBox 34"/>
+          <p:cNvSpPr txBox="1"/>
+          <p:nvPr/>
+        </p:nvSpPr>
+        <p:spPr>
+          <a:xfrm>
+            <a:off x="4573977" y="2645992"/>
+            <a:ext cx="1520045" cy="400110"/>
+          </a:xfrm>
+          <a:prstGeom prst="rect">
+            <a:avLst/>
+          </a:prstGeom>
+          <a:noFill/>
+        </p:spPr>
+        <p:txBody>
+          <a:bodyPr wrap="square" rtlCol="0">
+            <a:spAutoFit/>
+          </a:bodyPr>
+          <a:lstStyle/>
+          <a:p>
+            <a:r>
+              <a:rPr lang="en-US" sz="2000" b="1" dirty="0" smtClean="0">
+                <a:solidFill>
+                  <a:srgbClr val="BFBFBF"/>
+                </a:solidFill>
+              </a:rPr>
+              <a:t>Aim 2</a:t>
+            </a:r>
+            <a:endParaRPr lang="en-US" b="1" dirty="0">
+              <a:solidFill>
+                <a:srgbClr val="BFBFBF"/>
+              </a:solidFill>
+            </a:endParaRPr>
+          </a:p>
+        </p:txBody>
+      </p:sp>
+      <p:sp>
+        <p:nvSpPr>
+          <p:cNvPr id="52" name="Oval 51"/>
+          <p:cNvSpPr/>
+          <p:nvPr/>
+        </p:nvSpPr>
+        <p:spPr>
+          <a:xfrm>
+            <a:off x="2281559" y="1658051"/>
+            <a:ext cx="2203583" cy="987941"/>
+          </a:xfrm>
+          <a:prstGeom prst="ellipse">
+            <a:avLst/>
+          </a:prstGeom>
+          <a:noFill/>
+          <a:ln>
+            <a:solidFill>
+              <a:schemeClr val="tx1"/>
+            </a:solidFill>
+          </a:ln>
+        </p:spPr>
+        <p:style>
+          <a:lnRef idx="1">
+            <a:schemeClr val="accent1"/>
+          </a:lnRef>
+          <a:fillRef idx="2">
+            <a:schemeClr val="accent1"/>
+          </a:fillRef>
+          <a:effectRef idx="1">
+            <a:schemeClr val="accent1"/>
+          </a:effectRef>
+          <a:fontRef idx="minor">
+            <a:schemeClr val="dk1"/>
+          </a:fontRef>
+        </p:style>
+        <p:txBody>
+          <a:bodyPr rtlCol="0" anchor="ctr"/>
+          <a:lstStyle/>
+          <a:p>
+            <a:pPr algn="ctr"/>
+            <a:r>
+              <a:rPr lang="en-US" sz="1600" dirty="0" err="1" smtClean="0">
+                <a:solidFill>
+                  <a:srgbClr val="000000"/>
+                </a:solidFill>
+              </a:rPr>
+              <a:t>Urbanicity</a:t>
+            </a:r>
+            <a:endParaRPr lang="en-US" sz="1600" dirty="0">
+              <a:solidFill>
+                <a:srgbClr val="000000"/>
+              </a:solidFill>
+            </a:endParaRPr>
+          </a:p>
+        </p:txBody>
+      </p:sp>
+      <p:sp>
+        <p:nvSpPr>
+          <p:cNvPr id="30" name="Oval 29"/>
+          <p:cNvSpPr/>
+          <p:nvPr/>
+        </p:nvSpPr>
+        <p:spPr>
+          <a:xfrm>
+            <a:off x="2281555" y="4774571"/>
+            <a:ext cx="2203583" cy="987941"/>
+          </a:xfrm>
+          <a:prstGeom prst="ellipse">
+            <a:avLst/>
+          </a:prstGeom>
+          <a:ln/>
+        </p:spPr>
+        <p:style>
+          <a:lnRef idx="1">
+            <a:schemeClr val="accent1"/>
+          </a:lnRef>
+          <a:fillRef idx="2">
+            <a:schemeClr val="accent1"/>
+          </a:fillRef>
+          <a:effectRef idx="1">
+            <a:schemeClr val="accent1"/>
+          </a:effectRef>
+          <a:fontRef idx="minor">
+            <a:schemeClr val="dk1"/>
+          </a:fontRef>
+        </p:style>
+        <p:txBody>
+          <a:bodyPr rtlCol="0" anchor="ctr"/>
+          <a:lstStyle/>
+          <a:p>
+            <a:pPr algn="ctr"/>
+            <a:r>
+              <a:rPr lang="en-US" sz="1600" dirty="0" smtClean="0">
+                <a:solidFill>
+                  <a:srgbClr val="000000"/>
+                </a:solidFill>
+              </a:rPr>
+              <a:t>Multiple effect modifiers not modeled</a:t>
+            </a:r>
+            <a:endParaRPr lang="en-US" sz="1600" dirty="0">
+              <a:solidFill>
+                <a:srgbClr val="000000"/>
+              </a:solidFill>
+            </a:endParaRPr>
+          </a:p>
+        </p:txBody>
+      </p:sp>
+      <p:cxnSp>
+        <p:nvCxnSpPr>
+          <p:cNvPr id="31" name="Straight Arrow Connector 30"/>
+          <p:cNvCxnSpPr/>
+          <p:nvPr/>
+        </p:nvCxnSpPr>
+        <p:spPr>
+          <a:xfrm rot="5400000" flipH="1" flipV="1">
+            <a:off x="2833269" y="4224490"/>
+            <a:ext cx="1100159" cy="2"/>
+          </a:xfrm>
+          <a:prstGeom prst="straightConnector1">
+            <a:avLst/>
+          </a:prstGeom>
+          <a:ln>
+            <a:solidFill>
+              <a:srgbClr val="000000"/>
+            </a:solidFill>
+            <a:tailEnd type="arrow"/>
+          </a:ln>
+        </p:spPr>
+        <p:style>
+          <a:lnRef idx="1">
+            <a:schemeClr val="accent1"/>
+          </a:lnRef>
+          <a:fillRef idx="0">
+            <a:schemeClr val="accent1"/>
+          </a:fillRef>
+          <a:effectRef idx="0">
+            <a:schemeClr val="accent1"/>
+          </a:effectRef>
+          <a:fontRef idx="minor">
+            <a:schemeClr val="tx1"/>
+          </a:fontRef>
+        </p:style>
+      </p:cxnSp>
+      <p:sp>
+        <p:nvSpPr>
+          <p:cNvPr id="39" name="TextBox 38"/>
+          <p:cNvSpPr txBox="1"/>
+          <p:nvPr/>
+        </p:nvSpPr>
+        <p:spPr>
+          <a:xfrm>
+            <a:off x="1521536" y="2645991"/>
+            <a:ext cx="1520045" cy="400110"/>
+          </a:xfrm>
+          <a:prstGeom prst="rect">
+            <a:avLst/>
+          </a:prstGeom>
+          <a:noFill/>
+        </p:spPr>
+        <p:txBody>
+          <a:bodyPr wrap="square" rtlCol="0">
+            <a:spAutoFit/>
+          </a:bodyPr>
+          <a:lstStyle/>
+          <a:p>
+            <a:r>
+              <a:rPr lang="en-US" sz="2000" b="1" dirty="0" smtClean="0">
+                <a:solidFill>
+                  <a:srgbClr val="BFBFBF"/>
+                </a:solidFill>
+              </a:rPr>
+              <a:t>Aim 1</a:t>
+            </a:r>
+            <a:endParaRPr lang="en-US" b="1" dirty="0">
+              <a:solidFill>
+                <a:srgbClr val="BFBFBF"/>
+              </a:solidFill>
+            </a:endParaRPr>
+          </a:p>
+        </p:txBody>
+      </p:sp>
+    </p:spTree>
+    <p:extLst>
+      <p:ext uri="{BB962C8B-B14F-4D97-AF65-F5344CB8AC3E}">
+        <p14:creationId xmlns="" xmlns:a="http://schemas.openxmlformats.org/drawingml/2006/main" xmlns:r="http://schemas.openxmlformats.org/officeDocument/2006/relationships" xmlns:p="http://schemas.openxmlformats.org/presentationml/2006/main" xmlns:p14="http://schemas.microsoft.com/office/powerpoint/2010/main" xmlns:mv="urn:schemas-microsoft-com:mac:vml" xmlns:mc="http://schemas.openxmlformats.org/markup-compatibility/2006" val="3132503273"/>
       </p:ext>
     </p:extLst>
   </p:cSld>
